--- a/dizdocs/PreDrakon.pptx
+++ b/dizdocs/PreDrakon.pptx
@@ -5,7 +5,7 @@
     <p:sldMasterId id="2147483648" r:id="rId1"/>
   </p:sldMasterIdLst>
   <p:notesMasterIdLst>
-    <p:notesMasterId r:id="rId28"/>
+    <p:notesMasterId r:id="rId25"/>
   </p:notesMasterIdLst>
   <p:sldIdLst>
     <p:sldId id="256" r:id="rId2"/>
@@ -19,21 +19,18 @@
     <p:sldId id="260" r:id="rId10"/>
     <p:sldId id="291" r:id="rId11"/>
     <p:sldId id="287" r:id="rId12"/>
-    <p:sldId id="286" r:id="rId13"/>
-    <p:sldId id="279" r:id="rId14"/>
-    <p:sldId id="288" r:id="rId15"/>
-    <p:sldId id="290" r:id="rId16"/>
-    <p:sldId id="278" r:id="rId17"/>
-    <p:sldId id="297" r:id="rId18"/>
-    <p:sldId id="269" r:id="rId19"/>
-    <p:sldId id="268" r:id="rId20"/>
-    <p:sldId id="270" r:id="rId21"/>
-    <p:sldId id="292" r:id="rId22"/>
-    <p:sldId id="271" r:id="rId23"/>
-    <p:sldId id="272" r:id="rId24"/>
-    <p:sldId id="273" r:id="rId25"/>
-    <p:sldId id="295" r:id="rId26"/>
-    <p:sldId id="296" r:id="rId27"/>
+    <p:sldId id="290" r:id="rId13"/>
+    <p:sldId id="286" r:id="rId14"/>
+    <p:sldId id="279" r:id="rId15"/>
+    <p:sldId id="297" r:id="rId16"/>
+    <p:sldId id="288" r:id="rId17"/>
+    <p:sldId id="269" r:id="rId18"/>
+    <p:sldId id="268" r:id="rId19"/>
+    <p:sldId id="270" r:id="rId20"/>
+    <p:sldId id="292" r:id="rId21"/>
+    <p:sldId id="271" r:id="rId22"/>
+    <p:sldId id="272" r:id="rId23"/>
+    <p:sldId id="273" r:id="rId24"/>
   </p:sldIdLst>
   <p:sldSz cx="12192000" cy="6858000"/>
   <p:notesSz cx="6858000" cy="9144000"/>
@@ -185,22 +182,6 @@
 </p:cmLst>
 </file>
 
-<file path=ppt/comments/comment2.xml><?xml version="1.0" encoding="utf-8"?>
-<p:cmLst xmlns:a="http://schemas.openxmlformats.org/drawingml/2006/main" xmlns:r="http://schemas.openxmlformats.org/officeDocument/2006/relationships" xmlns:p="http://schemas.openxmlformats.org/presentationml/2006/main">
-  <p:cm authorId="2" dt="2021-03-03T18:58:18.063" idx="12">
-    <p:pos x="2128" y="1565"/>
-    <p:text>В качестве стандарта используются книги:
-1. Паронджанов В. Д. Алгоритмы и жизнеритмы на языке ДРАКОН. Разработка алгоритмов. Безошибочные алгоритмы. — М.: Препринт, 2019. — 374 с.
-2. Паронджанов В. Д. Учись писать, читать и понимать алгоритмы. Алгоритмы для правильного мышления. Основы алгоритмизации. — М.: ДМК Пресс, 2012, 2014, 2016. — 520 с.</p:text>
-    <p:extLst>
-      <p:ext uri="{C676402C-5697-4E1C-873F-D02D1690AC5C}">
-        <p15:threadingInfo xmlns:p15="http://schemas.microsoft.com/office/powerpoint/2012/main" timeZoneBias="-240"/>
-      </p:ext>
-    </p:extLst>
-  </p:cm>
-</p:cmLst>
-</file>
-
 <file path=ppt/notesMasters/notesMaster1.xml><?xml version="1.0" encoding="utf-8"?>
 <p:notesMaster xmlns:a="http://schemas.openxmlformats.org/drawingml/2006/main" xmlns:r="http://schemas.openxmlformats.org/officeDocument/2006/relationships" xmlns:p="http://schemas.openxmlformats.org/presentationml/2006/main">
   <p:cSld>
@@ -283,7 +264,7 @@
           <a:p>
             <a:fld id="{49A3F619-4E85-401A-AB9F-B194067E8033}" type="datetimeFigureOut">
               <a:rPr lang="ru-RU" smtClean="0"/>
-              <a:t>16.04.2021</a:t>
+              <a:t>14.05.2021</a:t>
             </a:fld>
             <a:endParaRPr lang="ru-RU"/>
           </a:p>
@@ -678,10 +659,7 @@
           <a:bodyPr/>
           <a:lstStyle/>
           <a:p>
-            <a:r>
-              <a:rPr lang="ru-RU" dirty="0"/>
-              <a:t>Системные требования программы представлены на слайде</a:t>
-            </a:r>
+            <a:endParaRPr lang="ru-RU" dirty="0"/>
           </a:p>
         </p:txBody>
       </p:sp>
@@ -702,7 +680,7 @@
           <a:p>
             <a:fld id="{51445AF8-C6EC-4BDD-A795-83822D331AF1}" type="slidenum">
               <a:rPr lang="ru-RU" smtClean="0"/>
-              <a:t>21</a:t>
+              <a:t>10</a:t>
             </a:fld>
             <a:endParaRPr lang="ru-RU"/>
           </a:p>
@@ -711,7 +689,7 @@
     </p:spTree>
     <p:extLst>
       <p:ext uri="{BB962C8B-B14F-4D97-AF65-F5344CB8AC3E}">
-        <p14:creationId xmlns:p14="http://schemas.microsoft.com/office/powerpoint/2010/main" val="3253837271"/>
+        <p14:creationId xmlns:p14="http://schemas.microsoft.com/office/powerpoint/2010/main" val="682851475"/>
       </p:ext>
     </p:extLst>
   </p:cSld>
@@ -767,39 +745,36 @@
           <a:p>
             <a:r>
               <a:rPr lang="ru-RU" dirty="0"/>
-              <a:t>Предоставляет пользователю теоретический материал по теме «АВЛ-деревья»</a:t>
-            </a:r>
-          </a:p>
-          <a:p>
-            <a:pPr marL="457200" indent="-457200">
-              <a:buFont typeface="+mj-lt"/>
-              <a:buAutoNum type="arabicPeriod"/>
-            </a:pPr>
-            <a:r>
+              <a:t>В рамках предъявляемых к ИС требований была спроектирована система со следующей физической архитектурой:</a:t>
+            </a:r>
+            <a:br>
               <a:rPr lang="ru-RU" dirty="0"/>
-              <a:t>Проводит тестирование пользователя по теме «АВЛ-деревья»</a:t>
-            </a:r>
-          </a:p>
-          <a:p>
-            <a:pPr marL="457200" indent="-457200">
-              <a:buFont typeface="+mj-lt"/>
-              <a:buAutoNum type="arabicPeriod"/>
-            </a:pPr>
+            </a:br>
+            <a:endParaRPr lang="ru-RU" dirty="0"/>
+          </a:p>
+          <a:p>
             <a:r>
               <a:rPr lang="ru-RU" dirty="0"/>
-              <a:t>Позволяет редактировать базу тестовых вопросов</a:t>
-            </a:r>
-          </a:p>
-          <a:p>
-            <a:pPr marL="0" indent="0">
-              <a:buNone/>
-            </a:pPr>
+              <a:t>Пользователь, использую рабочую станцию и открытый браузер, взаимодействует с сервером через сеть, используя протокол </a:t>
+            </a:r>
+            <a:r>
+              <a:rPr lang="en-US" dirty="0"/>
+              <a:t>HTTP</a:t>
+            </a:r>
             <a:r>
               <a:rPr lang="ru-RU" dirty="0"/>
-              <a:t>Программа отвечает поставленным требованиям.</a:t>
-            </a:r>
-          </a:p>
-          <a:p>
+              <a:t>.</a:t>
+            </a:r>
+            <a:br>
+              <a:rPr lang="ru-RU" dirty="0"/>
+            </a:br>
+            <a:r>
+              <a:rPr lang="ru-RU" dirty="0"/>
+              <a:t>Серверная машина обеспечивает выполнение самой серверной службы и осуществляет хранение и взаимодействие с базой данных.</a:t>
+            </a:r>
+            <a:br>
+              <a:rPr lang="ru-RU" dirty="0"/>
+            </a:br>
             <a:endParaRPr lang="ru-RU" dirty="0"/>
           </a:p>
         </p:txBody>
@@ -821,7 +796,7 @@
           <a:p>
             <a:fld id="{51445AF8-C6EC-4BDD-A795-83822D331AF1}" type="slidenum">
               <a:rPr lang="ru-RU" smtClean="0"/>
-              <a:t>24</a:t>
+              <a:t>12</a:t>
             </a:fld>
             <a:endParaRPr lang="ru-RU"/>
           </a:p>
@@ -830,7 +805,843 @@
     </p:spTree>
     <p:extLst>
       <p:ext uri="{BB962C8B-B14F-4D97-AF65-F5344CB8AC3E}">
-        <p14:creationId xmlns:p14="http://schemas.microsoft.com/office/powerpoint/2010/main" val="2024135446"/>
+        <p14:creationId xmlns:p14="http://schemas.microsoft.com/office/powerpoint/2010/main" val="3038349952"/>
+      </p:ext>
+    </p:extLst>
+  </p:cSld>
+  <p:clrMapOvr>
+    <a:masterClrMapping/>
+  </p:clrMapOvr>
+</p:notes>
+</file>
+
+<file path=ppt/notesSlides/notesSlide12.xml><?xml version="1.0" encoding="utf-8"?>
+<p:notes xmlns:a="http://schemas.openxmlformats.org/drawingml/2006/main" xmlns:r="http://schemas.openxmlformats.org/officeDocument/2006/relationships" xmlns:p="http://schemas.openxmlformats.org/presentationml/2006/main">
+  <p:cSld>
+    <p:spTree>
+      <p:nvGrpSpPr>
+        <p:cNvPr id="1" name=""/>
+        <p:cNvGrpSpPr/>
+        <p:nvPr/>
+      </p:nvGrpSpPr>
+      <p:grpSpPr>
+        <a:xfrm>
+          <a:off x="0" y="0"/>
+          <a:ext cx="0" cy="0"/>
+          <a:chOff x="0" y="0"/>
+          <a:chExt cx="0" cy="0"/>
+        </a:xfrm>
+      </p:grpSpPr>
+      <p:sp>
+        <p:nvSpPr>
+          <p:cNvPr id="2" name="Образ слайда 1"/>
+          <p:cNvSpPr>
+            <a:spLocks noGrp="1" noRot="1" noChangeAspect="1"/>
+          </p:cNvSpPr>
+          <p:nvPr>
+            <p:ph type="sldImg"/>
+          </p:nvPr>
+        </p:nvSpPr>
+        <p:spPr/>
+      </p:sp>
+      <p:sp>
+        <p:nvSpPr>
+          <p:cNvPr id="3" name="Заметки 2"/>
+          <p:cNvSpPr>
+            <a:spLocks noGrp="1"/>
+          </p:cNvSpPr>
+          <p:nvPr>
+            <p:ph type="body" idx="1"/>
+          </p:nvPr>
+        </p:nvSpPr>
+        <p:spPr/>
+        <p:txBody>
+          <a:bodyPr/>
+          <a:lstStyle/>
+          <a:p>
+            <a:r>
+              <a:rPr lang="ru-RU" dirty="0"/>
+              <a:t>С точки зрения логики выполнения программного продукта:</a:t>
+            </a:r>
+          </a:p>
+          <a:p>
+            <a:endParaRPr lang="ru-RU" dirty="0"/>
+          </a:p>
+          <a:p>
+            <a:r>
+              <a:rPr lang="ru-RU" dirty="0"/>
+              <a:t>Реализован сервер на </a:t>
+            </a:r>
+            <a:r>
+              <a:rPr lang="ru-RU" dirty="0" err="1"/>
+              <a:t>фреймворке</a:t>
+            </a:r>
+            <a:r>
+              <a:rPr lang="ru-RU" dirty="0"/>
+              <a:t> </a:t>
+            </a:r>
+            <a:r>
+              <a:rPr lang="en-US" dirty="0" err="1"/>
+              <a:t>NestJS</a:t>
+            </a:r>
+            <a:r>
+              <a:rPr lang="ru-RU" dirty="0"/>
+              <a:t>, который с помощью библиотеки  </a:t>
+            </a:r>
+            <a:r>
+              <a:rPr lang="en-US" dirty="0" err="1"/>
+              <a:t>TypeORM</a:t>
+            </a:r>
+            <a:r>
+              <a:rPr lang="en-US" dirty="0"/>
+              <a:t> </a:t>
+            </a:r>
+            <a:r>
+              <a:rPr lang="ru-RU" dirty="0"/>
+              <a:t>взаимодействует с базой данной </a:t>
+            </a:r>
+            <a:r>
+              <a:rPr lang="en-US" dirty="0"/>
+              <a:t>PostgreSQL</a:t>
+            </a:r>
+            <a:r>
+              <a:rPr lang="ru-RU" dirty="0"/>
+              <a:t>.</a:t>
+            </a:r>
+            <a:br>
+              <a:rPr lang="ru-RU" dirty="0"/>
+            </a:br>
+            <a:br>
+              <a:rPr lang="ru-RU" dirty="0"/>
+            </a:br>
+            <a:r>
+              <a:rPr lang="ru-RU" dirty="0"/>
+              <a:t>Общение между клиентом и сервером осуществляется при применения архитектурного стиля </a:t>
+            </a:r>
+            <a:r>
+              <a:rPr lang="en-US" dirty="0"/>
+              <a:t>RESTful API</a:t>
+            </a:r>
+            <a:r>
+              <a:rPr lang="ru-RU" dirty="0"/>
+              <a:t> через реализованные сервисы </a:t>
+            </a:r>
+            <a:r>
+              <a:rPr lang="en-US" dirty="0" err="1"/>
+              <a:t>NestJS</a:t>
+            </a:r>
+            <a:r>
+              <a:rPr lang="ru-RU" dirty="0"/>
+              <a:t> и сервисы-провайдеры клиента.</a:t>
+            </a:r>
+          </a:p>
+        </p:txBody>
+      </p:sp>
+      <p:sp>
+        <p:nvSpPr>
+          <p:cNvPr id="4" name="Номер слайда 3"/>
+          <p:cNvSpPr>
+            <a:spLocks noGrp="1"/>
+          </p:cNvSpPr>
+          <p:nvPr>
+            <p:ph type="sldNum" sz="quarter" idx="5"/>
+          </p:nvPr>
+        </p:nvSpPr>
+        <p:spPr/>
+        <p:txBody>
+          <a:bodyPr/>
+          <a:lstStyle/>
+          <a:p>
+            <a:fld id="{51445AF8-C6EC-4BDD-A795-83822D331AF1}" type="slidenum">
+              <a:rPr lang="ru-RU" smtClean="0"/>
+              <a:t>13</a:t>
+            </a:fld>
+            <a:endParaRPr lang="ru-RU"/>
+          </a:p>
+        </p:txBody>
+      </p:sp>
+    </p:spTree>
+    <p:extLst>
+      <p:ext uri="{BB962C8B-B14F-4D97-AF65-F5344CB8AC3E}">
+        <p14:creationId xmlns:p14="http://schemas.microsoft.com/office/powerpoint/2010/main" val="151470465"/>
+      </p:ext>
+    </p:extLst>
+  </p:cSld>
+  <p:clrMapOvr>
+    <a:masterClrMapping/>
+  </p:clrMapOvr>
+</p:notes>
+</file>
+
+<file path=ppt/notesSlides/notesSlide13.xml><?xml version="1.0" encoding="utf-8"?>
+<p:notes xmlns:a="http://schemas.openxmlformats.org/drawingml/2006/main" xmlns:r="http://schemas.openxmlformats.org/officeDocument/2006/relationships" xmlns:p="http://schemas.openxmlformats.org/presentationml/2006/main">
+  <p:cSld>
+    <p:spTree>
+      <p:nvGrpSpPr>
+        <p:cNvPr id="1" name=""/>
+        <p:cNvGrpSpPr/>
+        <p:nvPr/>
+      </p:nvGrpSpPr>
+      <p:grpSpPr>
+        <a:xfrm>
+          <a:off x="0" y="0"/>
+          <a:ext cx="0" cy="0"/>
+          <a:chOff x="0" y="0"/>
+          <a:chExt cx="0" cy="0"/>
+        </a:xfrm>
+      </p:grpSpPr>
+      <p:sp>
+        <p:nvSpPr>
+          <p:cNvPr id="2" name="Образ слайда 1"/>
+          <p:cNvSpPr>
+            <a:spLocks noGrp="1" noRot="1" noChangeAspect="1"/>
+          </p:cNvSpPr>
+          <p:nvPr>
+            <p:ph type="sldImg"/>
+          </p:nvPr>
+        </p:nvSpPr>
+        <p:spPr/>
+      </p:sp>
+      <p:sp>
+        <p:nvSpPr>
+          <p:cNvPr id="3" name="Заметки 2"/>
+          <p:cNvSpPr>
+            <a:spLocks noGrp="1"/>
+          </p:cNvSpPr>
+          <p:nvPr>
+            <p:ph type="body" idx="1"/>
+          </p:nvPr>
+        </p:nvSpPr>
+        <p:spPr/>
+        <p:txBody>
+          <a:bodyPr/>
+          <a:lstStyle/>
+          <a:p>
+            <a:endParaRPr lang="ru-RU" dirty="0"/>
+          </a:p>
+        </p:txBody>
+      </p:sp>
+      <p:sp>
+        <p:nvSpPr>
+          <p:cNvPr id="4" name="Номер слайда 3"/>
+          <p:cNvSpPr>
+            <a:spLocks noGrp="1"/>
+          </p:cNvSpPr>
+          <p:nvPr>
+            <p:ph type="sldNum" sz="quarter" idx="5"/>
+          </p:nvPr>
+        </p:nvSpPr>
+        <p:spPr/>
+        <p:txBody>
+          <a:bodyPr/>
+          <a:lstStyle/>
+          <a:p>
+            <a:fld id="{51445AF8-C6EC-4BDD-A795-83822D331AF1}" type="slidenum">
+              <a:rPr lang="ru-RU" smtClean="0"/>
+              <a:t>14</a:t>
+            </a:fld>
+            <a:endParaRPr lang="ru-RU"/>
+          </a:p>
+        </p:txBody>
+      </p:sp>
+    </p:spTree>
+    <p:extLst>
+      <p:ext uri="{BB962C8B-B14F-4D97-AF65-F5344CB8AC3E}">
+        <p14:creationId xmlns:p14="http://schemas.microsoft.com/office/powerpoint/2010/main" val="2156719884"/>
+      </p:ext>
+    </p:extLst>
+  </p:cSld>
+  <p:clrMapOvr>
+    <a:masterClrMapping/>
+  </p:clrMapOvr>
+</p:notes>
+</file>
+
+<file path=ppt/notesSlides/notesSlide14.xml><?xml version="1.0" encoding="utf-8"?>
+<p:notes xmlns:a="http://schemas.openxmlformats.org/drawingml/2006/main" xmlns:r="http://schemas.openxmlformats.org/officeDocument/2006/relationships" xmlns:p="http://schemas.openxmlformats.org/presentationml/2006/main">
+  <p:cSld>
+    <p:spTree>
+      <p:nvGrpSpPr>
+        <p:cNvPr id="1" name=""/>
+        <p:cNvGrpSpPr/>
+        <p:nvPr/>
+      </p:nvGrpSpPr>
+      <p:grpSpPr>
+        <a:xfrm>
+          <a:off x="0" y="0"/>
+          <a:ext cx="0" cy="0"/>
+          <a:chOff x="0" y="0"/>
+          <a:chExt cx="0" cy="0"/>
+        </a:xfrm>
+      </p:grpSpPr>
+      <p:sp>
+        <p:nvSpPr>
+          <p:cNvPr id="2" name="Образ слайда 1"/>
+          <p:cNvSpPr>
+            <a:spLocks noGrp="1" noRot="1" noChangeAspect="1"/>
+          </p:cNvSpPr>
+          <p:nvPr>
+            <p:ph type="sldImg"/>
+          </p:nvPr>
+        </p:nvSpPr>
+        <p:spPr/>
+      </p:sp>
+      <p:sp>
+        <p:nvSpPr>
+          <p:cNvPr id="3" name="Заметки 2"/>
+          <p:cNvSpPr>
+            <a:spLocks noGrp="1"/>
+          </p:cNvSpPr>
+          <p:nvPr>
+            <p:ph type="body" idx="1"/>
+          </p:nvPr>
+        </p:nvSpPr>
+        <p:spPr/>
+        <p:txBody>
+          <a:bodyPr/>
+          <a:lstStyle/>
+          <a:p>
+            <a:r>
+              <a:rPr lang="ru-RU" dirty="0"/>
+              <a:t>Механизм аутентификации реализован по схеме </a:t>
+            </a:r>
+            <a:r>
+              <a:rPr lang="en-US" dirty="0"/>
+              <a:t>Http Basic (</a:t>
+            </a:r>
+            <a:r>
+              <a:rPr lang="ru-RU" dirty="0"/>
+              <a:t>Логин + Пароль)</a:t>
+            </a:r>
+            <a:endParaRPr lang="en-US" dirty="0"/>
+          </a:p>
+          <a:p>
+            <a:endParaRPr lang="ru-RU" dirty="0"/>
+          </a:p>
+          <a:p>
+            <a:pPr marL="0" marR="0" lvl="0" indent="0" algn="l" defTabSz="914400" rtl="0" eaLnBrk="1" fontAlgn="auto" latinLnBrk="0" hangingPunct="1">
+              <a:lnSpc>
+                <a:spcPct val="100000"/>
+              </a:lnSpc>
+              <a:spcBef>
+                <a:spcPts val="0"/>
+              </a:spcBef>
+              <a:spcAft>
+                <a:spcPts val="0"/>
+              </a:spcAft>
+              <a:buClrTx/>
+              <a:buSzTx/>
+              <a:buFontTx/>
+              <a:buNone/>
+              <a:tabLst/>
+              <a:defRPr/>
+            </a:pPr>
+            <a:r>
+              <a:rPr lang="ru-RU" dirty="0"/>
+              <a:t>Механизм авторизации реализован по схеме </a:t>
+            </a:r>
+            <a:r>
+              <a:rPr lang="en-US" dirty="0"/>
+              <a:t>Http Bearer (JWT-token</a:t>
+            </a:r>
+            <a:r>
+              <a:rPr lang="ru-RU" dirty="0"/>
+              <a:t>)</a:t>
+            </a:r>
+            <a:endParaRPr lang="en-US" dirty="0"/>
+          </a:p>
+          <a:p>
+            <a:endParaRPr lang="ru-RU" dirty="0"/>
+          </a:p>
+          <a:p>
+            <a:r>
+              <a:rPr lang="ru-RU" dirty="0"/>
+              <a:t>Для доступа к защищенным путям используется специальный </a:t>
+            </a:r>
+            <a:r>
+              <a:rPr lang="ru-RU" dirty="0" err="1"/>
+              <a:t>токен</a:t>
+            </a:r>
+            <a:endParaRPr lang="ru-RU" dirty="0"/>
+          </a:p>
+          <a:p>
+            <a:endParaRPr lang="ru-RU" dirty="0"/>
+          </a:p>
+          <a:p>
+            <a:r>
+              <a:rPr lang="ru-RU" dirty="0"/>
+              <a:t>Число раундов соли характеризует степень защищенности пароля от атак грубой силы (</a:t>
+            </a:r>
+            <a:r>
+              <a:rPr lang="en-US" dirty="0"/>
+              <a:t>brute-force attack)</a:t>
+            </a:r>
+            <a:r>
+              <a:rPr lang="ru-RU" dirty="0"/>
+              <a:t> (множество паролей и фраз в надежде угадать верный)</a:t>
+            </a:r>
+          </a:p>
+        </p:txBody>
+      </p:sp>
+      <p:sp>
+        <p:nvSpPr>
+          <p:cNvPr id="4" name="Номер слайда 3"/>
+          <p:cNvSpPr>
+            <a:spLocks noGrp="1"/>
+          </p:cNvSpPr>
+          <p:nvPr>
+            <p:ph type="sldNum" sz="quarter" idx="5"/>
+          </p:nvPr>
+        </p:nvSpPr>
+        <p:spPr/>
+        <p:txBody>
+          <a:bodyPr/>
+          <a:lstStyle/>
+          <a:p>
+            <a:fld id="{51445AF8-C6EC-4BDD-A795-83822D331AF1}" type="slidenum">
+              <a:rPr lang="ru-RU" smtClean="0"/>
+              <a:t>15</a:t>
+            </a:fld>
+            <a:endParaRPr lang="ru-RU"/>
+          </a:p>
+        </p:txBody>
+      </p:sp>
+    </p:spTree>
+    <p:extLst>
+      <p:ext uri="{BB962C8B-B14F-4D97-AF65-F5344CB8AC3E}">
+        <p14:creationId xmlns:p14="http://schemas.microsoft.com/office/powerpoint/2010/main" val="3365833459"/>
+      </p:ext>
+    </p:extLst>
+  </p:cSld>
+  <p:clrMapOvr>
+    <a:masterClrMapping/>
+  </p:clrMapOvr>
+</p:notes>
+</file>
+
+<file path=ppt/notesSlides/notesSlide15.xml><?xml version="1.0" encoding="utf-8"?>
+<p:notes xmlns:a="http://schemas.openxmlformats.org/drawingml/2006/main" xmlns:r="http://schemas.openxmlformats.org/officeDocument/2006/relationships" xmlns:p="http://schemas.openxmlformats.org/presentationml/2006/main">
+  <p:cSld>
+    <p:spTree>
+      <p:nvGrpSpPr>
+        <p:cNvPr id="1" name=""/>
+        <p:cNvGrpSpPr/>
+        <p:nvPr/>
+      </p:nvGrpSpPr>
+      <p:grpSpPr>
+        <a:xfrm>
+          <a:off x="0" y="0"/>
+          <a:ext cx="0" cy="0"/>
+          <a:chOff x="0" y="0"/>
+          <a:chExt cx="0" cy="0"/>
+        </a:xfrm>
+      </p:grpSpPr>
+      <p:sp>
+        <p:nvSpPr>
+          <p:cNvPr id="2" name="Образ слайда 1"/>
+          <p:cNvSpPr>
+            <a:spLocks noGrp="1" noRot="1" noChangeAspect="1"/>
+          </p:cNvSpPr>
+          <p:nvPr>
+            <p:ph type="sldImg"/>
+          </p:nvPr>
+        </p:nvSpPr>
+        <p:spPr/>
+      </p:sp>
+      <p:sp>
+        <p:nvSpPr>
+          <p:cNvPr id="3" name="Заметки 2"/>
+          <p:cNvSpPr>
+            <a:spLocks noGrp="1"/>
+          </p:cNvSpPr>
+          <p:nvPr>
+            <p:ph type="body" idx="1"/>
+          </p:nvPr>
+        </p:nvSpPr>
+        <p:spPr/>
+        <p:txBody>
+          <a:bodyPr/>
+          <a:lstStyle/>
+          <a:p>
+            <a:r>
+              <a:rPr lang="ru-RU" dirty="0"/>
+              <a:t>Входные данные программы представлены на слайде</a:t>
+            </a:r>
+          </a:p>
+        </p:txBody>
+      </p:sp>
+      <p:sp>
+        <p:nvSpPr>
+          <p:cNvPr id="4" name="Номер слайда 3"/>
+          <p:cNvSpPr>
+            <a:spLocks noGrp="1"/>
+          </p:cNvSpPr>
+          <p:nvPr>
+            <p:ph type="sldNum" sz="quarter" idx="5"/>
+          </p:nvPr>
+        </p:nvSpPr>
+        <p:spPr/>
+        <p:txBody>
+          <a:bodyPr/>
+          <a:lstStyle/>
+          <a:p>
+            <a:fld id="{51445AF8-C6EC-4BDD-A795-83822D331AF1}" type="slidenum">
+              <a:rPr lang="ru-RU" smtClean="0"/>
+              <a:t>17</a:t>
+            </a:fld>
+            <a:endParaRPr lang="ru-RU"/>
+          </a:p>
+        </p:txBody>
+      </p:sp>
+    </p:spTree>
+    <p:extLst>
+      <p:ext uri="{BB962C8B-B14F-4D97-AF65-F5344CB8AC3E}">
+        <p14:creationId xmlns:p14="http://schemas.microsoft.com/office/powerpoint/2010/main" val="742509794"/>
+      </p:ext>
+    </p:extLst>
+  </p:cSld>
+  <p:clrMapOvr>
+    <a:masterClrMapping/>
+  </p:clrMapOvr>
+</p:notes>
+</file>
+
+<file path=ppt/notesSlides/notesSlide16.xml><?xml version="1.0" encoding="utf-8"?>
+<p:notes xmlns:a="http://schemas.openxmlformats.org/drawingml/2006/main" xmlns:r="http://schemas.openxmlformats.org/officeDocument/2006/relationships" xmlns:p="http://schemas.openxmlformats.org/presentationml/2006/main">
+  <p:cSld>
+    <p:spTree>
+      <p:nvGrpSpPr>
+        <p:cNvPr id="1" name=""/>
+        <p:cNvGrpSpPr/>
+        <p:nvPr/>
+      </p:nvGrpSpPr>
+      <p:grpSpPr>
+        <a:xfrm>
+          <a:off x="0" y="0"/>
+          <a:ext cx="0" cy="0"/>
+          <a:chOff x="0" y="0"/>
+          <a:chExt cx="0" cy="0"/>
+        </a:xfrm>
+      </p:grpSpPr>
+      <p:sp>
+        <p:nvSpPr>
+          <p:cNvPr id="2" name="Образ слайда 1"/>
+          <p:cNvSpPr>
+            <a:spLocks noGrp="1" noRot="1" noChangeAspect="1"/>
+          </p:cNvSpPr>
+          <p:nvPr>
+            <p:ph type="sldImg"/>
+          </p:nvPr>
+        </p:nvSpPr>
+        <p:spPr/>
+      </p:sp>
+      <p:sp>
+        <p:nvSpPr>
+          <p:cNvPr id="3" name="Заметки 2"/>
+          <p:cNvSpPr>
+            <a:spLocks noGrp="1"/>
+          </p:cNvSpPr>
+          <p:nvPr>
+            <p:ph type="body" idx="1"/>
+          </p:nvPr>
+        </p:nvSpPr>
+        <p:spPr/>
+        <p:txBody>
+          <a:bodyPr/>
+          <a:lstStyle/>
+          <a:p>
+            <a:r>
+              <a:rPr lang="ru-RU" dirty="0"/>
+              <a:t>Выходные данные программы представлены на слайде</a:t>
+            </a:r>
+          </a:p>
+        </p:txBody>
+      </p:sp>
+      <p:sp>
+        <p:nvSpPr>
+          <p:cNvPr id="4" name="Номер слайда 3"/>
+          <p:cNvSpPr>
+            <a:spLocks noGrp="1"/>
+          </p:cNvSpPr>
+          <p:nvPr>
+            <p:ph type="sldNum" sz="quarter" idx="5"/>
+          </p:nvPr>
+        </p:nvSpPr>
+        <p:spPr/>
+        <p:txBody>
+          <a:bodyPr/>
+          <a:lstStyle/>
+          <a:p>
+            <a:fld id="{51445AF8-C6EC-4BDD-A795-83822D331AF1}" type="slidenum">
+              <a:rPr lang="ru-RU" smtClean="0"/>
+              <a:t>18</a:t>
+            </a:fld>
+            <a:endParaRPr lang="ru-RU"/>
+          </a:p>
+        </p:txBody>
+      </p:sp>
+    </p:spTree>
+    <p:extLst>
+      <p:ext uri="{BB962C8B-B14F-4D97-AF65-F5344CB8AC3E}">
+        <p14:creationId xmlns:p14="http://schemas.microsoft.com/office/powerpoint/2010/main" val="3230441014"/>
+      </p:ext>
+    </p:extLst>
+  </p:cSld>
+  <p:clrMapOvr>
+    <a:masterClrMapping/>
+  </p:clrMapOvr>
+</p:notes>
+</file>
+
+<file path=ppt/notesSlides/notesSlide17.xml><?xml version="1.0" encoding="utf-8"?>
+<p:notes xmlns:a="http://schemas.openxmlformats.org/drawingml/2006/main" xmlns:r="http://schemas.openxmlformats.org/officeDocument/2006/relationships" xmlns:p="http://schemas.openxmlformats.org/presentationml/2006/main">
+  <p:cSld>
+    <p:spTree>
+      <p:nvGrpSpPr>
+        <p:cNvPr id="1" name=""/>
+        <p:cNvGrpSpPr/>
+        <p:nvPr/>
+      </p:nvGrpSpPr>
+      <p:grpSpPr>
+        <a:xfrm>
+          <a:off x="0" y="0"/>
+          <a:ext cx="0" cy="0"/>
+          <a:chOff x="0" y="0"/>
+          <a:chExt cx="0" cy="0"/>
+        </a:xfrm>
+      </p:grpSpPr>
+      <p:sp>
+        <p:nvSpPr>
+          <p:cNvPr id="2" name="Образ слайда 1"/>
+          <p:cNvSpPr>
+            <a:spLocks noGrp="1" noRot="1" noChangeAspect="1"/>
+          </p:cNvSpPr>
+          <p:nvPr>
+            <p:ph type="sldImg"/>
+          </p:nvPr>
+        </p:nvSpPr>
+        <p:spPr/>
+      </p:sp>
+      <p:sp>
+        <p:nvSpPr>
+          <p:cNvPr id="3" name="Заметки 2"/>
+          <p:cNvSpPr>
+            <a:spLocks noGrp="1"/>
+          </p:cNvSpPr>
+          <p:nvPr>
+            <p:ph type="body" idx="1"/>
+          </p:nvPr>
+        </p:nvSpPr>
+        <p:spPr/>
+        <p:txBody>
+          <a:bodyPr/>
+          <a:lstStyle/>
+          <a:p>
+            <a:r>
+              <a:rPr lang="ru-RU" dirty="0"/>
+              <a:t>Системные требования программы представлены на слайде</a:t>
+            </a:r>
+          </a:p>
+        </p:txBody>
+      </p:sp>
+      <p:sp>
+        <p:nvSpPr>
+          <p:cNvPr id="4" name="Номер слайда 3"/>
+          <p:cNvSpPr>
+            <a:spLocks noGrp="1"/>
+          </p:cNvSpPr>
+          <p:nvPr>
+            <p:ph type="sldNum" sz="quarter" idx="5"/>
+          </p:nvPr>
+        </p:nvSpPr>
+        <p:spPr/>
+        <p:txBody>
+          <a:bodyPr/>
+          <a:lstStyle/>
+          <a:p>
+            <a:fld id="{51445AF8-C6EC-4BDD-A795-83822D331AF1}" type="slidenum">
+              <a:rPr lang="ru-RU" smtClean="0"/>
+              <a:t>19</a:t>
+            </a:fld>
+            <a:endParaRPr lang="ru-RU"/>
+          </a:p>
+        </p:txBody>
+      </p:sp>
+    </p:spTree>
+    <p:extLst>
+      <p:ext uri="{BB962C8B-B14F-4D97-AF65-F5344CB8AC3E}">
+        <p14:creationId xmlns:p14="http://schemas.microsoft.com/office/powerpoint/2010/main" val="791709984"/>
+      </p:ext>
+    </p:extLst>
+  </p:cSld>
+  <p:clrMapOvr>
+    <a:masterClrMapping/>
+  </p:clrMapOvr>
+</p:notes>
+</file>
+
+<file path=ppt/notesSlides/notesSlide18.xml><?xml version="1.0" encoding="utf-8"?>
+<p:notes xmlns:a="http://schemas.openxmlformats.org/drawingml/2006/main" xmlns:r="http://schemas.openxmlformats.org/officeDocument/2006/relationships" xmlns:p="http://schemas.openxmlformats.org/presentationml/2006/main">
+  <p:cSld>
+    <p:spTree>
+      <p:nvGrpSpPr>
+        <p:cNvPr id="1" name=""/>
+        <p:cNvGrpSpPr/>
+        <p:nvPr/>
+      </p:nvGrpSpPr>
+      <p:grpSpPr>
+        <a:xfrm>
+          <a:off x="0" y="0"/>
+          <a:ext cx="0" cy="0"/>
+          <a:chOff x="0" y="0"/>
+          <a:chExt cx="0" cy="0"/>
+        </a:xfrm>
+      </p:grpSpPr>
+      <p:sp>
+        <p:nvSpPr>
+          <p:cNvPr id="2" name="Образ слайда 1"/>
+          <p:cNvSpPr>
+            <a:spLocks noGrp="1" noRot="1" noChangeAspect="1"/>
+          </p:cNvSpPr>
+          <p:nvPr>
+            <p:ph type="sldImg"/>
+          </p:nvPr>
+        </p:nvSpPr>
+        <p:spPr/>
+      </p:sp>
+      <p:sp>
+        <p:nvSpPr>
+          <p:cNvPr id="3" name="Заметки 2"/>
+          <p:cNvSpPr>
+            <a:spLocks noGrp="1"/>
+          </p:cNvSpPr>
+          <p:nvPr>
+            <p:ph type="body" idx="1"/>
+          </p:nvPr>
+        </p:nvSpPr>
+        <p:spPr/>
+        <p:txBody>
+          <a:bodyPr/>
+          <a:lstStyle/>
+          <a:p>
+            <a:r>
+              <a:rPr lang="ru-RU" dirty="0"/>
+              <a:t>Системные требования программы представлены на слайде</a:t>
+            </a:r>
+          </a:p>
+        </p:txBody>
+      </p:sp>
+      <p:sp>
+        <p:nvSpPr>
+          <p:cNvPr id="4" name="Номер слайда 3"/>
+          <p:cNvSpPr>
+            <a:spLocks noGrp="1"/>
+          </p:cNvSpPr>
+          <p:nvPr>
+            <p:ph type="sldNum" sz="quarter" idx="5"/>
+          </p:nvPr>
+        </p:nvSpPr>
+        <p:spPr/>
+        <p:txBody>
+          <a:bodyPr/>
+          <a:lstStyle/>
+          <a:p>
+            <a:fld id="{51445AF8-C6EC-4BDD-A795-83822D331AF1}" type="slidenum">
+              <a:rPr lang="ru-RU" smtClean="0"/>
+              <a:t>20</a:t>
+            </a:fld>
+            <a:endParaRPr lang="ru-RU"/>
+          </a:p>
+        </p:txBody>
+      </p:sp>
+    </p:spTree>
+    <p:extLst>
+      <p:ext uri="{BB962C8B-B14F-4D97-AF65-F5344CB8AC3E}">
+        <p14:creationId xmlns:p14="http://schemas.microsoft.com/office/powerpoint/2010/main" val="3253837271"/>
+      </p:ext>
+    </p:extLst>
+  </p:cSld>
+  <p:clrMapOvr>
+    <a:masterClrMapping/>
+  </p:clrMapOvr>
+</p:notes>
+</file>
+
+<file path=ppt/notesSlides/notesSlide19.xml><?xml version="1.0" encoding="utf-8"?>
+<p:notes xmlns:a="http://schemas.openxmlformats.org/drawingml/2006/main" xmlns:r="http://schemas.openxmlformats.org/officeDocument/2006/relationships" xmlns:p="http://schemas.openxmlformats.org/presentationml/2006/main">
+  <p:cSld>
+    <p:spTree>
+      <p:nvGrpSpPr>
+        <p:cNvPr id="1" name=""/>
+        <p:cNvGrpSpPr/>
+        <p:nvPr/>
+      </p:nvGrpSpPr>
+      <p:grpSpPr>
+        <a:xfrm>
+          <a:off x="0" y="0"/>
+          <a:ext cx="0" cy="0"/>
+          <a:chOff x="0" y="0"/>
+          <a:chExt cx="0" cy="0"/>
+        </a:xfrm>
+      </p:grpSpPr>
+      <p:sp>
+        <p:nvSpPr>
+          <p:cNvPr id="2" name="Образ слайда 1"/>
+          <p:cNvSpPr>
+            <a:spLocks noGrp="1" noRot="1" noChangeAspect="1"/>
+          </p:cNvSpPr>
+          <p:nvPr>
+            <p:ph type="sldImg"/>
+          </p:nvPr>
+        </p:nvSpPr>
+        <p:spPr/>
+      </p:sp>
+      <p:sp>
+        <p:nvSpPr>
+          <p:cNvPr id="3" name="Заметки 2"/>
+          <p:cNvSpPr>
+            <a:spLocks noGrp="1"/>
+          </p:cNvSpPr>
+          <p:nvPr>
+            <p:ph type="body" idx="1"/>
+          </p:nvPr>
+        </p:nvSpPr>
+        <p:spPr/>
+        <p:txBody>
+          <a:bodyPr/>
+          <a:lstStyle/>
+          <a:p>
+            <a:endParaRPr lang="ru-RU" dirty="0"/>
+          </a:p>
+        </p:txBody>
+      </p:sp>
+      <p:sp>
+        <p:nvSpPr>
+          <p:cNvPr id="4" name="Номер слайда 3"/>
+          <p:cNvSpPr>
+            <a:spLocks noGrp="1"/>
+          </p:cNvSpPr>
+          <p:nvPr>
+            <p:ph type="sldNum" sz="quarter" idx="5"/>
+          </p:nvPr>
+        </p:nvSpPr>
+        <p:spPr/>
+        <p:txBody>
+          <a:bodyPr/>
+          <a:lstStyle/>
+          <a:p>
+            <a:fld id="{51445AF8-C6EC-4BDD-A795-83822D331AF1}" type="slidenum">
+              <a:rPr lang="ru-RU" smtClean="0"/>
+              <a:t>21</a:t>
+            </a:fld>
+            <a:endParaRPr lang="ru-RU"/>
+          </a:p>
+        </p:txBody>
+      </p:sp>
+    </p:spTree>
+    <p:extLst>
+      <p:ext uri="{BB962C8B-B14F-4D97-AF65-F5344CB8AC3E}">
+        <p14:creationId xmlns:p14="http://schemas.microsoft.com/office/powerpoint/2010/main" val="3486147722"/>
       </p:ext>
     </p:extLst>
   </p:cSld>
@@ -952,6 +1763,16 @@
               <a:t>1986 году</a:t>
             </a:r>
             <a:r>
+              <a:rPr lang="ru-RU" b="0" i="0" u="none" strike="noStrike" dirty="0">
+                <a:solidFill>
+                  <a:srgbClr val="0645AD"/>
+                </a:solidFill>
+                <a:effectLst/>
+                <a:latin typeface="Arial" panose="020B0604020202020204" pitchFamily="34" charset="0"/>
+              </a:rPr>
+              <a:t> как часть космической программы «БУРАН»</a:t>
+            </a:r>
+            <a:r>
               <a:rPr lang="ru-RU" b="0" i="0" dirty="0">
                 <a:solidFill>
                   <a:srgbClr val="202122"/>
@@ -959,111 +1780,7 @@
                 <a:effectLst/>
                 <a:latin typeface="Arial" panose="020B0604020202020204" pitchFamily="34" charset="0"/>
               </a:rPr>
-              <a:t>. Через 11 лет на базе </a:t>
-            </a:r>
-            <a:r>
-              <a:rPr lang="ru-RU" b="0" i="0" dirty="0" err="1">
-                <a:solidFill>
-                  <a:srgbClr val="202122"/>
-                </a:solidFill>
-                <a:effectLst/>
-                <a:latin typeface="Arial" panose="020B0604020202020204" pitchFamily="34" charset="0"/>
-              </a:rPr>
-              <a:t>ДРАКОНа</a:t>
-            </a:r>
-            <a:r>
-              <a:rPr lang="ru-RU" b="0" i="0" dirty="0">
-                <a:solidFill>
-                  <a:srgbClr val="202122"/>
-                </a:solidFill>
-                <a:effectLst/>
-                <a:latin typeface="Arial" panose="020B0604020202020204" pitchFamily="34" charset="0"/>
-              </a:rPr>
-              <a:t> была построена автоматизированная Технология разработки алгоритмов и программ (</a:t>
-            </a:r>
-            <a:r>
-              <a:rPr lang="ru-RU" b="0" i="0" u="none" strike="noStrike" dirty="0">
-                <a:solidFill>
-                  <a:srgbClr val="0645AD"/>
-                </a:solidFill>
-                <a:effectLst/>
-                <a:latin typeface="Arial" panose="020B0604020202020204" pitchFamily="34" charset="0"/>
-                <a:hlinkClick r:id="rId4" tooltip="CASE"/>
-              </a:rPr>
-              <a:t>CASE</a:t>
-            </a:r>
-            <a:r>
-              <a:rPr lang="ru-RU" b="0" i="0" dirty="0">
-                <a:solidFill>
-                  <a:srgbClr val="202122"/>
-                </a:solidFill>
-                <a:effectLst/>
-                <a:latin typeface="Arial" panose="020B0604020202020204" pitchFamily="34" charset="0"/>
-              </a:rPr>
-              <a:t>-технология) под названием «ГРАФИТ-ФЛОКС»</a:t>
-            </a:r>
-            <a:r>
-              <a:rPr lang="ru-RU" b="0" i="0" u="none" strike="noStrike" baseline="30000" dirty="0">
-                <a:solidFill>
-                  <a:srgbClr val="0645AD"/>
-                </a:solidFill>
-                <a:effectLst/>
-                <a:latin typeface="Arial" panose="020B0604020202020204" pitchFamily="34" charset="0"/>
-                <a:hlinkClick r:id="rId5"/>
-              </a:rPr>
-              <a:t>[8]</a:t>
-            </a:r>
-            <a:r>
-              <a:rPr lang="ru-RU" b="0" i="0" dirty="0">
-                <a:solidFill>
-                  <a:srgbClr val="202122"/>
-                </a:solidFill>
-                <a:effectLst/>
-                <a:latin typeface="Arial" panose="020B0604020202020204" pitchFamily="34" charset="0"/>
-              </a:rPr>
-              <a:t>. С их помощью были разработаны алгоритмы и программы разгонного блока </a:t>
-            </a:r>
-            <a:r>
-              <a:rPr lang="ru-RU" b="0" i="0" u="none" strike="noStrike" dirty="0">
-                <a:solidFill>
-                  <a:srgbClr val="0645AD"/>
-                </a:solidFill>
-                <a:effectLst/>
-                <a:latin typeface="Arial" panose="020B0604020202020204" pitchFamily="34" charset="0"/>
-                <a:hlinkClick r:id="rId6" tooltip="Семейство разгонных блоков Д"/>
-              </a:rPr>
-              <a:t>ДМ-SL</a:t>
-            </a:r>
-            <a:r>
-              <a:rPr lang="ru-RU" b="0" i="0" dirty="0">
-                <a:solidFill>
-                  <a:srgbClr val="202122"/>
-                </a:solidFill>
-                <a:effectLst/>
-                <a:latin typeface="Arial" panose="020B0604020202020204" pitchFamily="34" charset="0"/>
-              </a:rPr>
-              <a:t> международного космического проекта «</a:t>
-            </a:r>
-            <a:r>
-              <a:rPr lang="ru-RU" b="0" i="0" u="none" strike="noStrike" dirty="0">
-                <a:solidFill>
-                  <a:srgbClr val="0645AD"/>
-                </a:solidFill>
-                <a:effectLst/>
-                <a:latin typeface="Arial" panose="020B0604020202020204" pitchFamily="34" charset="0"/>
-                <a:hlinkClick r:id="rId7" tooltip="Морской старт"/>
-              </a:rPr>
-              <a:t>Морской старт</a:t>
-            </a:r>
-            <a:r>
-              <a:rPr lang="ru-RU" b="0" i="0" dirty="0">
-                <a:solidFill>
-                  <a:srgbClr val="202122"/>
-                </a:solidFill>
-                <a:effectLst/>
-                <a:latin typeface="Arial" panose="020B0604020202020204" pitchFamily="34" charset="0"/>
-              </a:rPr>
-              <a:t>». С 97 по 99 с применением языка ДРАКОН было осуществлены свыше 30 запусков космических аппаратов.</a:t>
+              <a:t>. ДРАКОН был создан в ответ на требование научного сообщества в универсальном языке, который сгладит человеческий фактор.</a:t>
             </a:r>
             <a:br>
               <a:rPr lang="ru-RU" b="0" i="0" dirty="0">
@@ -1074,6 +1791,32 @@
                 <a:latin typeface="Arial" panose="020B0604020202020204" pitchFamily="34" charset="0"/>
               </a:rPr>
             </a:br>
+            <a:endParaRPr lang="ru-RU" b="0" i="0" dirty="0">
+              <a:solidFill>
+                <a:srgbClr val="202122"/>
+              </a:solidFill>
+              <a:effectLst/>
+              <a:latin typeface="Arial" panose="020B0604020202020204" pitchFamily="34" charset="0"/>
+            </a:endParaRPr>
+          </a:p>
+          <a:p>
+            <a:pPr marL="0" marR="0" lvl="0" indent="0" algn="l" defTabSz="914400" rtl="0" eaLnBrk="1" fontAlgn="auto" latinLnBrk="0" hangingPunct="1">
+              <a:lnSpc>
+                <a:spcPct val="100000"/>
+              </a:lnSpc>
+              <a:spcBef>
+                <a:spcPts val="0"/>
+              </a:spcBef>
+              <a:spcAft>
+                <a:spcPts val="0"/>
+              </a:spcAft>
+              <a:buClrTx/>
+              <a:buSzTx/>
+              <a:buFontTx/>
+              <a:buNone/>
+              <a:tabLst/>
+              <a:defRPr/>
+            </a:pPr>
             <a:r>
               <a:rPr lang="ru-RU" b="0" i="0" dirty="0">
                 <a:solidFill>
@@ -1082,9 +1825,292 @@
                 <a:effectLst/>
                 <a:latin typeface="Arial" panose="020B0604020202020204" pitchFamily="34" charset="0"/>
               </a:rPr>
-              <a:t>Язык ДРАКОН был создан в ответ на требования научного сообщества в инструментарии для создания алгоритмов для технических специалистов с недостаточными познаниями в области программировании.</a:t>
-            </a:r>
-            <a:endParaRPr lang="ru-RU" dirty="0"/>
+              <a:t>Поэтому к нему были выдвинуты специфические требования:</a:t>
+            </a:r>
+          </a:p>
+          <a:p>
+            <a:pPr marL="0" marR="0" lvl="0" indent="0" algn="l" defTabSz="914400" rtl="0" eaLnBrk="1" fontAlgn="auto" latinLnBrk="0" hangingPunct="1">
+              <a:lnSpc>
+                <a:spcPct val="100000"/>
+              </a:lnSpc>
+              <a:spcBef>
+                <a:spcPts val="0"/>
+              </a:spcBef>
+              <a:spcAft>
+                <a:spcPts val="0"/>
+              </a:spcAft>
+              <a:buClrTx/>
+              <a:buSzTx/>
+              <a:buFontTx/>
+              <a:buNone/>
+              <a:tabLst/>
+              <a:defRPr/>
+            </a:pPr>
+            <a:endParaRPr lang="ru-RU" b="0" i="0" dirty="0">
+              <a:solidFill>
+                <a:srgbClr val="202122"/>
+              </a:solidFill>
+              <a:effectLst/>
+              <a:latin typeface="Arial" panose="020B0604020202020204" pitchFamily="34" charset="0"/>
+            </a:endParaRPr>
+          </a:p>
+          <a:p>
+            <a:pPr marL="228600" marR="0" lvl="0" indent="-228600" algn="l" defTabSz="914400" rtl="0" eaLnBrk="1" fontAlgn="auto" latinLnBrk="0" hangingPunct="1">
+              <a:lnSpc>
+                <a:spcPct val="100000"/>
+              </a:lnSpc>
+              <a:spcBef>
+                <a:spcPts val="0"/>
+              </a:spcBef>
+              <a:spcAft>
+                <a:spcPts val="0"/>
+              </a:spcAft>
+              <a:buClrTx/>
+              <a:buSzTx/>
+              <a:buFontTx/>
+              <a:buAutoNum type="arabicPeriod"/>
+              <a:tabLst/>
+              <a:defRPr/>
+            </a:pPr>
+            <a:r>
+              <a:rPr lang="ru-RU" sz="1200" b="0" i="0" kern="1200" dirty="0">
+                <a:solidFill>
+                  <a:schemeClr val="tx1"/>
+                </a:solidFill>
+                <a:effectLst/>
+                <a:latin typeface="+mn-lt"/>
+                <a:ea typeface="+mn-ea"/>
+                <a:cs typeface="+mn-cs"/>
+              </a:rPr>
+              <a:t>предложить средства для описания не только алгоритмов, но и структуры </a:t>
+            </a:r>
+            <a:r>
+              <a:rPr lang="ru-RU" sz="1200" b="0" i="0" u="none" strike="noStrike" kern="1200" dirty="0">
+                <a:solidFill>
+                  <a:schemeClr val="tx1"/>
+                </a:solidFill>
+                <a:effectLst/>
+                <a:latin typeface="+mn-lt"/>
+                <a:ea typeface="+mn-ea"/>
+                <a:cs typeface="+mn-cs"/>
+                <a:hlinkClick r:id="rId4" tooltip="Деятельность"/>
+              </a:rPr>
+              <a:t>человеческой деятельности</a:t>
+            </a:r>
+            <a:r>
+              <a:rPr lang="ru-RU" sz="1200" b="0" i="0" kern="1200" dirty="0">
+                <a:solidFill>
+                  <a:schemeClr val="tx1"/>
+                </a:solidFill>
+                <a:effectLst/>
+                <a:latin typeface="+mn-lt"/>
+                <a:ea typeface="+mn-ea"/>
+                <a:cs typeface="+mn-cs"/>
+              </a:rPr>
+              <a:t> в любой отрасли знаний</a:t>
+            </a:r>
+            <a:endParaRPr lang="ru-RU" b="0" i="0" dirty="0">
+              <a:solidFill>
+                <a:srgbClr val="202122"/>
+              </a:solidFill>
+              <a:effectLst/>
+              <a:latin typeface="Arial" panose="020B0604020202020204" pitchFamily="34" charset="0"/>
+            </a:endParaRPr>
+          </a:p>
+          <a:p>
+            <a:pPr marL="228600" marR="0" lvl="0" indent="-228600" algn="l" defTabSz="914400" rtl="0" eaLnBrk="1" fontAlgn="auto" latinLnBrk="0" hangingPunct="1">
+              <a:lnSpc>
+                <a:spcPct val="100000"/>
+              </a:lnSpc>
+              <a:spcBef>
+                <a:spcPts val="0"/>
+              </a:spcBef>
+              <a:spcAft>
+                <a:spcPts val="0"/>
+              </a:spcAft>
+              <a:buClrTx/>
+              <a:buSzTx/>
+              <a:buFontTx/>
+              <a:buAutoNum type="arabicPeriod"/>
+              <a:tabLst/>
+              <a:defRPr/>
+            </a:pPr>
+            <a:r>
+              <a:rPr lang="ru-RU" b="0" i="0" dirty="0">
+                <a:solidFill>
+                  <a:srgbClr val="202122"/>
+                </a:solidFill>
+                <a:effectLst/>
+                <a:latin typeface="Arial" panose="020B0604020202020204" pitchFamily="34" charset="0"/>
+              </a:rPr>
+              <a:t>уменьшить барьер взаимного непонимания между работниками различных специальностей и профессий</a:t>
+            </a:r>
+          </a:p>
+          <a:p>
+            <a:pPr marL="228600" marR="0" lvl="0" indent="-228600" algn="l" defTabSz="914400" rtl="0" eaLnBrk="1" fontAlgn="auto" latinLnBrk="0" hangingPunct="1">
+              <a:lnSpc>
+                <a:spcPct val="100000"/>
+              </a:lnSpc>
+              <a:spcBef>
+                <a:spcPts val="0"/>
+              </a:spcBef>
+              <a:spcAft>
+                <a:spcPts val="0"/>
+              </a:spcAft>
+              <a:buClrTx/>
+              <a:buSzTx/>
+              <a:buFontTx/>
+              <a:buAutoNum type="arabicPeriod"/>
+              <a:tabLst/>
+              <a:defRPr/>
+            </a:pPr>
+            <a:r>
+              <a:rPr lang="ru-RU" b="0" i="0" dirty="0">
+                <a:solidFill>
+                  <a:srgbClr val="202122"/>
+                </a:solidFill>
+                <a:effectLst/>
+                <a:latin typeface="Arial" panose="020B0604020202020204" pitchFamily="34" charset="0"/>
+              </a:rPr>
+              <a:t>З</a:t>
+            </a:r>
+            <a:r>
+              <a:rPr lang="ru-RU" sz="1200" b="0" i="0" kern="1200" dirty="0">
+                <a:solidFill>
+                  <a:schemeClr val="tx1"/>
+                </a:solidFill>
+                <a:effectLst/>
+                <a:latin typeface="+mn-lt"/>
+                <a:ea typeface="+mn-ea"/>
+                <a:cs typeface="+mn-cs"/>
+              </a:rPr>
+              <a:t>а счет использования </a:t>
+            </a:r>
+            <a:r>
+              <a:rPr lang="ru-RU" sz="1200" b="0" i="0" kern="1200" dirty="0" err="1">
+                <a:solidFill>
+                  <a:schemeClr val="tx1"/>
+                </a:solidFill>
+                <a:effectLst/>
+                <a:latin typeface="+mn-lt"/>
+                <a:ea typeface="+mn-ea"/>
+                <a:cs typeface="+mn-cs"/>
+              </a:rPr>
+              <a:t>когнитивно</a:t>
+            </a:r>
+            <a:r>
+              <a:rPr lang="ru-RU" sz="1200" b="0" i="0" kern="1200" dirty="0">
+                <a:solidFill>
+                  <a:schemeClr val="tx1"/>
+                </a:solidFill>
+                <a:effectLst/>
+                <a:latin typeface="+mn-lt"/>
+                <a:ea typeface="+mn-ea"/>
+                <a:cs typeface="+mn-cs"/>
+              </a:rPr>
+              <a:t>-эргономического подхода к проектированию (</a:t>
+            </a:r>
+            <a:r>
+              <a:rPr lang="ru-RU" sz="1200" b="0" i="0" u="none" strike="noStrike" kern="1200" dirty="0">
+                <a:solidFill>
+                  <a:schemeClr val="tx1"/>
+                </a:solidFill>
+                <a:effectLst/>
+                <a:latin typeface="+mn-lt"/>
+                <a:ea typeface="+mn-ea"/>
+                <a:cs typeface="+mn-cs"/>
+                <a:hlinkClick r:id="rId5" tooltip="Синтаксис (программирование)"/>
+              </a:rPr>
+              <a:t>синтаксиса</a:t>
+            </a:r>
+            <a:r>
+              <a:rPr lang="ru-RU" sz="1200" b="0" i="0" kern="1200" dirty="0">
+                <a:solidFill>
+                  <a:schemeClr val="tx1"/>
+                </a:solidFill>
+                <a:effectLst/>
+                <a:latin typeface="+mn-lt"/>
+                <a:ea typeface="+mn-ea"/>
+                <a:cs typeface="+mn-cs"/>
+              </a:rPr>
+              <a:t> и </a:t>
+            </a:r>
+            <a:r>
+              <a:rPr lang="ru-RU" sz="1200" b="0" i="0" u="none" strike="noStrike" kern="1200" dirty="0">
+                <a:solidFill>
+                  <a:schemeClr val="tx1"/>
+                </a:solidFill>
+                <a:effectLst/>
+                <a:latin typeface="+mn-lt"/>
+                <a:ea typeface="+mn-ea"/>
+                <a:cs typeface="+mn-cs"/>
+                <a:hlinkClick r:id="rId6" tooltip="Семантика (программирование)"/>
+              </a:rPr>
+              <a:t>семантики</a:t>
+            </a:r>
+            <a:r>
+              <a:rPr lang="ru-RU" sz="1200" b="0" i="0" kern="1200" dirty="0">
+                <a:solidFill>
+                  <a:schemeClr val="tx1"/>
+                </a:solidFill>
+                <a:effectLst/>
+                <a:latin typeface="+mn-lt"/>
+                <a:ea typeface="+mn-ea"/>
+                <a:cs typeface="+mn-cs"/>
+              </a:rPr>
+              <a:t>) языка добиться улучшения качества программного обеспечения по критерию «понятность алгоритмов и программ».</a:t>
+            </a:r>
+            <a:br>
+              <a:rPr lang="ru-RU" sz="1200" b="0" i="0" kern="1200" dirty="0">
+                <a:solidFill>
+                  <a:schemeClr val="tx1"/>
+                </a:solidFill>
+                <a:effectLst/>
+                <a:latin typeface="+mn-lt"/>
+                <a:ea typeface="+mn-ea"/>
+                <a:cs typeface="+mn-cs"/>
+              </a:rPr>
+            </a:br>
+            <a:endParaRPr lang="ru-RU" sz="1200" b="0" i="0" kern="1200" dirty="0">
+              <a:solidFill>
+                <a:schemeClr val="tx1"/>
+              </a:solidFill>
+              <a:effectLst/>
+              <a:latin typeface="+mn-lt"/>
+              <a:ea typeface="+mn-ea"/>
+              <a:cs typeface="+mn-cs"/>
+            </a:endParaRPr>
+          </a:p>
+          <a:p>
+            <a:pPr marL="0" marR="0" lvl="0" indent="0" algn="l" defTabSz="914400" rtl="0" eaLnBrk="1" fontAlgn="auto" latinLnBrk="0" hangingPunct="1">
+              <a:lnSpc>
+                <a:spcPct val="100000"/>
+              </a:lnSpc>
+              <a:spcBef>
+                <a:spcPts val="0"/>
+              </a:spcBef>
+              <a:spcAft>
+                <a:spcPts val="0"/>
+              </a:spcAft>
+              <a:buClrTx/>
+              <a:buSzTx/>
+              <a:buFontTx/>
+              <a:buNone/>
+              <a:tabLst/>
+              <a:defRPr/>
+            </a:pPr>
+            <a:r>
+              <a:rPr lang="ru-RU" sz="1200" b="0" i="0" kern="1200" dirty="0">
+                <a:solidFill>
+                  <a:schemeClr val="tx1"/>
+                </a:solidFill>
+                <a:effectLst/>
+                <a:latin typeface="+mn-lt"/>
+                <a:ea typeface="+mn-ea"/>
+                <a:cs typeface="+mn-cs"/>
+              </a:rPr>
+              <a:t>В результате политики гласности часть материалов по языку ДРАКОН в 2006 года появилась в сети интернет. С этого момента язык получил вторую жизнь в гражданском секторе.</a:t>
+            </a:r>
           </a:p>
         </p:txBody>
       </p:sp>
@@ -1115,6 +2141,360 @@
     <p:extLst>
       <p:ext uri="{BB962C8B-B14F-4D97-AF65-F5344CB8AC3E}">
         <p14:creationId xmlns:p14="http://schemas.microsoft.com/office/powerpoint/2010/main" val="263591019"/>
+      </p:ext>
+    </p:extLst>
+  </p:cSld>
+  <p:clrMapOvr>
+    <a:masterClrMapping/>
+  </p:clrMapOvr>
+</p:notes>
+</file>
+
+<file path=ppt/notesSlides/notesSlide20.xml><?xml version="1.0" encoding="utf-8"?>
+<p:notes xmlns:a="http://schemas.openxmlformats.org/drawingml/2006/main" xmlns:r="http://schemas.openxmlformats.org/officeDocument/2006/relationships" xmlns:p="http://schemas.openxmlformats.org/presentationml/2006/main">
+  <p:cSld>
+    <p:spTree>
+      <p:nvGrpSpPr>
+        <p:cNvPr id="1" name=""/>
+        <p:cNvGrpSpPr/>
+        <p:nvPr/>
+      </p:nvGrpSpPr>
+      <p:grpSpPr>
+        <a:xfrm>
+          <a:off x="0" y="0"/>
+          <a:ext cx="0" cy="0"/>
+          <a:chOff x="0" y="0"/>
+          <a:chExt cx="0" cy="0"/>
+        </a:xfrm>
+      </p:grpSpPr>
+      <p:sp>
+        <p:nvSpPr>
+          <p:cNvPr id="2" name="Образ слайда 1"/>
+          <p:cNvSpPr>
+            <a:spLocks noGrp="1" noRot="1" noChangeAspect="1"/>
+          </p:cNvSpPr>
+          <p:nvPr>
+            <p:ph type="sldImg"/>
+          </p:nvPr>
+        </p:nvSpPr>
+        <p:spPr/>
+      </p:sp>
+      <p:sp>
+        <p:nvSpPr>
+          <p:cNvPr id="3" name="Заметки 2"/>
+          <p:cNvSpPr>
+            <a:spLocks noGrp="1"/>
+          </p:cNvSpPr>
+          <p:nvPr>
+            <p:ph type="body" idx="1"/>
+          </p:nvPr>
+        </p:nvSpPr>
+        <p:spPr/>
+        <p:txBody>
+          <a:bodyPr/>
+          <a:lstStyle/>
+          <a:p>
+            <a:r>
+              <a:rPr lang="ru-RU" dirty="0">
+                <a:latin typeface="Calibri" panose="020F0502020204030204" pitchFamily="34" charset="0"/>
+                <a:cs typeface="Calibri" panose="020F0502020204030204" pitchFamily="34" charset="0"/>
+              </a:rPr>
+              <a:t>Свыше 14</a:t>
+            </a:r>
+            <a:r>
+              <a:rPr lang="en-US" dirty="0">
+                <a:latin typeface="Calibri" panose="020F0502020204030204" pitchFamily="34" charset="0"/>
+                <a:cs typeface="Calibri" panose="020F0502020204030204" pitchFamily="34" charset="0"/>
+              </a:rPr>
+              <a:t>0</a:t>
+            </a:r>
+            <a:r>
+              <a:rPr lang="ru-RU" dirty="0">
+                <a:latin typeface="Calibri" panose="020F0502020204030204" pitchFamily="34" charset="0"/>
+                <a:cs typeface="Calibri" panose="020F0502020204030204" pitchFamily="34" charset="0"/>
+              </a:rPr>
+              <a:t>0 строк кода</a:t>
+            </a:r>
+            <a:endParaRPr lang="en-US" dirty="0">
+              <a:latin typeface="Calibri" panose="020F0502020204030204" pitchFamily="34" charset="0"/>
+              <a:cs typeface="Calibri" panose="020F0502020204030204" pitchFamily="34" charset="0"/>
+            </a:endParaRPr>
+          </a:p>
+          <a:p>
+            <a:pPr lvl="0"/>
+            <a:r>
+              <a:rPr lang="ru-RU" dirty="0">
+                <a:latin typeface="Calibri" panose="020F0502020204030204" pitchFamily="34" charset="0"/>
+                <a:cs typeface="Calibri" panose="020F0502020204030204" pitchFamily="34" charset="0"/>
+              </a:rPr>
+              <a:t>4</a:t>
+            </a:r>
+            <a:r>
+              <a:rPr lang="en-US" dirty="0">
+                <a:latin typeface="Calibri" panose="020F0502020204030204" pitchFamily="34" charset="0"/>
+                <a:cs typeface="Calibri" panose="020F0502020204030204" pitchFamily="34" charset="0"/>
+              </a:rPr>
+              <a:t> </a:t>
+            </a:r>
+            <a:r>
+              <a:rPr lang="ru-RU" dirty="0">
+                <a:latin typeface="Calibri" panose="020F0502020204030204" pitchFamily="34" charset="0"/>
+                <a:cs typeface="Calibri" panose="020F0502020204030204" pitchFamily="34" charset="0"/>
+              </a:rPr>
+              <a:t>модуля сервисов </a:t>
+            </a:r>
+            <a:r>
+              <a:rPr lang="en-US" dirty="0" err="1">
+                <a:latin typeface="Calibri" panose="020F0502020204030204" pitchFamily="34" charset="0"/>
+                <a:cs typeface="Calibri" panose="020F0502020204030204" pitchFamily="34" charset="0"/>
+              </a:rPr>
+              <a:t>NestJS</a:t>
+            </a:r>
+            <a:r>
+              <a:rPr lang="ru-RU" dirty="0">
+                <a:latin typeface="Calibri" panose="020F0502020204030204" pitchFamily="34" charset="0"/>
+                <a:cs typeface="Calibri" panose="020F0502020204030204" pitchFamily="34" charset="0"/>
+              </a:rPr>
+              <a:t> + сервис криптозащиты</a:t>
+            </a:r>
+          </a:p>
+          <a:p>
+            <a:pPr lvl="0"/>
+            <a:r>
+              <a:rPr lang="ru-RU" dirty="0">
+                <a:latin typeface="Calibri" panose="020F0502020204030204" pitchFamily="34" charset="0"/>
+                <a:cs typeface="Calibri" panose="020F0502020204030204" pitchFamily="34" charset="0"/>
+              </a:rPr>
+              <a:t>18 классов и 35 методов</a:t>
+            </a:r>
+          </a:p>
+          <a:p>
+            <a:pPr lvl="0"/>
+            <a:r>
+              <a:rPr lang="ru-RU" dirty="0">
+                <a:latin typeface="Calibri" panose="020F0502020204030204" pitchFamily="34" charset="0"/>
+                <a:cs typeface="Calibri" panose="020F0502020204030204" pitchFamily="34" charset="0"/>
+              </a:rPr>
+              <a:t>3 справочника для базы данных</a:t>
+            </a:r>
+            <a:endParaRPr lang="en-US" dirty="0">
+              <a:latin typeface="Calibri" panose="020F0502020204030204" pitchFamily="34" charset="0"/>
+              <a:cs typeface="Calibri" panose="020F0502020204030204" pitchFamily="34" charset="0"/>
+            </a:endParaRPr>
+          </a:p>
+          <a:p>
+            <a:pPr lvl="0"/>
+            <a:r>
+              <a:rPr lang="en-US" dirty="0">
+                <a:latin typeface="Calibri" panose="020F0502020204030204" pitchFamily="34" charset="0"/>
+                <a:cs typeface="Calibri" panose="020F0502020204030204" pitchFamily="34" charset="0"/>
+              </a:rPr>
+              <a:t>SPA React </a:t>
+            </a:r>
+            <a:r>
+              <a:rPr lang="ru-RU" dirty="0">
+                <a:latin typeface="Calibri" panose="020F0502020204030204" pitchFamily="34" charset="0"/>
+                <a:cs typeface="Calibri" panose="020F0502020204030204" pitchFamily="34" charset="0"/>
+              </a:rPr>
+              <a:t>клиент с 4</a:t>
+            </a:r>
+            <a:r>
+              <a:rPr lang="en-US" dirty="0">
+                <a:latin typeface="Calibri" panose="020F0502020204030204" pitchFamily="34" charset="0"/>
+                <a:cs typeface="Calibri" panose="020F0502020204030204" pitchFamily="34" charset="0"/>
+              </a:rPr>
+              <a:t> </a:t>
+            </a:r>
+            <a:r>
+              <a:rPr lang="ru-RU" dirty="0">
+                <a:latin typeface="Calibri" panose="020F0502020204030204" pitchFamily="34" charset="0"/>
+                <a:cs typeface="Calibri" panose="020F0502020204030204" pitchFamily="34" charset="0"/>
+              </a:rPr>
+              <a:t>маршрутами представления интерфейсов</a:t>
+            </a:r>
+            <a:endParaRPr lang="ru-RU" dirty="0">
+              <a:latin typeface="Times New Roman" panose="02020603050405020304" pitchFamily="18" charset="0"/>
+              <a:cs typeface="Times New Roman" panose="02020603050405020304" pitchFamily="18" charset="0"/>
+            </a:endParaRPr>
+          </a:p>
+          <a:p>
+            <a:endParaRPr lang="ru-RU" dirty="0"/>
+          </a:p>
+        </p:txBody>
+      </p:sp>
+      <p:sp>
+        <p:nvSpPr>
+          <p:cNvPr id="4" name="Номер слайда 3"/>
+          <p:cNvSpPr>
+            <a:spLocks noGrp="1"/>
+          </p:cNvSpPr>
+          <p:nvPr>
+            <p:ph type="sldNum" sz="quarter" idx="5"/>
+          </p:nvPr>
+        </p:nvSpPr>
+        <p:spPr/>
+        <p:txBody>
+          <a:bodyPr/>
+          <a:lstStyle/>
+          <a:p>
+            <a:fld id="{51445AF8-C6EC-4BDD-A795-83822D331AF1}" type="slidenum">
+              <a:rPr lang="ru-RU" smtClean="0"/>
+              <a:t>22</a:t>
+            </a:fld>
+            <a:endParaRPr lang="ru-RU"/>
+          </a:p>
+        </p:txBody>
+      </p:sp>
+    </p:spTree>
+    <p:extLst>
+      <p:ext uri="{BB962C8B-B14F-4D97-AF65-F5344CB8AC3E}">
+        <p14:creationId xmlns:p14="http://schemas.microsoft.com/office/powerpoint/2010/main" val="1614879434"/>
+      </p:ext>
+    </p:extLst>
+  </p:cSld>
+  <p:clrMapOvr>
+    <a:masterClrMapping/>
+  </p:clrMapOvr>
+</p:notes>
+</file>
+
+<file path=ppt/notesSlides/notesSlide21.xml><?xml version="1.0" encoding="utf-8"?>
+<p:notes xmlns:a="http://schemas.openxmlformats.org/drawingml/2006/main" xmlns:r="http://schemas.openxmlformats.org/officeDocument/2006/relationships" xmlns:p="http://schemas.openxmlformats.org/presentationml/2006/main">
+  <p:cSld>
+    <p:spTree>
+      <p:nvGrpSpPr>
+        <p:cNvPr id="1" name=""/>
+        <p:cNvGrpSpPr/>
+        <p:nvPr/>
+      </p:nvGrpSpPr>
+      <p:grpSpPr>
+        <a:xfrm>
+          <a:off x="0" y="0"/>
+          <a:ext cx="0" cy="0"/>
+          <a:chOff x="0" y="0"/>
+          <a:chExt cx="0" cy="0"/>
+        </a:xfrm>
+      </p:grpSpPr>
+      <p:sp>
+        <p:nvSpPr>
+          <p:cNvPr id="2" name="Образ слайда 1"/>
+          <p:cNvSpPr>
+            <a:spLocks noGrp="1" noRot="1" noChangeAspect="1"/>
+          </p:cNvSpPr>
+          <p:nvPr>
+            <p:ph type="sldImg"/>
+          </p:nvPr>
+        </p:nvSpPr>
+        <p:spPr/>
+      </p:sp>
+      <p:sp>
+        <p:nvSpPr>
+          <p:cNvPr id="3" name="Заметки 2"/>
+          <p:cNvSpPr>
+            <a:spLocks noGrp="1"/>
+          </p:cNvSpPr>
+          <p:nvPr>
+            <p:ph type="body" idx="1"/>
+          </p:nvPr>
+        </p:nvSpPr>
+        <p:spPr/>
+        <p:txBody>
+          <a:bodyPr/>
+          <a:lstStyle/>
+          <a:p>
+            <a:pPr algn="just"/>
+            <a:r>
+              <a:rPr lang="ru-RU" dirty="0"/>
+              <a:t>На данный момент спроектирована и разработана база данных с использованием </a:t>
+            </a:r>
+            <a:r>
+              <a:rPr lang="ru-RU" dirty="0" err="1"/>
+              <a:t>PostgreSQL</a:t>
+            </a:r>
+            <a:r>
+              <a:rPr lang="ru-RU" dirty="0"/>
+              <a:t> версии 12.3 для разрабатываемой системы. </a:t>
+            </a:r>
+          </a:p>
+          <a:p>
+            <a:pPr algn="just"/>
+            <a:r>
+              <a:rPr lang="ru-RU" dirty="0"/>
+              <a:t>Реализован сервер для обслуживания базы данных и распределения доступа пользователей. </a:t>
+            </a:r>
+          </a:p>
+          <a:p>
+            <a:pPr algn="just"/>
+            <a:r>
+              <a:rPr lang="ru-RU" dirty="0"/>
+              <a:t>Спроектирован интерфейс регистрации.</a:t>
+            </a:r>
+          </a:p>
+          <a:p>
+            <a:pPr algn="just"/>
+            <a:r>
+              <a:rPr lang="ru-RU" dirty="0"/>
+              <a:t>Спроектированы клиентские сервисы обслуживания запросов.</a:t>
+            </a:r>
+          </a:p>
+          <a:p>
+            <a:pPr algn="just"/>
+            <a:r>
+              <a:rPr lang="ru-RU" dirty="0"/>
+              <a:t>Спроектирован прототип редактора. </a:t>
+            </a:r>
+          </a:p>
+          <a:p>
+            <a:pPr algn="just"/>
+            <a:r>
+              <a:rPr lang="ru-RU" dirty="0"/>
+              <a:t>Интегрирована библиотека </a:t>
+            </a:r>
+            <a:r>
+              <a:rPr lang="en-US" dirty="0"/>
+              <a:t>D3.js</a:t>
+            </a:r>
+            <a:endParaRPr lang="ru-RU" dirty="0"/>
+          </a:p>
+          <a:p>
+            <a:pPr algn="just"/>
+            <a:r>
+              <a:rPr lang="ru-RU" dirty="0"/>
+              <a:t>Переписан сервис управления ДРАКОН-схемой</a:t>
+            </a:r>
+          </a:p>
+          <a:p>
+            <a:endParaRPr lang="ru-RU" dirty="0"/>
+          </a:p>
+        </p:txBody>
+      </p:sp>
+      <p:sp>
+        <p:nvSpPr>
+          <p:cNvPr id="4" name="Номер слайда 3"/>
+          <p:cNvSpPr>
+            <a:spLocks noGrp="1"/>
+          </p:cNvSpPr>
+          <p:nvPr>
+            <p:ph type="sldNum" sz="quarter" idx="5"/>
+          </p:nvPr>
+        </p:nvSpPr>
+        <p:spPr/>
+        <p:txBody>
+          <a:bodyPr/>
+          <a:lstStyle/>
+          <a:p>
+            <a:fld id="{51445AF8-C6EC-4BDD-A795-83822D331AF1}" type="slidenum">
+              <a:rPr lang="ru-RU" smtClean="0"/>
+              <a:t>23</a:t>
+            </a:fld>
+            <a:endParaRPr lang="ru-RU"/>
+          </a:p>
+        </p:txBody>
+      </p:sp>
+    </p:spTree>
+    <p:extLst>
+      <p:ext uri="{BB962C8B-B14F-4D97-AF65-F5344CB8AC3E}">
+        <p14:creationId xmlns:p14="http://schemas.microsoft.com/office/powerpoint/2010/main" val="2024135446"/>
       </p:ext>
     </p:extLst>
   </p:cSld>
@@ -1168,6 +2548,125 @@
           <a:bodyPr/>
           <a:lstStyle/>
           <a:p>
+            <a:pPr marL="0" indent="0" algn="just">
+              <a:buFont typeface="+mj-lt"/>
+              <a:buNone/>
+            </a:pPr>
+            <a:r>
+              <a:rPr lang="ru-RU" dirty="0"/>
+              <a:t>Язык-ДРАКОН обладает несколькими несложными правилами</a:t>
+            </a:r>
+          </a:p>
+          <a:p>
+            <a:pPr marL="457200" indent="-457200" algn="just">
+              <a:buFont typeface="+mj-lt"/>
+              <a:buAutoNum type="arabicPeriod"/>
+            </a:pPr>
+            <a:r>
+              <a:rPr lang="ru-RU" dirty="0"/>
+              <a:t>У каждой ДРАКОН-схемы одна точка входа и один конец</a:t>
+            </a:r>
+          </a:p>
+          <a:p>
+            <a:pPr marL="457200" indent="-457200" algn="just">
+              <a:buFont typeface="+mj-lt"/>
+              <a:buAutoNum type="arabicPeriod"/>
+            </a:pPr>
+            <a:r>
+              <a:rPr lang="ru-RU" dirty="0"/>
+              <a:t>Начало алгоритма располагается всегда в левом верхнем углу</a:t>
+            </a:r>
+          </a:p>
+          <a:p>
+            <a:pPr marL="457200" indent="-457200" algn="just">
+              <a:buFont typeface="+mj-lt"/>
+              <a:buAutoNum type="arabicPeriod"/>
+            </a:pPr>
+            <a:r>
+              <a:rPr lang="ru-RU" dirty="0"/>
+              <a:t>Операции описываются внутри икон</a:t>
+            </a:r>
+          </a:p>
+          <a:p>
+            <a:pPr marL="457200" indent="-457200" algn="just">
+              <a:buFont typeface="+mj-lt"/>
+              <a:buAutoNum type="arabicPeriod"/>
+            </a:pPr>
+            <a:r>
+              <a:rPr lang="ru-RU" dirty="0"/>
+              <a:t>Алгоритм выполняется сверху вниз </a:t>
+            </a:r>
+            <a:r>
+              <a:rPr lang="en-US" dirty="0"/>
+              <a:t>[</a:t>
+            </a:r>
+            <a:r>
+              <a:rPr lang="ru-RU" dirty="0"/>
+              <a:t>ПЕРЕКЛЮЧИТЬ</a:t>
+            </a:r>
+            <a:r>
+              <a:rPr lang="en-US" dirty="0"/>
+              <a:t>]</a:t>
+            </a:r>
+            <a:endParaRPr lang="ru-RU" dirty="0"/>
+          </a:p>
+          <a:p>
+            <a:pPr marL="457200" indent="-457200" algn="just">
+              <a:buFont typeface="+mj-lt"/>
+              <a:buAutoNum type="arabicPeriod" startAt="5"/>
+            </a:pPr>
+            <a:r>
+              <a:rPr lang="ru-RU" sz="1200" dirty="0"/>
+              <a:t>Главный маршрут проходит по главной вертикали. Главный маршрут – самый позитивный ход алгоритма</a:t>
+            </a:r>
+          </a:p>
+          <a:p>
+            <a:pPr marL="457200" indent="-457200" algn="just">
+              <a:buFont typeface="+mj-lt"/>
+              <a:buAutoNum type="arabicPeriod" startAt="5"/>
+            </a:pPr>
+            <a:r>
+              <a:rPr lang="ru-RU" sz="1200" dirty="0"/>
+              <a:t>Ветвление </a:t>
+            </a:r>
+            <a:r>
+              <a:rPr lang="ru-RU" sz="1200" dirty="0" err="1"/>
+              <a:t>макроикон</a:t>
+            </a:r>
+            <a:r>
+              <a:rPr lang="ru-RU" sz="1200" dirty="0"/>
+              <a:t> осуществляется только вправо</a:t>
+            </a:r>
+          </a:p>
+          <a:p>
+            <a:pPr marL="457200" indent="-457200" algn="just">
+              <a:buFont typeface="+mj-lt"/>
+              <a:buAutoNum type="arabicPeriod" startAt="5"/>
+            </a:pPr>
+            <a:r>
+              <a:rPr lang="ru-RU" sz="1200" dirty="0"/>
+              <a:t>Пересечение любых икон запрещены</a:t>
+            </a:r>
+          </a:p>
+          <a:p>
+            <a:pPr marL="457200" indent="-457200" algn="just">
+              <a:buFont typeface="+mj-lt"/>
+              <a:buAutoNum type="arabicPeriod" startAt="5"/>
+            </a:pPr>
+            <a:r>
+              <a:rPr lang="ru-RU" sz="1200" dirty="0"/>
+              <a:t>Соединительные линии между иконами всегда прямые</a:t>
+            </a:r>
+          </a:p>
+          <a:p>
+            <a:pPr marL="457200" indent="-457200" algn="just">
+              <a:buFont typeface="+mj-lt"/>
+              <a:buAutoNum type="arabicPeriod" startAt="5"/>
+            </a:pPr>
+            <a:r>
+              <a:rPr lang="ru-RU" sz="1200" dirty="0"/>
+              <a:t>Пересечение линий также запрещены</a:t>
+            </a:r>
             <a:endParaRPr lang="ru-RU" dirty="0"/>
           </a:p>
         </p:txBody>
@@ -1260,18 +2759,19 @@
                 <a:effectLst/>
                 <a:latin typeface="-apple-system"/>
               </a:rPr>
-              <a:t>Силуэт позволяет разбить диаграмму на логические части. </a:t>
-            </a:r>
-            <a:r>
-              <a:rPr lang="en-US" b="0" i="0" dirty="0">
-                <a:solidFill>
-                  <a:srgbClr val="222222"/>
-                </a:solidFill>
-                <a:effectLst/>
-                <a:latin typeface="-apple-system"/>
-              </a:rPr>
-              <a:t> </a:t>
-            </a:r>
+              <a:t>Базисом в построении алгоритмов на языке ДРАКОН является схема-примитив и схема-силуэт</a:t>
+            </a:r>
+          </a:p>
+          <a:p>
+            <a:endParaRPr lang="ru-RU" b="0" i="0" dirty="0">
+              <a:solidFill>
+                <a:srgbClr val="222222"/>
+              </a:solidFill>
+              <a:effectLst/>
+              <a:latin typeface="-apple-system"/>
+            </a:endParaRPr>
+          </a:p>
+          <a:p>
             <a:r>
               <a:rPr lang="ru-RU" b="0" i="0" dirty="0">
                 <a:solidFill>
@@ -1280,7 +2780,68 @@
                 <a:effectLst/>
                 <a:latin typeface="-apple-system"/>
               </a:rPr>
-              <a:t>Его можно представить как несколько силуэтов, объединенных в единой схеме</a:t>
+              <a:t>Примитив содержит единственную последовательность икон, выполняемую сверху вниз.</a:t>
+            </a:r>
+            <a:br>
+              <a:rPr lang="ru-RU" b="0" i="0" dirty="0">
+                <a:solidFill>
+                  <a:srgbClr val="222222"/>
+                </a:solidFill>
+                <a:effectLst/>
+                <a:latin typeface="-apple-system"/>
+              </a:rPr>
+            </a:br>
+            <a:endParaRPr lang="ru-RU" b="0" i="0" dirty="0">
+              <a:solidFill>
+                <a:srgbClr val="222222"/>
+              </a:solidFill>
+              <a:effectLst/>
+              <a:latin typeface="-apple-system"/>
+            </a:endParaRPr>
+          </a:p>
+          <a:p>
+            <a:r>
+              <a:rPr lang="ru-RU" b="0" i="0" dirty="0">
+                <a:solidFill>
+                  <a:srgbClr val="222222"/>
+                </a:solidFill>
+                <a:effectLst/>
+                <a:latin typeface="-apple-system"/>
+              </a:rPr>
+              <a:t>Силуэт состоит из нескольких примитивов, называемых ветками. Ветки силуэта упорядочиваются слева-направо</a:t>
+            </a:r>
+            <a:br>
+              <a:rPr lang="ru-RU" b="0" i="0" dirty="0">
+                <a:solidFill>
+                  <a:srgbClr val="222222"/>
+                </a:solidFill>
+                <a:effectLst/>
+                <a:latin typeface="-apple-system"/>
+              </a:rPr>
+            </a:br>
+            <a:r>
+              <a:rPr lang="ru-RU" b="0" i="0" dirty="0">
+                <a:solidFill>
+                  <a:srgbClr val="222222"/>
+                </a:solidFill>
+                <a:effectLst/>
+                <a:latin typeface="-apple-system"/>
+              </a:rPr>
+              <a:t>Каждый примитив в ветке обозначается адресом, в  который перейдёт процесс выполнения по достижению конца ветки.</a:t>
+            </a:r>
+          </a:p>
+          <a:p>
+            <a:r>
+              <a:rPr lang="ru-RU" sz="1200" b="0" i="0" kern="1200" dirty="0">
+                <a:solidFill>
+                  <a:schemeClr val="tx1"/>
+                </a:solidFill>
+                <a:effectLst/>
+                <a:latin typeface="+mn-lt"/>
+                <a:ea typeface="+mn-ea"/>
+                <a:cs typeface="+mn-cs"/>
+              </a:rPr>
+              <a:t>Если икона «Адрес» указывает на свою собственную ветку, либо на ветку, которая расположена левее, её следует пометить специальной меткой</a:t>
             </a:r>
             <a:endParaRPr lang="ru-RU" dirty="0"/>
           </a:p>
@@ -1366,32 +2927,60 @@
           <a:bodyPr/>
           <a:lstStyle/>
           <a:p>
-            <a:pPr marL="0" marR="0" lvl="0" indent="0" algn="l" defTabSz="914400" rtl="0" eaLnBrk="1" fontAlgn="auto" latinLnBrk="0" hangingPunct="1">
-              <a:lnSpc>
-                <a:spcPct val="100000"/>
-              </a:lnSpc>
-              <a:spcBef>
-                <a:spcPts val="0"/>
-              </a:spcBef>
-              <a:spcAft>
-                <a:spcPts val="0"/>
-              </a:spcAft>
-              <a:buClrTx/>
-              <a:buSzTx/>
-              <a:buFontTx/>
-              <a:buNone/>
-              <a:tabLst/>
-              <a:defRPr/>
+            <a:pPr marL="0" indent="0">
+              <a:buNone/>
+            </a:pPr>
+            <a:r>
+              <a:rPr lang="ru-RU" dirty="0"/>
+              <a:t>Одним из достоинств языка ДРАКОН – его правила позволяют реализовать транслятор в любой процедурный язык программирования</a:t>
+            </a:r>
+          </a:p>
+          <a:p>
+            <a:pPr marL="0" indent="0">
+              <a:buNone/>
             </a:pPr>
             <a:br>
               <a:rPr lang="ru-RU" dirty="0"/>
             </a:br>
-            <a:br>
+            <a:r>
               <a:rPr lang="ru-RU" dirty="0"/>
-            </a:br>
+              <a:t>Процесс программирования:</a:t>
+            </a:r>
+          </a:p>
+          <a:p>
+            <a:pPr marL="0" indent="0">
+              <a:buNone/>
+            </a:pPr>
             <a:r>
               <a:rPr lang="ru-RU" dirty="0"/>
-              <a:t>Рассматривая вершину АВЛ-дерева, пользуются показателем сбалансированности. Он указывает на то, сбалансированы ли поддеревья слева и справа. Исходя из этого, показатель сбалансированности определяется как разность между высотами левого и правого поддеревьев</a:t>
+              <a:t>1. Разместить иконы в ДРАКОН-схеме</a:t>
+            </a:r>
+          </a:p>
+          <a:p>
+            <a:pPr marL="0" indent="0">
+              <a:buNone/>
+            </a:pPr>
+            <a:r>
+              <a:rPr lang="ru-RU" dirty="0"/>
+              <a:t>2. Поместить код внутри икон</a:t>
+            </a:r>
+          </a:p>
+          <a:p>
+            <a:pPr marL="0" indent="0">
+              <a:buNone/>
+            </a:pPr>
+            <a:r>
+              <a:rPr lang="ru-RU" dirty="0"/>
+              <a:t>3. Преобразовать программой-транслятором в текстовый файл с исходным кодом</a:t>
+            </a:r>
+          </a:p>
+          <a:p>
+            <a:pPr marL="0" indent="0">
+              <a:buNone/>
+            </a:pPr>
+            <a:r>
+              <a:rPr lang="ru-RU" dirty="0"/>
+              <a:t>4. Запустить сконвертированный код</a:t>
             </a:r>
           </a:p>
           <a:p>
@@ -1479,33 +3068,101 @@
           <a:bodyPr/>
           <a:lstStyle/>
           <a:p>
-            <a:pPr marL="0" marR="0" lvl="0" indent="0" algn="l" defTabSz="914400" rtl="0" eaLnBrk="1" fontAlgn="auto" latinLnBrk="0" hangingPunct="1">
-              <a:lnSpc>
-                <a:spcPct val="100000"/>
-              </a:lnSpc>
-              <a:spcBef>
-                <a:spcPts val="0"/>
-              </a:spcBef>
-              <a:spcAft>
-                <a:spcPts val="0"/>
-              </a:spcAft>
-              <a:buClrTx/>
-              <a:buSzTx/>
-              <a:buFontTx/>
-              <a:buNone/>
-              <a:tabLst/>
-              <a:defRPr/>
+            <a:pPr marL="0" indent="0">
+              <a:buNone/>
             </a:pPr>
+            <a:r>
+              <a:rPr lang="ru-RU" dirty="0"/>
+              <a:t>Плюсы</a:t>
+            </a:r>
+          </a:p>
+          <a:p>
+            <a:r>
+              <a:rPr lang="ru-RU" dirty="0"/>
+              <a:t>язык позволяет описывать практически любую деятельность </a:t>
+            </a:r>
+          </a:p>
+          <a:p>
+            <a:r>
+              <a:rPr lang="ru-RU" dirty="0"/>
+              <a:t>строгость правил языка сокращает время на проектирование</a:t>
+            </a:r>
+          </a:p>
+          <a:p>
+            <a:r>
+              <a:rPr lang="ru-RU" dirty="0"/>
+              <a:t>обеспечивает лучшую наглядность в сравнении с классическими языками программирования</a:t>
+            </a:r>
+          </a:p>
+          <a:p>
+            <a:r>
+              <a:rPr lang="ru-RU" dirty="0"/>
+              <a:t>За счёт автоматизации выполнения ряда правил самой системой и ограниченной функциональности самого  языка  обеспечивается низкий порог вхождения</a:t>
+            </a:r>
+          </a:p>
+          <a:p>
+            <a:endParaRPr lang="ru-RU" dirty="0"/>
+          </a:p>
+          <a:p>
+            <a:r>
+              <a:rPr lang="ru-RU" dirty="0"/>
+              <a:t>Минусы:</a:t>
+            </a:r>
+          </a:p>
+          <a:p>
+            <a:endParaRPr lang="ru-RU" dirty="0"/>
+          </a:p>
+          <a:p>
+            <a:r>
+              <a:rPr lang="ru-RU" dirty="0"/>
+              <a:t>В качестве стандарта используются книги:</a:t>
+            </a:r>
+          </a:p>
+          <a:p>
+            <a:r>
+              <a:rPr lang="ru-RU" dirty="0"/>
+              <a:t>1. </a:t>
+            </a:r>
+            <a:r>
+              <a:rPr lang="ru-RU" dirty="0" err="1"/>
+              <a:t>Паронджанов</a:t>
+            </a:r>
+            <a:r>
+              <a:rPr lang="ru-RU" dirty="0"/>
+              <a:t> В. Д. Алгоритмы и </a:t>
+            </a:r>
+            <a:r>
+              <a:rPr lang="ru-RU" dirty="0" err="1"/>
+              <a:t>жизнеритмы</a:t>
+            </a:r>
+            <a:r>
+              <a:rPr lang="ru-RU" dirty="0"/>
+              <a:t> на языке ДРАКОН. Разработка алгоритмов. Безошибочные алгоритмы. — М.: Препринт, 2019. — 374 с.</a:t>
+            </a:r>
+          </a:p>
+          <a:p>
+            <a:r>
+              <a:rPr lang="ru-RU" dirty="0"/>
+              <a:t>2. </a:t>
+            </a:r>
+            <a:r>
+              <a:rPr lang="ru-RU" dirty="0" err="1"/>
+              <a:t>Паронджанов</a:t>
+            </a:r>
+            <a:r>
+              <a:rPr lang="ru-RU" dirty="0"/>
+              <a:t> В. Д. Учись писать, читать и понимать алгоритмы. Алгоритмы для правильного мышления. Основы алгоритмизации. — М.: ДМК Пресс, 2012, 2014, 2016. — 520 с.</a:t>
+            </a:r>
             <a:br>
               <a:rPr lang="ru-RU" dirty="0"/>
             </a:br>
             <a:br>
               <a:rPr lang="ru-RU" dirty="0"/>
             </a:br>
-            <a:r>
+            <a:br>
               <a:rPr lang="ru-RU" dirty="0"/>
-              <a:t>Рассматривая вершину АВЛ-дерева, пользуются показателем сбалансированности. Он указывает на то, сбалансированы ли поддеревья слева и справа. Исходя из этого, показатель сбалансированности определяется как разность между высотами левого и правого поддеревьев</a:t>
-            </a:r>
+            </a:br>
+            <a:endParaRPr lang="ru-RU" dirty="0"/>
           </a:p>
           <a:p>
             <a:endParaRPr lang="ru-RU" dirty="0"/>
@@ -1592,9 +3249,54 @@
           <a:bodyPr/>
           <a:lstStyle/>
           <a:p>
+            <a:pPr marL="0" indent="0">
+              <a:buNone/>
+            </a:pPr>
             <a:r>
               <a:rPr lang="ru-RU" dirty="0"/>
-              <a:t>Входные данные программы представлены на слайде</a:t>
+              <a:t>Цель:</a:t>
+            </a:r>
+          </a:p>
+          <a:p>
+            <a:pPr marL="0" indent="0">
+              <a:buNone/>
+            </a:pPr>
+            <a:r>
+              <a:rPr lang="ru-RU" dirty="0"/>
+              <a:t>проектирование и разработка ИС для автоматизации процесса обучения алгоритмизации с помощью языка ДРАКОН.</a:t>
+            </a:r>
+          </a:p>
+          <a:p>
+            <a:pPr marL="0" indent="0">
+              <a:buNone/>
+            </a:pPr>
+            <a:endParaRPr lang="ru-RU" dirty="0"/>
+          </a:p>
+          <a:p>
+            <a:pPr marL="0" indent="0">
+              <a:buNone/>
+            </a:pPr>
+            <a:r>
+              <a:rPr lang="ru-RU" dirty="0"/>
+              <a:t>Назначение: </a:t>
+            </a:r>
+          </a:p>
+          <a:p>
+            <a:r>
+              <a:rPr lang="ru-RU" dirty="0"/>
+              <a:t>обучение пользователей основам алгоритмизации и автоматизации процессов</a:t>
+            </a:r>
+          </a:p>
+          <a:p>
+            <a:r>
+              <a:rPr lang="ru-RU" dirty="0"/>
+              <a:t>Снижение нагрузки на преподавателей за счёт автоматизации процесса обучения основам алгоритмизации и программирования</a:t>
+            </a:r>
+          </a:p>
+          <a:p>
+            <a:r>
+              <a:rPr lang="ru-RU" dirty="0"/>
+              <a:t>повышение практической пользы языка ДРАКОН как инструментария для автоматизации процессов.</a:t>
             </a:r>
           </a:p>
         </p:txBody>
@@ -1616,7 +3318,7 @@
           <a:p>
             <a:fld id="{51445AF8-C6EC-4BDD-A795-83822D331AF1}" type="slidenum">
               <a:rPr lang="ru-RU" smtClean="0"/>
-              <a:t>18</a:t>
+              <a:t>7</a:t>
             </a:fld>
             <a:endParaRPr lang="ru-RU"/>
           </a:p>
@@ -1625,7 +3327,7 @@
     </p:spTree>
     <p:extLst>
       <p:ext uri="{BB962C8B-B14F-4D97-AF65-F5344CB8AC3E}">
-        <p14:creationId xmlns:p14="http://schemas.microsoft.com/office/powerpoint/2010/main" val="742509794"/>
+        <p14:creationId xmlns:p14="http://schemas.microsoft.com/office/powerpoint/2010/main" val="2612325833"/>
       </p:ext>
     </p:extLst>
   </p:cSld>
@@ -1681,8 +3383,52 @@
           <a:p>
             <a:r>
               <a:rPr lang="ru-RU" dirty="0"/>
-              <a:t>Выходные данные программы представлены на слайде</a:t>
-            </a:r>
+              <a:t>ИС – клиент-серверное веб-приложение</a:t>
+            </a:r>
+          </a:p>
+          <a:p>
+            <a:r>
+              <a:rPr lang="ru-RU" dirty="0"/>
+              <a:t>Регистрация и хранение пользователей</a:t>
+            </a:r>
+          </a:p>
+          <a:p>
+            <a:r>
+              <a:rPr lang="ru-RU" dirty="0"/>
+              <a:t>Наличие в системе ролей преподаватель и ученик</a:t>
+            </a:r>
+          </a:p>
+          <a:p>
+            <a:r>
+              <a:rPr lang="ru-RU" dirty="0"/>
+              <a:t>Создание списков курируемых пользователей для преподавателя</a:t>
+            </a:r>
+          </a:p>
+          <a:p>
+            <a:r>
+              <a:rPr lang="ru-RU" dirty="0"/>
+              <a:t>Создание и редактирование ДРАКОН-схем</a:t>
+            </a:r>
+          </a:p>
+          <a:p>
+            <a:r>
+              <a:rPr lang="ru-RU" dirty="0"/>
+              <a:t>Конвертация ДРАКОН-схем в язык </a:t>
+            </a:r>
+            <a:r>
+              <a:rPr lang="en-US" dirty="0"/>
+              <a:t>JavaScript</a:t>
+            </a:r>
+            <a:endParaRPr lang="ru-RU" dirty="0"/>
+          </a:p>
+          <a:p>
+            <a:r>
+              <a:rPr lang="ru-RU" dirty="0"/>
+              <a:t>Наличие базы данных для хранения ДРАКОН-схем</a:t>
+            </a:r>
+          </a:p>
+          <a:p>
+            <a:endParaRPr lang="ru-RU" dirty="0"/>
           </a:p>
         </p:txBody>
       </p:sp>
@@ -1703,7 +3449,7 @@
           <a:p>
             <a:fld id="{51445AF8-C6EC-4BDD-A795-83822D331AF1}" type="slidenum">
               <a:rPr lang="ru-RU" smtClean="0"/>
-              <a:t>19</a:t>
+              <a:t>8</a:t>
             </a:fld>
             <a:endParaRPr lang="ru-RU"/>
           </a:p>
@@ -1712,7 +3458,7 @@
     </p:spTree>
     <p:extLst>
       <p:ext uri="{BB962C8B-B14F-4D97-AF65-F5344CB8AC3E}">
-        <p14:creationId xmlns:p14="http://schemas.microsoft.com/office/powerpoint/2010/main" val="3230441014"/>
+        <p14:creationId xmlns:p14="http://schemas.microsoft.com/office/powerpoint/2010/main" val="4274291749"/>
       </p:ext>
     </p:extLst>
   </p:cSld>
@@ -1766,10 +3512,7 @@
           <a:bodyPr/>
           <a:lstStyle/>
           <a:p>
-            <a:r>
-              <a:rPr lang="ru-RU" dirty="0"/>
-              <a:t>Системные требования программы представлены на слайде</a:t>
-            </a:r>
+            <a:endParaRPr lang="ru-RU" dirty="0"/>
           </a:p>
         </p:txBody>
       </p:sp>
@@ -1790,7 +3533,7 @@
           <a:p>
             <a:fld id="{51445AF8-C6EC-4BDD-A795-83822D331AF1}" type="slidenum">
               <a:rPr lang="ru-RU" smtClean="0"/>
-              <a:t>20</a:t>
+              <a:t>9</a:t>
             </a:fld>
             <a:endParaRPr lang="ru-RU"/>
           </a:p>
@@ -1799,7 +3542,7 @@
     </p:spTree>
     <p:extLst>
       <p:ext uri="{BB962C8B-B14F-4D97-AF65-F5344CB8AC3E}">
-        <p14:creationId xmlns:p14="http://schemas.microsoft.com/office/powerpoint/2010/main" val="791709984"/>
+        <p14:creationId xmlns:p14="http://schemas.microsoft.com/office/powerpoint/2010/main" val="3719616705"/>
       </p:ext>
     </p:extLst>
   </p:cSld>
@@ -2083,7 +3826,7 @@
           <a:p>
             <a:fld id="{62AE3241-46A6-174A-8F19-3213B10CEE0C}" type="datetime1">
               <a:rPr lang="ru-RU" smtClean="0"/>
-              <a:t>16.04.2021</a:t>
+              <a:t>14.05.2021</a:t>
             </a:fld>
             <a:endParaRPr lang="en-US" dirty="0"/>
           </a:p>
@@ -2492,7 +4235,7 @@
           <a:p>
             <a:fld id="{33DD575C-2B67-174B-A714-878E7D581B7F}" type="datetime1">
               <a:rPr lang="ru-RU" smtClean="0"/>
-              <a:t>16.04.2021</a:t>
+              <a:t>14.05.2021</a:t>
             </a:fld>
             <a:endParaRPr lang="en-US" dirty="0"/>
           </a:p>
@@ -2823,7 +4566,7 @@
           <a:p>
             <a:fld id="{BE8E18EE-E5BD-E143-AA09-1FA4B73FD1BC}" type="datetime1">
               <a:rPr lang="ru-RU" smtClean="0"/>
-              <a:t>16.04.2021</a:t>
+              <a:t>14.05.2021</a:t>
             </a:fld>
             <a:endParaRPr lang="en-US" dirty="0"/>
           </a:p>
@@ -3223,7 +4966,7 @@
           <a:p>
             <a:fld id="{1B7BF4CE-3B1A-5245-8D86-FB527EEDE6F3}" type="datetime1">
               <a:rPr lang="ru-RU" smtClean="0"/>
-              <a:t>16.04.2021</a:t>
+              <a:t>14.05.2021</a:t>
             </a:fld>
             <a:endParaRPr lang="en-US" dirty="0"/>
           </a:p>
@@ -3786,7 +5529,7 @@
           <a:p>
             <a:fld id="{0D684972-1474-AB45-9D30-3D866D2A39E4}" type="datetime1">
               <a:rPr lang="ru-RU" smtClean="0"/>
-              <a:t>16.04.2021</a:t>
+              <a:t>14.05.2021</a:t>
             </a:fld>
             <a:endParaRPr lang="en-US" dirty="0"/>
           </a:p>
@@ -4462,7 +6205,7 @@
           <a:p>
             <a:fld id="{2D59D9DA-5D89-5741-9827-4F86BA081D41}" type="datetime1">
               <a:rPr lang="ru-RU" smtClean="0"/>
-              <a:t>16.04.2021</a:t>
+              <a:t>14.05.2021</a:t>
             </a:fld>
             <a:endParaRPr lang="en-US" dirty="0"/>
           </a:p>
@@ -5370,7 +7113,7 @@
           <a:p>
             <a:fld id="{D538F625-E934-3648-9A5D-9A235911E517}" type="datetime1">
               <a:rPr lang="ru-RU" smtClean="0"/>
-              <a:t>16.04.2021</a:t>
+              <a:t>14.05.2021</a:t>
             </a:fld>
             <a:endParaRPr lang="en-US" dirty="0"/>
           </a:p>
@@ -5678,7 +7421,7 @@
           <a:p>
             <a:fld id="{5E8C3463-215C-EA45-B917-1ADAD461D17F}" type="datetime1">
               <a:rPr lang="ru-RU" smtClean="0"/>
-              <a:t>16.04.2021</a:t>
+              <a:t>14.05.2021</a:t>
             </a:fld>
             <a:endParaRPr lang="en-US" dirty="0"/>
           </a:p>
@@ -5937,7 +7680,7 @@
           <a:p>
             <a:fld id="{174209E6-A630-DE44-8E88-EBA71BAE8EE0}" type="datetime1">
               <a:rPr lang="ru-RU" smtClean="0"/>
-              <a:t>16.04.2021</a:t>
+              <a:t>14.05.2021</a:t>
             </a:fld>
             <a:endParaRPr lang="en-US" dirty="0"/>
           </a:p>
@@ -6256,7 +7999,7 @@
           <a:p>
             <a:fld id="{0D6C3294-7A17-5547-93C5-2E9A7DCED528}" type="datetime1">
               <a:rPr lang="ru-RU" smtClean="0"/>
-              <a:t>16.04.2021</a:t>
+              <a:t>14.05.2021</a:t>
             </a:fld>
             <a:endParaRPr lang="en-US" dirty="0"/>
           </a:p>
@@ -6640,7 +8383,7 @@
           <a:p>
             <a:fld id="{AE46F606-2589-DA4B-85F0-7F6C49369CAA}" type="datetime1">
               <a:rPr lang="ru-RU" smtClean="0"/>
-              <a:t>16.04.2021</a:t>
+              <a:t>14.05.2021</a:t>
             </a:fld>
             <a:endParaRPr lang="en-US" dirty="0"/>
           </a:p>
@@ -7011,7 +8754,7 @@
           <a:p>
             <a:fld id="{F4C89706-8A7B-C54A-A6F4-0B24533DEB80}" type="datetime1">
               <a:rPr lang="ru-RU" smtClean="0"/>
-              <a:t>16.04.2021</a:t>
+              <a:t>14.05.2021</a:t>
             </a:fld>
             <a:endParaRPr lang="en-US" dirty="0"/>
           </a:p>
@@ -7512,7 +9255,7 @@
           <a:p>
             <a:fld id="{504FAB59-BF21-8441-8AB1-F0D7CEF8C0B1}" type="datetime1">
               <a:rPr lang="ru-RU" smtClean="0"/>
-              <a:t>16.04.2021</a:t>
+              <a:t>14.05.2021</a:t>
             </a:fld>
             <a:endParaRPr lang="en-US" dirty="0"/>
           </a:p>
@@ -7764,7 +9507,7 @@
           <a:p>
             <a:fld id="{10FD55EB-5648-CE46-A55A-5283D13BBF17}" type="datetime1">
               <a:rPr lang="ru-RU" smtClean="0"/>
-              <a:t>16.04.2021</a:t>
+              <a:t>14.05.2021</a:t>
             </a:fld>
             <a:endParaRPr lang="en-US" dirty="0"/>
           </a:p>
@@ -7922,7 +9665,7 @@
           <a:p>
             <a:fld id="{C959EE28-D22C-CF4D-BC91-E85D2C473E7F}" type="datetime1">
               <a:rPr lang="ru-RU" smtClean="0"/>
-              <a:t>16.04.2021</a:t>
+              <a:t>14.05.2021</a:t>
             </a:fld>
             <a:endParaRPr lang="en-US" dirty="0"/>
           </a:p>
@@ -8307,7 +10050,7 @@
           <a:p>
             <a:fld id="{D89BAB5C-B105-F740-8AC6-FDB6A84F66ED}" type="datetime1">
               <a:rPr lang="ru-RU" smtClean="0"/>
-              <a:t>16.04.2021</a:t>
+              <a:t>14.05.2021</a:t>
             </a:fld>
             <a:endParaRPr lang="en-US" dirty="0"/>
           </a:p>
@@ -8711,7 +10454,7 @@
           <a:p>
             <a:fld id="{75A44E2E-3B4C-A04D-B294-9622B8D4BA90}" type="datetime1">
               <a:rPr lang="ru-RU" smtClean="0"/>
-              <a:t>16.04.2021</a:t>
+              <a:t>14.05.2021</a:t>
             </a:fld>
             <a:endParaRPr lang="en-US" dirty="0"/>
           </a:p>
@@ -8970,7 +10713,7 @@
           <a:p>
             <a:fld id="{F584361A-6439-3149-9F2D-66FA6BF4D879}" type="datetime1">
               <a:rPr lang="ru-RU" smtClean="0"/>
-              <a:t>16.04.2021</a:t>
+              <a:t>14.05.2021</a:t>
             </a:fld>
             <a:endParaRPr lang="en-US" dirty="0"/>
           </a:p>
@@ -9470,7 +11213,7 @@
         </p:nvSpPr>
         <p:spPr>
           <a:xfrm>
-            <a:off x="680322" y="4394039"/>
+            <a:off x="157808" y="4350496"/>
             <a:ext cx="8144134" cy="1557725"/>
           </a:xfrm>
         </p:spPr>
@@ -9480,6 +11223,7 @@
           </a:bodyPr>
           <a:lstStyle/>
           <a:p>
+            <a:pPr algn="l"/>
             <a:r>
               <a:rPr lang="ru-RU" dirty="0"/>
               <a:t>Выполнил студент группы ДИПРБ-</a:t>
@@ -9494,6 +11238,7 @@
             </a:r>
           </a:p>
           <a:p>
+            <a:pPr algn="l"/>
             <a:r>
               <a:rPr lang="ru-RU" dirty="0"/>
               <a:t>Научный руководитель</a:t>
@@ -9508,6 +11253,7 @@
             </a:r>
           </a:p>
           <a:p>
+            <a:pPr algn="l"/>
             <a:endParaRPr lang="ru-RU" dirty="0"/>
           </a:p>
         </p:txBody>
@@ -9558,6 +11304,18 @@
   <p:clrMapOvr>
     <a:masterClrMapping/>
   </p:clrMapOvr>
+  <mc:AlternateContent xmlns:mc="http://schemas.openxmlformats.org/markup-compatibility/2006">
+    <mc:Choice xmlns:p14="http://schemas.microsoft.com/office/powerpoint/2010/main" Requires="p14">
+      <p:transition spd="med" p14:dur="700">
+        <p:fade/>
+      </p:transition>
+    </mc:Choice>
+    <mc:Fallback>
+      <p:transition spd="med">
+        <p:fade/>
+      </p:transition>
+    </mc:Fallback>
+  </mc:AlternateContent>
 </p:sld>
 </file>
 
@@ -9600,12 +11358,8 @@
           <a:lstStyle/>
           <a:p>
             <a:r>
-              <a:rPr lang="en-US" dirty="0"/>
-              <a:t>ER</a:t>
-            </a:r>
-            <a:r>
               <a:rPr lang="ru-RU" dirty="0"/>
-              <a:t>-диаграмма</a:t>
+              <a:t>Диаграмма сущность-связь</a:t>
             </a:r>
           </a:p>
         </p:txBody>
@@ -9641,45 +11395,31 @@
       </p:sp>
       <p:pic>
         <p:nvPicPr>
-          <p:cNvPr id="5" name="Объект 4">
+          <p:cNvPr id="8" name="Объект 7">
             <a:extLst>
               <a:ext uri="{FF2B5EF4-FFF2-40B4-BE49-F238E27FC236}">
-                <a16:creationId xmlns:a16="http://schemas.microsoft.com/office/drawing/2014/main" id="{050967AB-F76D-44E6-A1FA-58C1207B5799}"/>
+                <a16:creationId xmlns:a16="http://schemas.microsoft.com/office/drawing/2014/main" id="{017706CE-148B-8947-B491-8C7C920AB222}"/>
               </a:ext>
             </a:extLst>
           </p:cNvPr>
           <p:cNvPicPr>
-            <a:picLocks noGrp="1"/>
+            <a:picLocks noGrp="1" noChangeAspect="1"/>
           </p:cNvPicPr>
           <p:nvPr>
             <p:ph idx="1"/>
           </p:nvPr>
         </p:nvPicPr>
         <p:blipFill>
-          <a:blip r:embed="rId2">
-            <a:extLst>
-              <a:ext uri="{28A0092B-C50C-407E-A947-70E740481C1C}">
-                <a14:useLocalDpi xmlns:a14="http://schemas.microsoft.com/office/drawing/2010/main" val="0"/>
-              </a:ext>
-            </a:extLst>
-          </a:blip>
-          <a:srcRect/>
+          <a:blip r:embed="rId3"/>
           <a:stretch>
             <a:fillRect/>
           </a:stretch>
         </p:blipFill>
-        <p:spPr bwMode="auto">
+        <p:spPr>
           <a:xfrm>
-            <a:off x="1756952" y="2027827"/>
-            <a:ext cx="7955123" cy="4712186"/>
+            <a:off x="1666412" y="1923143"/>
+            <a:ext cx="8315788" cy="4925825"/>
           </a:xfrm>
-          <a:prstGeom prst="rect">
-            <a:avLst/>
-          </a:prstGeom>
-          <a:noFill/>
-          <a:ln>
-            <a:noFill/>
-          </a:ln>
         </p:spPr>
       </p:pic>
     </p:spTree>
@@ -9692,6 +11432,18 @@
   <p:clrMapOvr>
     <a:masterClrMapping/>
   </p:clrMapOvr>
+  <mc:AlternateContent xmlns:mc="http://schemas.openxmlformats.org/markup-compatibility/2006">
+    <mc:Choice xmlns:p14="http://schemas.microsoft.com/office/powerpoint/2010/main" Requires="p14">
+      <p:transition spd="med" p14:dur="700">
+        <p:fade/>
+      </p:transition>
+    </mc:Choice>
+    <mc:Fallback>
+      <p:transition spd="med">
+        <p:fade/>
+      </p:transition>
+    </mc:Fallback>
+  </mc:AlternateContent>
 </p:sld>
 </file>
 
@@ -9809,6 +11561,18 @@
   <p:clrMapOvr>
     <a:masterClrMapping/>
   </p:clrMapOvr>
+  <mc:AlternateContent xmlns:mc="http://schemas.openxmlformats.org/markup-compatibility/2006">
+    <mc:Choice xmlns:p14="http://schemas.microsoft.com/office/powerpoint/2010/main" Requires="p14">
+      <p:transition spd="med" p14:dur="700">
+        <p:fade/>
+      </p:transition>
+    </mc:Choice>
+    <mc:Fallback>
+      <p:transition spd="med">
+        <p:fade/>
+      </p:transition>
+    </mc:Fallback>
+  </mc:AlternateContent>
 </p:sld>
 </file>
 
@@ -9834,6 +11598,144 @@
           <p:cNvPr id="2" name="Заголовок 1">
             <a:extLst>
               <a:ext uri="{FF2B5EF4-FFF2-40B4-BE49-F238E27FC236}">
+                <a16:creationId xmlns:a16="http://schemas.microsoft.com/office/drawing/2014/main" id="{38F2220A-65B9-4D41-9502-D2E72DA92243}"/>
+              </a:ext>
+            </a:extLst>
+          </p:cNvPr>
+          <p:cNvSpPr>
+            <a:spLocks noGrp="1"/>
+          </p:cNvSpPr>
+          <p:nvPr>
+            <p:ph type="title"/>
+          </p:nvPr>
+        </p:nvSpPr>
+        <p:spPr/>
+        <p:txBody>
+          <a:bodyPr/>
+          <a:lstStyle/>
+          <a:p>
+            <a:r>
+              <a:rPr lang="ru-RU" dirty="0"/>
+              <a:t>Физическая архитектура системы</a:t>
+            </a:r>
+          </a:p>
+        </p:txBody>
+      </p:sp>
+      <p:sp>
+        <p:nvSpPr>
+          <p:cNvPr id="4" name="Номер слайда 3">
+            <a:extLst>
+              <a:ext uri="{FF2B5EF4-FFF2-40B4-BE49-F238E27FC236}">
+                <a16:creationId xmlns:a16="http://schemas.microsoft.com/office/drawing/2014/main" id="{9B2D3C4A-2AF1-43B3-9481-59C283ED795C}"/>
+              </a:ext>
+            </a:extLst>
+          </p:cNvPr>
+          <p:cNvSpPr>
+            <a:spLocks noGrp="1"/>
+          </p:cNvSpPr>
+          <p:nvPr>
+            <p:ph type="sldNum" sz="quarter" idx="12"/>
+          </p:nvPr>
+        </p:nvSpPr>
+        <p:spPr/>
+        <p:txBody>
+          <a:bodyPr/>
+          <a:lstStyle/>
+          <a:p>
+            <a:fld id="{6D22F896-40B5-4ADD-8801-0D06FADFA095}" type="slidenum">
+              <a:rPr lang="en-US" smtClean="0"/>
+              <a:t>12</a:t>
+            </a:fld>
+            <a:endParaRPr lang="en-US" dirty="0"/>
+          </a:p>
+        </p:txBody>
+      </p:sp>
+      <p:pic>
+        <p:nvPicPr>
+          <p:cNvPr id="5" name="Рисунок 4">
+            <a:extLst>
+              <a:ext uri="{FF2B5EF4-FFF2-40B4-BE49-F238E27FC236}">
+                <a16:creationId xmlns:a16="http://schemas.microsoft.com/office/drawing/2014/main" id="{FD2843F5-3FE2-4042-93F6-259DFC017039}"/>
+              </a:ext>
+            </a:extLst>
+          </p:cNvPr>
+          <p:cNvPicPr/>
+          <p:nvPr/>
+        </p:nvPicPr>
+        <p:blipFill>
+          <a:blip r:embed="rId3">
+            <a:extLst>
+              <a:ext uri="{28A0092B-C50C-407E-A947-70E740481C1C}">
+                <a14:useLocalDpi xmlns:a14="http://schemas.microsoft.com/office/drawing/2010/main" val="0"/>
+              </a:ext>
+            </a:extLst>
+          </a:blip>
+          <a:srcRect/>
+          <a:stretch>
+            <a:fillRect/>
+          </a:stretch>
+        </p:blipFill>
+        <p:spPr bwMode="auto">
+          <a:xfrm>
+            <a:off x="1377884" y="2665210"/>
+            <a:ext cx="8218733" cy="2942642"/>
+          </a:xfrm>
+          <a:prstGeom prst="rect">
+            <a:avLst/>
+          </a:prstGeom>
+          <a:noFill/>
+          <a:ln>
+            <a:noFill/>
+          </a:ln>
+        </p:spPr>
+      </p:pic>
+    </p:spTree>
+    <p:extLst>
+      <p:ext uri="{BB962C8B-B14F-4D97-AF65-F5344CB8AC3E}">
+        <p14:creationId xmlns:p14="http://schemas.microsoft.com/office/powerpoint/2010/main" val="390981320"/>
+      </p:ext>
+    </p:extLst>
+  </p:cSld>
+  <p:clrMapOvr>
+    <a:masterClrMapping/>
+  </p:clrMapOvr>
+  <mc:AlternateContent xmlns:mc="http://schemas.openxmlformats.org/markup-compatibility/2006">
+    <mc:Choice xmlns:p14="http://schemas.microsoft.com/office/powerpoint/2010/main" Requires="p14">
+      <p:transition spd="med" p14:dur="700">
+        <p:fade/>
+      </p:transition>
+    </mc:Choice>
+    <mc:Fallback>
+      <p:transition spd="med">
+        <p:fade/>
+      </p:transition>
+    </mc:Fallback>
+  </mc:AlternateContent>
+</p:sld>
+</file>
+
+<file path=ppt/slides/slide13.xml><?xml version="1.0" encoding="utf-8"?>
+<p:sld xmlns:a="http://schemas.openxmlformats.org/drawingml/2006/main" xmlns:r="http://schemas.openxmlformats.org/officeDocument/2006/relationships" xmlns:p="http://schemas.openxmlformats.org/presentationml/2006/main">
+  <p:cSld>
+    <p:spTree>
+      <p:nvGrpSpPr>
+        <p:cNvPr id="1" name=""/>
+        <p:cNvGrpSpPr/>
+        <p:nvPr/>
+      </p:nvGrpSpPr>
+      <p:grpSpPr>
+        <a:xfrm>
+          <a:off x="0" y="0"/>
+          <a:ext cx="0" cy="0"/>
+          <a:chOff x="0" y="0"/>
+          <a:chExt cx="0" cy="0"/>
+        </a:xfrm>
+      </p:grpSpPr>
+      <p:sp>
+        <p:nvSpPr>
+          <p:cNvPr id="2" name="Заголовок 1">
+            <a:extLst>
+              <a:ext uri="{FF2B5EF4-FFF2-40B4-BE49-F238E27FC236}">
                 <a16:creationId xmlns:a16="http://schemas.microsoft.com/office/drawing/2014/main" id="{9BFAA110-C35E-419E-94F5-DAEBD2170558}"/>
               </a:ext>
             </a:extLst>
@@ -9880,7 +11782,7 @@
           <a:p>
             <a:fld id="{6D22F896-40B5-4ADD-8801-0D06FADFA095}" type="slidenum">
               <a:rPr lang="en-US" smtClean="0"/>
-              <a:t>12</a:t>
+              <a:t>13</a:t>
             </a:fld>
             <a:endParaRPr lang="en-US" dirty="0"/>
           </a:p>
@@ -9899,7 +11801,7 @@
           <p:nvPr/>
         </p:nvPicPr>
         <p:blipFill>
-          <a:blip r:embed="rId2"/>
+          <a:blip r:embed="rId3"/>
           <a:stretch>
             <a:fillRect/>
           </a:stretch>
@@ -9924,10 +11826,22 @@
   <p:clrMapOvr>
     <a:masterClrMapping/>
   </p:clrMapOvr>
+  <mc:AlternateContent xmlns:mc="http://schemas.openxmlformats.org/markup-compatibility/2006">
+    <mc:Choice xmlns:p14="http://schemas.microsoft.com/office/powerpoint/2010/main" Requires="p14">
+      <p:transition spd="med" p14:dur="700">
+        <p:fade/>
+      </p:transition>
+    </mc:Choice>
+    <mc:Fallback>
+      <p:transition spd="med">
+        <p:fade/>
+      </p:transition>
+    </mc:Fallback>
+  </mc:AlternateContent>
 </p:sld>
 </file>
 
-<file path=ppt/slides/slide13.xml><?xml version="1.0" encoding="utf-8"?>
+<file path=ppt/slides/slide14.xml><?xml version="1.0" encoding="utf-8"?>
 <p:sld xmlns:a="http://schemas.openxmlformats.org/drawingml/2006/main" xmlns:r="http://schemas.openxmlformats.org/officeDocument/2006/relationships" xmlns:p="http://schemas.openxmlformats.org/presentationml/2006/main">
   <p:cSld>
     <p:spTree>
@@ -9967,7 +11881,7 @@
           <a:p>
             <a:r>
               <a:rPr lang="ru-RU" dirty="0"/>
-              <a:t>Реализованные сервисы</a:t>
+              <a:t>Реализованные модули сервера</a:t>
             </a:r>
           </a:p>
         </p:txBody>
@@ -9989,7 +11903,7 @@
         <p:spPr>
           <a:xfrm>
             <a:off x="467883" y="2448574"/>
-            <a:ext cx="6052989" cy="4053826"/>
+            <a:ext cx="7788221" cy="4053826"/>
           </a:xfrm>
           <a:prstGeom prst="rect">
             <a:avLst/>
@@ -10166,19 +12080,19 @@
           <a:p>
             <a:r>
               <a:rPr lang="ru-RU" dirty="0"/>
-              <a:t>Сервис управления пользователем</a:t>
+              <a:t>Модуль управления пользователями</a:t>
             </a:r>
           </a:p>
           <a:p>
             <a:r>
               <a:rPr lang="ru-RU" dirty="0"/>
-              <a:t>Сервис аутентификации</a:t>
+              <a:t>Модуль аутентификации</a:t>
             </a:r>
           </a:p>
           <a:p>
             <a:r>
               <a:rPr lang="ru-RU" dirty="0"/>
-              <a:t>Сервис </a:t>
+              <a:t>Модуль </a:t>
             </a:r>
             <a:r>
               <a:rPr lang="ru-RU" dirty="0" err="1"/>
@@ -10189,13 +12103,13 @@
           <a:p>
             <a:r>
               <a:rPr lang="ru-RU" dirty="0"/>
-              <a:t>Сервис управления курируемыми пользователями</a:t>
+              <a:t>Модуль управления курируемыми пользователями</a:t>
             </a:r>
           </a:p>
           <a:p>
             <a:r>
               <a:rPr lang="ru-RU" dirty="0"/>
-              <a:t>Сервис управления схемами</a:t>
+              <a:t>Модуль управления схемами</a:t>
             </a:r>
           </a:p>
         </p:txBody>
@@ -10223,7 +12137,7 @@
           <a:p>
             <a:fld id="{6D22F896-40B5-4ADD-8801-0D06FADFA095}" type="slidenum">
               <a:rPr lang="en-US" smtClean="0"/>
-              <a:t>13</a:t>
+              <a:t>14</a:t>
             </a:fld>
             <a:endParaRPr lang="en-US" dirty="0"/>
           </a:p>
@@ -10239,10 +12153,274 @@
   <p:clrMapOvr>
     <a:masterClrMapping/>
   </p:clrMapOvr>
+  <mc:AlternateContent xmlns:mc="http://schemas.openxmlformats.org/markup-compatibility/2006">
+    <mc:Choice xmlns:p14="http://schemas.microsoft.com/office/powerpoint/2010/main" Requires="p14">
+      <p:transition spd="med" p14:dur="700">
+        <p:fade/>
+      </p:transition>
+    </mc:Choice>
+    <mc:Fallback>
+      <p:transition spd="med">
+        <p:fade/>
+      </p:transition>
+    </mc:Fallback>
+  </mc:AlternateContent>
 </p:sld>
 </file>
 
-<file path=ppt/slides/slide14.xml><?xml version="1.0" encoding="utf-8"?>
+<file path=ppt/slides/slide15.xml><?xml version="1.0" encoding="utf-8"?>
+<p:sld xmlns:a="http://schemas.openxmlformats.org/drawingml/2006/main" xmlns:r="http://schemas.openxmlformats.org/officeDocument/2006/relationships" xmlns:p="http://schemas.openxmlformats.org/presentationml/2006/main">
+  <p:cSld>
+    <p:spTree>
+      <p:nvGrpSpPr>
+        <p:cNvPr id="1" name=""/>
+        <p:cNvGrpSpPr/>
+        <p:nvPr/>
+      </p:nvGrpSpPr>
+      <p:grpSpPr>
+        <a:xfrm>
+          <a:off x="0" y="0"/>
+          <a:ext cx="0" cy="0"/>
+          <a:chOff x="0" y="0"/>
+          <a:chExt cx="0" cy="0"/>
+        </a:xfrm>
+      </p:grpSpPr>
+      <p:sp>
+        <p:nvSpPr>
+          <p:cNvPr id="2" name="Заголовок 1">
+            <a:extLst>
+              <a:ext uri="{FF2B5EF4-FFF2-40B4-BE49-F238E27FC236}">
+                <a16:creationId xmlns:a16="http://schemas.microsoft.com/office/drawing/2014/main" id="{9C6B2956-5D59-FE48-B5A9-9D5D3C5E5C95}"/>
+              </a:ext>
+            </a:extLst>
+          </p:cNvPr>
+          <p:cNvSpPr>
+            <a:spLocks noGrp="1"/>
+          </p:cNvSpPr>
+          <p:nvPr>
+            <p:ph type="title"/>
+          </p:nvPr>
+        </p:nvSpPr>
+        <p:spPr/>
+        <p:txBody>
+          <a:bodyPr/>
+          <a:lstStyle/>
+          <a:p>
+            <a:r>
+              <a:rPr lang="ru-RU" dirty="0"/>
+              <a:t>Безопасность</a:t>
+            </a:r>
+          </a:p>
+        </p:txBody>
+      </p:sp>
+      <p:sp>
+        <p:nvSpPr>
+          <p:cNvPr id="3" name="Объект 2">
+            <a:extLst>
+              <a:ext uri="{FF2B5EF4-FFF2-40B4-BE49-F238E27FC236}">
+                <a16:creationId xmlns:a16="http://schemas.microsoft.com/office/drawing/2014/main" id="{94C29FE3-7B81-A247-A145-8EDFC79DD237}"/>
+              </a:ext>
+            </a:extLst>
+          </p:cNvPr>
+          <p:cNvSpPr>
+            <a:spLocks noGrp="1"/>
+          </p:cNvSpPr>
+          <p:nvPr>
+            <p:ph idx="1"/>
+          </p:nvPr>
+        </p:nvSpPr>
+        <p:spPr>
+          <a:xfrm>
+            <a:off x="680321" y="2090057"/>
+            <a:ext cx="9613861" cy="4648199"/>
+          </a:xfrm>
+        </p:spPr>
+        <p:txBody>
+          <a:bodyPr>
+            <a:normAutofit fontScale="85000" lnSpcReduction="20000"/>
+          </a:bodyPr>
+          <a:lstStyle/>
+          <a:p>
+            <a:pPr marL="0" indent="0">
+              <a:buNone/>
+            </a:pPr>
+            <a:r>
+              <a:rPr lang="ru-RU" dirty="0"/>
+              <a:t>Схема аутентификации</a:t>
+            </a:r>
+            <a:r>
+              <a:rPr lang="en-US" dirty="0"/>
+              <a:t>:</a:t>
+            </a:r>
+            <a:endParaRPr lang="ru-RU" dirty="0"/>
+          </a:p>
+          <a:p>
+            <a:r>
+              <a:rPr lang="en-US" dirty="0"/>
+              <a:t>Http Basic (RFC 7617)</a:t>
+            </a:r>
+          </a:p>
+          <a:p>
+            <a:endParaRPr lang="en-US" dirty="0"/>
+          </a:p>
+          <a:p>
+            <a:pPr marL="0" indent="0">
+              <a:buNone/>
+            </a:pPr>
+            <a:r>
+              <a:rPr lang="ru-RU" dirty="0"/>
+              <a:t>Схема авторизации:</a:t>
+            </a:r>
+          </a:p>
+          <a:p>
+            <a:r>
+              <a:rPr lang="en-US" dirty="0"/>
+              <a:t>Http Bearer  (RFC 6750) </a:t>
+            </a:r>
+          </a:p>
+          <a:p>
+            <a:endParaRPr lang="en-US" dirty="0"/>
+          </a:p>
+          <a:p>
+            <a:pPr marL="0" indent="0">
+              <a:buNone/>
+            </a:pPr>
+            <a:r>
+              <a:rPr lang="en-US" dirty="0"/>
+              <a:t>Middleware </a:t>
+            </a:r>
+            <a:r>
+              <a:rPr lang="ru-RU" dirty="0"/>
+              <a:t>авторизации:</a:t>
+            </a:r>
+            <a:endParaRPr lang="en-US" dirty="0"/>
+          </a:p>
+          <a:p>
+            <a:r>
+              <a:rPr lang="en-US" dirty="0" err="1"/>
+              <a:t>passport.js</a:t>
+            </a:r>
+            <a:r>
+              <a:rPr lang="en-US" dirty="0"/>
+              <a:t>  </a:t>
+            </a:r>
+            <a:r>
+              <a:rPr lang="ru-RU" dirty="0"/>
+              <a:t>0.4.1</a:t>
+            </a:r>
+            <a:endParaRPr lang="en-US" dirty="0"/>
+          </a:p>
+          <a:p>
+            <a:r>
+              <a:rPr lang="en-US" dirty="0"/>
+              <a:t>passport-</a:t>
+            </a:r>
+            <a:r>
+              <a:rPr lang="en-US" dirty="0" err="1"/>
+              <a:t>jwt.js</a:t>
+            </a:r>
+            <a:r>
+              <a:rPr lang="en-US" dirty="0"/>
+              <a:t> 4.0.0</a:t>
+            </a:r>
+          </a:p>
+          <a:p>
+            <a:endParaRPr lang="en-US" dirty="0"/>
+          </a:p>
+          <a:p>
+            <a:pPr marL="0" indent="0">
+              <a:buNone/>
+            </a:pPr>
+            <a:r>
+              <a:rPr lang="ru-RU" dirty="0"/>
+              <a:t>Защита паролей</a:t>
+            </a:r>
+            <a:r>
+              <a:rPr lang="en-US" dirty="0"/>
+              <a:t>:</a:t>
+            </a:r>
+          </a:p>
+          <a:p>
+            <a:r>
+              <a:rPr lang="en-US" dirty="0" err="1"/>
+              <a:t>bcrypt</a:t>
+            </a:r>
+            <a:endParaRPr lang="en-US" dirty="0"/>
+          </a:p>
+          <a:p>
+            <a:r>
+              <a:rPr lang="ru-RU" dirty="0"/>
+              <a:t>Число раундов соли: 2</a:t>
+            </a:r>
+            <a:r>
+              <a:rPr lang="en-US" dirty="0"/>
+              <a:t>^10</a:t>
+            </a:r>
+            <a:endParaRPr lang="ru-RU" dirty="0"/>
+          </a:p>
+          <a:p>
+            <a:pPr marL="0" indent="0">
+              <a:buNone/>
+            </a:pPr>
+            <a:endParaRPr lang="ru-RU" dirty="0"/>
+          </a:p>
+        </p:txBody>
+      </p:sp>
+      <p:sp>
+        <p:nvSpPr>
+          <p:cNvPr id="4" name="Номер слайда 3">
+            <a:extLst>
+              <a:ext uri="{FF2B5EF4-FFF2-40B4-BE49-F238E27FC236}">
+                <a16:creationId xmlns:a16="http://schemas.microsoft.com/office/drawing/2014/main" id="{1222DC47-B2E2-8F4D-9C39-FA6CECBA7936}"/>
+              </a:ext>
+            </a:extLst>
+          </p:cNvPr>
+          <p:cNvSpPr>
+            <a:spLocks noGrp="1"/>
+          </p:cNvSpPr>
+          <p:nvPr>
+            <p:ph type="sldNum" sz="quarter" idx="12"/>
+          </p:nvPr>
+        </p:nvSpPr>
+        <p:spPr/>
+        <p:txBody>
+          <a:bodyPr/>
+          <a:lstStyle/>
+          <a:p>
+            <a:fld id="{6D22F896-40B5-4ADD-8801-0D06FADFA095}" type="slidenum">
+              <a:rPr lang="en-US" smtClean="0"/>
+              <a:t>15</a:t>
+            </a:fld>
+            <a:endParaRPr lang="en-US" dirty="0"/>
+          </a:p>
+        </p:txBody>
+      </p:sp>
+    </p:spTree>
+    <p:extLst>
+      <p:ext uri="{BB962C8B-B14F-4D97-AF65-F5344CB8AC3E}">
+        <p14:creationId xmlns:p14="http://schemas.microsoft.com/office/powerpoint/2010/main" val="839281280"/>
+      </p:ext>
+    </p:extLst>
+  </p:cSld>
+  <p:clrMapOvr>
+    <a:masterClrMapping/>
+  </p:clrMapOvr>
+  <mc:AlternateContent xmlns:mc="http://schemas.openxmlformats.org/markup-compatibility/2006">
+    <mc:Choice xmlns:p14="http://schemas.microsoft.com/office/powerpoint/2010/main" Requires="p14">
+      <p:transition spd="med" p14:dur="700">
+        <p:fade/>
+      </p:transition>
+    </mc:Choice>
+    <mc:Fallback>
+      <p:transition spd="med">
+        <p:fade/>
+      </p:transition>
+    </mc:Fallback>
+  </mc:AlternateContent>
+</p:sld>
+</file>
+
+<file path=ppt/slides/slide16.xml><?xml version="1.0" encoding="utf-8"?>
 <p:sld xmlns:a="http://schemas.openxmlformats.org/drawingml/2006/main" xmlns:r="http://schemas.openxmlformats.org/officeDocument/2006/relationships" xmlns:p="http://schemas.openxmlformats.org/presentationml/2006/main">
   <p:cSld>
     <p:spTree>
@@ -10377,7 +12555,7 @@
           <a:p>
             <a:fld id="{6D22F896-40B5-4ADD-8801-0D06FADFA095}" type="slidenum">
               <a:rPr lang="en-US" smtClean="0"/>
-              <a:t>14</a:t>
+              <a:t>16</a:t>
             </a:fld>
             <a:endParaRPr lang="en-US" dirty="0"/>
           </a:p>
@@ -10393,258 +12571,18 @@
   <p:clrMapOvr>
     <a:masterClrMapping/>
   </p:clrMapOvr>
-</p:sld>
-</file>
-
-<file path=ppt/slides/slide15.xml><?xml version="1.0" encoding="utf-8"?>
-<p:sld xmlns:a="http://schemas.openxmlformats.org/drawingml/2006/main" xmlns:r="http://schemas.openxmlformats.org/officeDocument/2006/relationships" xmlns:p="http://schemas.openxmlformats.org/presentationml/2006/main">
-  <p:cSld>
-    <p:spTree>
-      <p:nvGrpSpPr>
-        <p:cNvPr id="1" name=""/>
-        <p:cNvGrpSpPr/>
-        <p:nvPr/>
-      </p:nvGrpSpPr>
-      <p:grpSpPr>
-        <a:xfrm>
-          <a:off x="0" y="0"/>
-          <a:ext cx="0" cy="0"/>
-          <a:chOff x="0" y="0"/>
-          <a:chExt cx="0" cy="0"/>
-        </a:xfrm>
-      </p:grpSpPr>
-      <p:sp>
-        <p:nvSpPr>
-          <p:cNvPr id="2" name="Заголовок 1">
-            <a:extLst>
-              <a:ext uri="{FF2B5EF4-FFF2-40B4-BE49-F238E27FC236}">
-                <a16:creationId xmlns:a16="http://schemas.microsoft.com/office/drawing/2014/main" id="{38F2220A-65B9-4D41-9502-D2E72DA92243}"/>
-              </a:ext>
-            </a:extLst>
-          </p:cNvPr>
-          <p:cNvSpPr>
-            <a:spLocks noGrp="1"/>
-          </p:cNvSpPr>
-          <p:nvPr>
-            <p:ph type="title"/>
-          </p:nvPr>
-        </p:nvSpPr>
-        <p:spPr/>
-        <p:txBody>
-          <a:bodyPr/>
-          <a:lstStyle/>
-          <a:p>
-            <a:r>
-              <a:rPr lang="ru-RU" dirty="0"/>
-              <a:t>Диаграмма развертывания</a:t>
-            </a:r>
-          </a:p>
-        </p:txBody>
-      </p:sp>
-      <p:sp>
-        <p:nvSpPr>
-          <p:cNvPr id="4" name="Номер слайда 3">
-            <a:extLst>
-              <a:ext uri="{FF2B5EF4-FFF2-40B4-BE49-F238E27FC236}">
-                <a16:creationId xmlns:a16="http://schemas.microsoft.com/office/drawing/2014/main" id="{9B2D3C4A-2AF1-43B3-9481-59C283ED795C}"/>
-              </a:ext>
-            </a:extLst>
-          </p:cNvPr>
-          <p:cNvSpPr>
-            <a:spLocks noGrp="1"/>
-          </p:cNvSpPr>
-          <p:nvPr>
-            <p:ph type="sldNum" sz="quarter" idx="12"/>
-          </p:nvPr>
-        </p:nvSpPr>
-        <p:spPr/>
-        <p:txBody>
-          <a:bodyPr/>
-          <a:lstStyle/>
-          <a:p>
-            <a:fld id="{6D22F896-40B5-4ADD-8801-0D06FADFA095}" type="slidenum">
-              <a:rPr lang="en-US" smtClean="0"/>
-              <a:t>15</a:t>
-            </a:fld>
-            <a:endParaRPr lang="en-US" dirty="0"/>
-          </a:p>
-        </p:txBody>
-      </p:sp>
-      <p:pic>
-        <p:nvPicPr>
-          <p:cNvPr id="5" name="Рисунок 4">
-            <a:extLst>
-              <a:ext uri="{FF2B5EF4-FFF2-40B4-BE49-F238E27FC236}">
-                <a16:creationId xmlns:a16="http://schemas.microsoft.com/office/drawing/2014/main" id="{FD2843F5-3FE2-4042-93F6-259DFC017039}"/>
-              </a:ext>
-            </a:extLst>
-          </p:cNvPr>
-          <p:cNvPicPr/>
-          <p:nvPr/>
-        </p:nvPicPr>
-        <p:blipFill>
-          <a:blip r:embed="rId2">
-            <a:extLst>
-              <a:ext uri="{28A0092B-C50C-407E-A947-70E740481C1C}">
-                <a14:useLocalDpi xmlns:a14="http://schemas.microsoft.com/office/drawing/2010/main" val="0"/>
-              </a:ext>
-            </a:extLst>
-          </a:blip>
-          <a:srcRect/>
-          <a:stretch>
-            <a:fillRect/>
-          </a:stretch>
-        </p:blipFill>
-        <p:spPr bwMode="auto">
-          <a:xfrm>
-            <a:off x="1377884" y="2665210"/>
-            <a:ext cx="8218733" cy="2942642"/>
-          </a:xfrm>
-          <a:prstGeom prst="rect">
-            <a:avLst/>
-          </a:prstGeom>
-          <a:noFill/>
-          <a:ln>
-            <a:noFill/>
-          </a:ln>
-        </p:spPr>
-      </p:pic>
-    </p:spTree>
-    <p:extLst>
-      <p:ext uri="{BB962C8B-B14F-4D97-AF65-F5344CB8AC3E}">
-        <p14:creationId xmlns:p14="http://schemas.microsoft.com/office/powerpoint/2010/main" val="390981320"/>
-      </p:ext>
-    </p:extLst>
-  </p:cSld>
-  <p:clrMapOvr>
-    <a:masterClrMapping/>
-  </p:clrMapOvr>
-</p:sld>
-</file>
-
-<file path=ppt/slides/slide16.xml><?xml version="1.0" encoding="utf-8"?>
-<p:sld xmlns:a="http://schemas.openxmlformats.org/drawingml/2006/main" xmlns:r="http://schemas.openxmlformats.org/officeDocument/2006/relationships" xmlns:p="http://schemas.openxmlformats.org/presentationml/2006/main">
-  <p:cSld>
-    <p:spTree>
-      <p:nvGrpSpPr>
-        <p:cNvPr id="1" name=""/>
-        <p:cNvGrpSpPr/>
-        <p:nvPr/>
-      </p:nvGrpSpPr>
-      <p:grpSpPr>
-        <a:xfrm>
-          <a:off x="0" y="0"/>
-          <a:ext cx="0" cy="0"/>
-          <a:chOff x="0" y="0"/>
-          <a:chExt cx="0" cy="0"/>
-        </a:xfrm>
-      </p:grpSpPr>
-      <p:sp>
-        <p:nvSpPr>
-          <p:cNvPr id="2" name="Заголовок 1">
-            <a:extLst>
-              <a:ext uri="{FF2B5EF4-FFF2-40B4-BE49-F238E27FC236}">
-                <a16:creationId xmlns:a16="http://schemas.microsoft.com/office/drawing/2014/main" id="{147C2B77-180D-4E3F-AB4E-7C0F59E535D6}"/>
-              </a:ext>
-            </a:extLst>
-          </p:cNvPr>
-          <p:cNvSpPr>
-            <a:spLocks noGrp="1"/>
-          </p:cNvSpPr>
-          <p:nvPr>
-            <p:ph type="title"/>
-          </p:nvPr>
-        </p:nvSpPr>
-        <p:spPr/>
-        <p:txBody>
-          <a:bodyPr/>
-          <a:lstStyle/>
-          <a:p>
-            <a:r>
-              <a:rPr lang="ru-RU" dirty="0"/>
-              <a:t>Прототип интерфейса редактора</a:t>
-            </a:r>
-          </a:p>
-        </p:txBody>
-      </p:sp>
-      <p:sp>
-        <p:nvSpPr>
-          <p:cNvPr id="3" name="Номер слайда 2">
-            <a:extLst>
-              <a:ext uri="{FF2B5EF4-FFF2-40B4-BE49-F238E27FC236}">
-                <a16:creationId xmlns:a16="http://schemas.microsoft.com/office/drawing/2014/main" id="{6A6AD752-CE32-7044-B6E3-54EB00407DBC}"/>
-              </a:ext>
-            </a:extLst>
-          </p:cNvPr>
-          <p:cNvSpPr>
-            <a:spLocks noGrp="1"/>
-          </p:cNvSpPr>
-          <p:nvPr>
-            <p:ph type="sldNum" sz="quarter" idx="12"/>
-          </p:nvPr>
-        </p:nvSpPr>
-        <p:spPr/>
-        <p:txBody>
-          <a:bodyPr/>
-          <a:lstStyle/>
-          <a:p>
-            <a:fld id="{6D22F896-40B5-4ADD-8801-0D06FADFA095}" type="slidenum">
-              <a:rPr lang="en-US" smtClean="0"/>
-              <a:t>16</a:t>
-            </a:fld>
-            <a:endParaRPr lang="en-US" dirty="0"/>
-          </a:p>
-        </p:txBody>
-      </p:sp>
-      <p:pic>
-        <p:nvPicPr>
-          <p:cNvPr id="6" name="Рисунок 5">
-            <a:extLst>
-              <a:ext uri="{FF2B5EF4-FFF2-40B4-BE49-F238E27FC236}">
-                <a16:creationId xmlns:a16="http://schemas.microsoft.com/office/drawing/2014/main" id="{A4A7654C-3AE7-4E58-9544-967BEF7174BA}"/>
-              </a:ext>
-            </a:extLst>
-          </p:cNvPr>
-          <p:cNvPicPr/>
-          <p:nvPr/>
-        </p:nvPicPr>
-        <p:blipFill>
-          <a:blip r:embed="rId2">
-            <a:extLst>
-              <a:ext uri="{28A0092B-C50C-407E-A947-70E740481C1C}">
-                <a14:useLocalDpi xmlns:a14="http://schemas.microsoft.com/office/drawing/2010/main" val="0"/>
-              </a:ext>
-            </a:extLst>
-          </a:blip>
-          <a:srcRect/>
-          <a:stretch>
-            <a:fillRect/>
-          </a:stretch>
-        </p:blipFill>
-        <p:spPr bwMode="auto">
-          <a:xfrm>
-            <a:off x="2735585" y="1999899"/>
-            <a:ext cx="6014947" cy="4783455"/>
-          </a:xfrm>
-          <a:prstGeom prst="rect">
-            <a:avLst/>
-          </a:prstGeom>
-          <a:noFill/>
-          <a:ln>
-            <a:noFill/>
-          </a:ln>
-        </p:spPr>
-      </p:pic>
-    </p:spTree>
-    <p:extLst>
-      <p:ext uri="{BB962C8B-B14F-4D97-AF65-F5344CB8AC3E}">
-        <p14:creationId xmlns:p14="http://schemas.microsoft.com/office/powerpoint/2010/main" val="604012071"/>
-      </p:ext>
-    </p:extLst>
-  </p:cSld>
-  <p:clrMapOvr>
-    <a:masterClrMapping/>
-  </p:clrMapOvr>
+  <mc:AlternateContent xmlns:mc="http://schemas.openxmlformats.org/markup-compatibility/2006">
+    <mc:Choice xmlns:p14="http://schemas.microsoft.com/office/powerpoint/2010/main" Requires="p14">
+      <p:transition spd="med" p14:dur="700">
+        <p:fade/>
+      </p:transition>
+    </mc:Choice>
+    <mc:Fallback>
+      <p:transition spd="med">
+        <p:fade/>
+      </p:transition>
+    </mc:Fallback>
+  </mc:AlternateContent>
 </p:sld>
 </file>
 
@@ -10670,7 +12608,7 @@
           <p:cNvPr id="2" name="Заголовок 1">
             <a:extLst>
               <a:ext uri="{FF2B5EF4-FFF2-40B4-BE49-F238E27FC236}">
-                <a16:creationId xmlns:a16="http://schemas.microsoft.com/office/drawing/2014/main" id="{A6853D85-5312-47B0-BC28-ABD3A3E988C0}"/>
+                <a16:creationId xmlns:a16="http://schemas.microsoft.com/office/drawing/2014/main" id="{9BFAA110-C35E-419E-94F5-DAEBD2170558}"/>
               </a:ext>
             </a:extLst>
           </p:cNvPr>
@@ -10688,17 +12626,92 @@
           <a:p>
             <a:r>
               <a:rPr lang="ru-RU" dirty="0"/>
-              <a:t>Интерфейс регистрации пользователей</a:t>
-            </a:r>
-          </a:p>
-        </p:txBody>
-      </p:sp>
-      <p:sp>
-        <p:nvSpPr>
-          <p:cNvPr id="4" name="Номер слайда 3">
+              <a:t>Входные данные</a:t>
+            </a:r>
+          </a:p>
+        </p:txBody>
+      </p:sp>
+      <p:sp>
+        <p:nvSpPr>
+          <p:cNvPr id="6" name="Объект 5">
             <a:extLst>
               <a:ext uri="{FF2B5EF4-FFF2-40B4-BE49-F238E27FC236}">
-                <a16:creationId xmlns:a16="http://schemas.microsoft.com/office/drawing/2014/main" id="{E3C347DE-DF16-43D3-82C5-EF86738EA2BC}"/>
+                <a16:creationId xmlns:a16="http://schemas.microsoft.com/office/drawing/2014/main" id="{F3AF8238-DF16-4E55-B564-3C299D7AEF9E}"/>
+              </a:ext>
+            </a:extLst>
+          </p:cNvPr>
+          <p:cNvSpPr>
+            <a:spLocks noGrp="1"/>
+          </p:cNvSpPr>
+          <p:nvPr>
+            <p:ph idx="1"/>
+          </p:nvPr>
+        </p:nvSpPr>
+        <p:spPr>
+          <a:xfrm>
+            <a:off x="680321" y="2336873"/>
+            <a:ext cx="10880308" cy="3599316"/>
+          </a:xfrm>
+        </p:spPr>
+        <p:txBody>
+          <a:bodyPr>
+            <a:normAutofit/>
+          </a:bodyPr>
+          <a:lstStyle/>
+          <a:p>
+            <a:r>
+              <a:rPr lang="ru-RU" dirty="0"/>
+              <a:t>Регистрационные данные пользователя: имя, пароль</a:t>
+            </a:r>
+          </a:p>
+          <a:p>
+            <a:r>
+              <a:rPr lang="ru-RU" dirty="0"/>
+              <a:t>Роль пользователя в системе</a:t>
+            </a:r>
+          </a:p>
+          <a:p>
+            <a:r>
+              <a:rPr lang="en-US" dirty="0"/>
+              <a:t>API</a:t>
+            </a:r>
+            <a:r>
+              <a:rPr lang="ru-RU" dirty="0"/>
+              <a:t> вызовы к серверу для получения доступа к таблицам базы данных</a:t>
+            </a:r>
+          </a:p>
+          <a:p>
+            <a:r>
+              <a:rPr lang="ru-RU" dirty="0"/>
+              <a:t>Установка связи между пользователями и кураторами</a:t>
+            </a:r>
+          </a:p>
+          <a:p>
+            <a:r>
+              <a:rPr lang="ru-RU" dirty="0"/>
+              <a:t>Запросы администратора</a:t>
+            </a:r>
+          </a:p>
+          <a:p>
+            <a:r>
+              <a:rPr lang="ru-RU" dirty="0"/>
+              <a:t>Ввод данных в представление ДРАКОН-схемы через интерфейс редактора</a:t>
+            </a:r>
+          </a:p>
+          <a:p>
+            <a:pPr marL="0" indent="0">
+              <a:buNone/>
+            </a:pPr>
+            <a:endParaRPr lang="ru-RU" dirty="0"/>
+          </a:p>
+        </p:txBody>
+      </p:sp>
+      <p:sp>
+        <p:nvSpPr>
+          <p:cNvPr id="3" name="Номер слайда 2">
+            <a:extLst>
+              <a:ext uri="{FF2B5EF4-FFF2-40B4-BE49-F238E27FC236}">
+                <a16:creationId xmlns:a16="http://schemas.microsoft.com/office/drawing/2014/main" id="{4ADFA7E1-2F88-D84A-9B2E-8F480F93F33D}"/>
               </a:ext>
             </a:extLst>
           </p:cNvPr>
@@ -10722,57 +12735,28 @@
           </a:p>
         </p:txBody>
       </p:sp>
-      <p:pic>
-        <p:nvPicPr>
-          <p:cNvPr id="5" name="Рисунок 4">
-            <a:extLst>
-              <a:ext uri="{FF2B5EF4-FFF2-40B4-BE49-F238E27FC236}">
-                <a16:creationId xmlns:a16="http://schemas.microsoft.com/office/drawing/2014/main" id="{B5DF0D2D-0AD0-43DF-A4E9-EE2BA4A066FC}"/>
-              </a:ext>
-            </a:extLst>
-          </p:cNvPr>
-          <p:cNvPicPr/>
-          <p:nvPr/>
-        </p:nvPicPr>
-        <p:blipFill>
-          <a:blip r:embed="rId2">
-            <a:extLst>
-              <a:ext uri="{28A0092B-C50C-407E-A947-70E740481C1C}">
-                <a14:useLocalDpi xmlns:a14="http://schemas.microsoft.com/office/drawing/2010/main" val="0"/>
-              </a:ext>
-            </a:extLst>
-          </a:blip>
-          <a:srcRect/>
-          <a:stretch>
-            <a:fillRect/>
-          </a:stretch>
-        </p:blipFill>
-        <p:spPr bwMode="auto">
-          <a:xfrm>
-            <a:off x="3194555" y="2563313"/>
-            <a:ext cx="5317476" cy="3137691"/>
-          </a:xfrm>
-          <a:prstGeom prst="rect">
-            <a:avLst/>
-          </a:prstGeom>
-          <a:noFill/>
-          <a:ln>
-            <a:solidFill>
-              <a:schemeClr val="tx1"/>
-            </a:solidFill>
-          </a:ln>
-        </p:spPr>
-      </p:pic>
     </p:spTree>
     <p:extLst>
       <p:ext uri="{BB962C8B-B14F-4D97-AF65-F5344CB8AC3E}">
-        <p14:creationId xmlns:p14="http://schemas.microsoft.com/office/powerpoint/2010/main" val="1984224983"/>
+        <p14:creationId xmlns:p14="http://schemas.microsoft.com/office/powerpoint/2010/main" val="2197034048"/>
       </p:ext>
     </p:extLst>
   </p:cSld>
   <p:clrMapOvr>
     <a:masterClrMapping/>
   </p:clrMapOvr>
+  <mc:AlternateContent xmlns:mc="http://schemas.openxmlformats.org/markup-compatibility/2006">
+    <mc:Choice xmlns:p14="http://schemas.microsoft.com/office/powerpoint/2010/main" Requires="p14">
+      <p:transition spd="med" p14:dur="700">
+        <p:fade/>
+      </p:transition>
+    </mc:Choice>
+    <mc:Fallback>
+      <p:transition spd="med">
+        <p:fade/>
+      </p:transition>
+    </mc:Fallback>
+  </mc:AlternateContent>
 </p:sld>
 </file>
 
@@ -10816,7 +12800,7 @@
           <a:p>
             <a:r>
               <a:rPr lang="ru-RU" dirty="0"/>
-              <a:t>Входные данные</a:t>
+              <a:t>Выходные данные</a:t>
             </a:r>
           </a:p>
         </p:txBody>
@@ -10840,58 +12824,85 @@
         <p:spPr/>
         <p:txBody>
           <a:bodyPr>
-            <a:normAutofit/>
+            <a:normAutofit lnSpcReduction="10000"/>
           </a:bodyPr>
           <a:lstStyle/>
           <a:p>
             <a:r>
               <a:rPr lang="ru-RU" dirty="0"/>
-              <a:t>Регистрационные данные пользователя</a:t>
-            </a:r>
-          </a:p>
-          <a:p>
+              <a:t>Персональные данные пользователя</a:t>
+            </a:r>
+          </a:p>
+          <a:p>
+            <a:pPr lvl="1"/>
             <a:r>
               <a:rPr lang="ru-RU" dirty="0"/>
-              <a:t>Роль пользователя в системе</a:t>
-            </a:r>
-          </a:p>
-          <a:p>
+              <a:t>Имя</a:t>
+            </a:r>
+          </a:p>
+          <a:p>
+            <a:pPr lvl="1"/>
             <a:r>
               <a:rPr lang="ru-RU" dirty="0"/>
-              <a:t>Запросы к </a:t>
-            </a:r>
+              <a:t>Роль</a:t>
+            </a:r>
+          </a:p>
+          <a:p>
+            <a:pPr lvl="1"/>
+            <a:r>
+              <a:rPr lang="ru-RU" dirty="0"/>
+              <a:t>Идентификатор</a:t>
+            </a:r>
+          </a:p>
+          <a:p>
             <a:r>
               <a:rPr lang="en-US" dirty="0"/>
-              <a:t>API </a:t>
+              <a:t>JWT </a:t>
             </a:r>
             <a:r>
               <a:rPr lang="ru-RU" dirty="0"/>
-              <a:t>базы данных для получения доступа к таблицам</a:t>
-            </a:r>
-          </a:p>
-          <a:p>
+              <a:t>токен для доступа к защищённым </a:t>
+            </a:r>
+            <a:r>
+              <a:rPr lang="en-US" dirty="0"/>
+              <a:t>URL</a:t>
+            </a:r>
             <a:r>
               <a:rPr lang="ru-RU" dirty="0"/>
-              <a:t>Установка отношений между пользователями и кураторами</a:t>
+              <a:t> приложения</a:t>
             </a:r>
           </a:p>
           <a:p>
             <a:r>
               <a:rPr lang="ru-RU" dirty="0"/>
-              <a:t>Запросы администратора</a:t>
+              <a:t>Список курируемых пользователей для каждого куратора</a:t>
             </a:r>
           </a:p>
           <a:p>
             <a:r>
               <a:rPr lang="ru-RU" dirty="0"/>
-              <a:t>Содержимое ДРАКОН-схем</a:t>
-            </a:r>
-          </a:p>
-          <a:p>
-            <a:pPr marL="0" indent="0">
-              <a:buNone/>
-            </a:pPr>
-            <a:endParaRPr lang="ru-RU" dirty="0"/>
+              <a:t>Информация обо всех пользователей для роли Администратор</a:t>
+            </a:r>
+          </a:p>
+          <a:p>
+            <a:r>
+              <a:rPr lang="ru-RU" dirty="0"/>
+              <a:t>Список ДРАКОН-схем и их содержимое</a:t>
+            </a:r>
+          </a:p>
+          <a:p>
+            <a:r>
+              <a:rPr lang="ru-RU" dirty="0"/>
+              <a:t>Транслированная в </a:t>
+            </a:r>
+            <a:r>
+              <a:rPr lang="en-US" dirty="0"/>
+              <a:t>JavaScript</a:t>
+            </a:r>
+            <a:r>
+              <a:rPr lang="ru-RU" dirty="0"/>
+              <a:t> функцию схема</a:t>
+            </a:r>
           </a:p>
         </p:txBody>
       </p:sp>
@@ -10900,7 +12911,7 @@
           <p:cNvPr id="3" name="Номер слайда 2">
             <a:extLst>
               <a:ext uri="{FF2B5EF4-FFF2-40B4-BE49-F238E27FC236}">
-                <a16:creationId xmlns:a16="http://schemas.microsoft.com/office/drawing/2014/main" id="{4ADFA7E1-2F88-D84A-9B2E-8F480F93F33D}"/>
+                <a16:creationId xmlns:a16="http://schemas.microsoft.com/office/drawing/2014/main" id="{3C0A0DC9-DA77-934A-90CE-F288C717391D}"/>
               </a:ext>
             </a:extLst>
           </p:cNvPr>
@@ -10927,13 +12938,25 @@
     </p:spTree>
     <p:extLst>
       <p:ext uri="{BB962C8B-B14F-4D97-AF65-F5344CB8AC3E}">
-        <p14:creationId xmlns:p14="http://schemas.microsoft.com/office/powerpoint/2010/main" val="2197034048"/>
+        <p14:creationId xmlns:p14="http://schemas.microsoft.com/office/powerpoint/2010/main" val="3253019711"/>
       </p:ext>
     </p:extLst>
   </p:cSld>
   <p:clrMapOvr>
     <a:masterClrMapping/>
   </p:clrMapOvr>
+  <mc:AlternateContent xmlns:mc="http://schemas.openxmlformats.org/markup-compatibility/2006">
+    <mc:Choice xmlns:p14="http://schemas.microsoft.com/office/powerpoint/2010/main" Requires="p14">
+      <p:transition spd="med" p14:dur="700">
+        <p:fade/>
+      </p:transition>
+    </mc:Choice>
+    <mc:Fallback>
+      <p:transition spd="med">
+        <p:fade/>
+      </p:transition>
+    </mc:Fallback>
+  </mc:AlternateContent>
 </p:sld>
 </file>
 
@@ -10977,7 +13000,7 @@
           <a:p>
             <a:r>
               <a:rPr lang="ru-RU" dirty="0"/>
-              <a:t>Выходные данные</a:t>
+              <a:t>Системные требования клиента</a:t>
             </a:r>
           </a:p>
         </p:txBody>
@@ -11000,44 +13023,56 @@
         </p:nvSpPr>
         <p:spPr/>
         <p:txBody>
-          <a:bodyPr>
-            <a:normAutofit/>
-          </a:bodyPr>
+          <a:bodyPr/>
           <a:lstStyle/>
           <a:p>
             <a:r>
-              <a:rPr lang="ru-RU" dirty="0"/>
-              <a:t>Схемы пользователя из БД</a:t>
-            </a:r>
-          </a:p>
-          <a:p>
-            <a:r>
-              <a:rPr lang="en-US" dirty="0"/>
-              <a:t>JWT </a:t>
-            </a:r>
-            <a:r>
-              <a:rPr lang="ru-RU" dirty="0"/>
-              <a:t>токен для доступа к защищённым </a:t>
-            </a:r>
-            <a:r>
-              <a:rPr lang="en-US" dirty="0"/>
-              <a:t>URL</a:t>
-            </a:r>
-            <a:r>
-              <a:rPr lang="ru-RU" dirty="0"/>
-              <a:t> приложения</a:t>
-            </a:r>
-          </a:p>
-          <a:p>
-            <a:r>
-              <a:rPr lang="ru-RU" dirty="0"/>
-              <a:t>Список курируемых пользователей для каждого куратора</a:t>
-            </a:r>
-          </a:p>
-          <a:p>
-            <a:r>
-              <a:rPr lang="ru-RU" dirty="0"/>
-              <a:t>Информация обо всех пользователей для роли Администратор</a:t>
+              <a:rPr lang="ru-RU" dirty="0" err="1">
+                <a:cs typeface="Times New Roman" panose="02020603050405020304" pitchFamily="18" charset="0"/>
+              </a:rPr>
+              <a:t>Intel</a:t>
+            </a:r>
+            <a:r>
+              <a:rPr lang="ru-RU" dirty="0">
+                <a:cs typeface="Times New Roman" panose="02020603050405020304" pitchFamily="18" charset="0"/>
+              </a:rPr>
+              <a:t>-совместимый процессор с частотой не менее  1,6 ГГц;</a:t>
+            </a:r>
+          </a:p>
+          <a:p>
+            <a:r>
+              <a:rPr lang="ru-RU" dirty="0">
+                <a:cs typeface="Times New Roman" panose="02020603050405020304" pitchFamily="18" charset="0"/>
+              </a:rPr>
+              <a:t>не менее 512 МБ ОЗУ;</a:t>
+            </a:r>
+          </a:p>
+          <a:p>
+            <a:r>
+              <a:rPr lang="ru-RU" dirty="0">
+                <a:cs typeface="Times New Roman" panose="02020603050405020304" pitchFamily="18" charset="0"/>
+              </a:rPr>
+              <a:t>не менее 50 MБ свободного места на диске;</a:t>
+            </a:r>
+          </a:p>
+          <a:p>
+            <a:r>
+              <a:rPr lang="ru-RU" dirty="0">
+                <a:cs typeface="Times New Roman" panose="02020603050405020304" pitchFamily="18" charset="0"/>
+              </a:rPr>
+              <a:t>операционная система: ОС с поддержкой </a:t>
+            </a:r>
+            <a:r>
+              <a:rPr lang="ru-RU" dirty="0" err="1">
+                <a:cs typeface="Times New Roman" panose="02020603050405020304" pitchFamily="18" charset="0"/>
+              </a:rPr>
+              <a:t>Chrome</a:t>
+            </a:r>
+            <a:r>
+              <a:rPr lang="ru-RU" dirty="0">
+                <a:cs typeface="Times New Roman" panose="02020603050405020304" pitchFamily="18" charset="0"/>
+              </a:rPr>
+              <a:t> v.63+.</a:t>
             </a:r>
           </a:p>
         </p:txBody>
@@ -11047,7 +13082,7 @@
           <p:cNvPr id="3" name="Номер слайда 2">
             <a:extLst>
               <a:ext uri="{FF2B5EF4-FFF2-40B4-BE49-F238E27FC236}">
-                <a16:creationId xmlns:a16="http://schemas.microsoft.com/office/drawing/2014/main" id="{3C0A0DC9-DA77-934A-90CE-F288C717391D}"/>
+                <a16:creationId xmlns:a16="http://schemas.microsoft.com/office/drawing/2014/main" id="{1DEF7A9C-1988-4846-A61E-FED968937B53}"/>
               </a:ext>
             </a:extLst>
           </p:cNvPr>
@@ -11074,13 +13109,25 @@
     </p:spTree>
     <p:extLst>
       <p:ext uri="{BB962C8B-B14F-4D97-AF65-F5344CB8AC3E}">
-        <p14:creationId xmlns:p14="http://schemas.microsoft.com/office/powerpoint/2010/main" val="3253019711"/>
+        <p14:creationId xmlns:p14="http://schemas.microsoft.com/office/powerpoint/2010/main" val="3544845931"/>
       </p:ext>
     </p:extLst>
   </p:cSld>
   <p:clrMapOvr>
     <a:masterClrMapping/>
   </p:clrMapOvr>
+  <mc:AlternateContent xmlns:mc="http://schemas.openxmlformats.org/markup-compatibility/2006">
+    <mc:Choice xmlns:p14="http://schemas.microsoft.com/office/powerpoint/2010/main" Requires="p14">
+      <p:transition spd="med" p14:dur="700">
+        <p:fade/>
+      </p:transition>
+    </mc:Choice>
+    <mc:Fallback>
+      <p:transition spd="med">
+        <p:fade/>
+      </p:transition>
+    </mc:Fallback>
+  </mc:AlternateContent>
 </p:sld>
 </file>
 
@@ -11117,7 +13164,12 @@
             <p:ph type="title"/>
           </p:nvPr>
         </p:nvSpPr>
-        <p:spPr/>
+        <p:spPr>
+          <a:xfrm>
+            <a:off x="0" y="763078"/>
+            <a:ext cx="9613861" cy="1080938"/>
+          </a:xfrm>
+        </p:spPr>
         <p:txBody>
           <a:bodyPr/>
           <a:lstStyle/>
@@ -11125,6 +13177,138 @@
             <a:r>
               <a:rPr lang="ru-RU" dirty="0"/>
               <a:t>ЯЗЫК ДРАКОН</a:t>
+            </a:r>
+            <a:r>
+              <a:rPr lang="en-US" dirty="0"/>
+              <a:t> - </a:t>
+            </a:r>
+            <a:r>
+              <a:rPr lang="ru-RU" dirty="0"/>
+              <a:t>введение</a:t>
+            </a:r>
+          </a:p>
+        </p:txBody>
+      </p:sp>
+      <p:pic>
+        <p:nvPicPr>
+          <p:cNvPr id="5" name="Рисунок 4">
+            <a:extLst>
+              <a:ext uri="{FF2B5EF4-FFF2-40B4-BE49-F238E27FC236}">
+                <a16:creationId xmlns:a16="http://schemas.microsoft.com/office/drawing/2014/main" id="{F9B48269-CFA0-7B48-A24A-CEEF2BA55DD7}"/>
+              </a:ext>
+            </a:extLst>
+          </p:cNvPr>
+          <p:cNvPicPr>
+            <a:picLocks noChangeAspect="1"/>
+          </p:cNvPicPr>
+          <p:nvPr/>
+        </p:nvPicPr>
+        <p:blipFill>
+          <a:blip r:embed="rId3"/>
+          <a:stretch>
+            <a:fillRect/>
+          </a:stretch>
+        </p:blipFill>
+        <p:spPr>
+          <a:xfrm>
+            <a:off x="243786" y="2161491"/>
+            <a:ext cx="4322679" cy="2987452"/>
+          </a:xfrm>
+          <a:prstGeom prst="rect">
+            <a:avLst/>
+          </a:prstGeom>
+        </p:spPr>
+      </p:pic>
+      <p:sp>
+        <p:nvSpPr>
+          <p:cNvPr id="6" name="Прямоугольник 5">
+            <a:extLst>
+              <a:ext uri="{FF2B5EF4-FFF2-40B4-BE49-F238E27FC236}">
+                <a16:creationId xmlns:a16="http://schemas.microsoft.com/office/drawing/2014/main" id="{38EED57F-B844-9040-9808-9AF55480AA56}"/>
+              </a:ext>
+            </a:extLst>
+          </p:cNvPr>
+          <p:cNvSpPr/>
+          <p:nvPr/>
+        </p:nvSpPr>
+        <p:spPr>
+          <a:xfrm>
+            <a:off x="5594845" y="2688452"/>
+            <a:ext cx="6082746" cy="3416320"/>
+          </a:xfrm>
+          <a:prstGeom prst="rect">
+            <a:avLst/>
+          </a:prstGeom>
+        </p:spPr>
+        <p:txBody>
+          <a:bodyPr wrap="square">
+            <a:spAutoFit/>
+          </a:bodyPr>
+          <a:lstStyle/>
+          <a:p>
+            <a:pPr lvl="0" algn="just" defTabSz="914400">
+              <a:defRPr/>
+            </a:pPr>
+            <a:r>
+              <a:rPr lang="ru-RU" dirty="0"/>
+              <a:t>Особые требования, выдвинутые при проектировании языка ДРАКОН:</a:t>
+            </a:r>
+          </a:p>
+          <a:p>
+            <a:pPr marL="228600" lvl="0" indent="-228600" algn="just" defTabSz="914400">
+              <a:buFontTx/>
+              <a:buAutoNum type="arabicPeriod"/>
+              <a:defRPr/>
+            </a:pPr>
+            <a:endParaRPr lang="ru-RU" dirty="0"/>
+          </a:p>
+          <a:p>
+            <a:pPr marL="228600" lvl="0" indent="-228600" algn="just" defTabSz="914400">
+              <a:buFontTx/>
+              <a:buAutoNum type="arabicPeriod"/>
+              <a:defRPr/>
+            </a:pPr>
+            <a:r>
+              <a:rPr lang="ru-RU" dirty="0"/>
+              <a:t>предложить средства для описания алгоритмов и структуры человеческой деятельности в любой отрасли знаний</a:t>
+            </a:r>
+          </a:p>
+          <a:p>
+            <a:pPr marL="228600" lvl="0" indent="-228600" algn="just" defTabSz="914400">
+              <a:buFontTx/>
+              <a:buAutoNum type="arabicPeriod"/>
+              <a:defRPr/>
+            </a:pPr>
+            <a:endParaRPr lang="ru-RU" dirty="0"/>
+          </a:p>
+          <a:p>
+            <a:pPr marL="228600" lvl="0" indent="-228600" algn="just" defTabSz="914400">
+              <a:buFontTx/>
+              <a:buAutoNum type="arabicPeriod"/>
+              <a:defRPr/>
+            </a:pPr>
+            <a:r>
+              <a:rPr lang="ru-RU" dirty="0"/>
+              <a:t>уменьшить барьер взаимного непонимания между работниками различных специальностей</a:t>
+            </a:r>
+          </a:p>
+          <a:p>
+            <a:pPr marL="228600" lvl="0" indent="-228600" algn="just" defTabSz="914400">
+              <a:buFontTx/>
+              <a:buAutoNum type="arabicPeriod"/>
+              <a:defRPr/>
+            </a:pPr>
+            <a:endParaRPr lang="ru-RU" dirty="0"/>
+          </a:p>
+          <a:p>
+            <a:pPr marL="228600" lvl="0" indent="-228600" algn="just" defTabSz="914400">
+              <a:buFontTx/>
+              <a:buAutoNum type="arabicPeriod"/>
+              <a:defRPr/>
+            </a:pPr>
+            <a:r>
+              <a:rPr lang="ru-RU" dirty="0"/>
+              <a:t>Улучшить качество программного обеспечения по критерию «понятность алгоритмов и программ».</a:t>
             </a:r>
           </a:p>
         </p:txBody>
@@ -11135,53 +13319,6 @@
             <a:extLst>
               <a:ext uri="{FF2B5EF4-FFF2-40B4-BE49-F238E27FC236}">
                 <a16:creationId xmlns:a16="http://schemas.microsoft.com/office/drawing/2014/main" id="{947FB595-3F15-441D-B2D1-497DB49C98E7}"/>
-              </a:ext>
-            </a:extLst>
-          </p:cNvPr>
-          <p:cNvPicPr>
-            <a:picLocks noChangeAspect="1" noChangeArrowheads="1"/>
-          </p:cNvPicPr>
-          <p:nvPr/>
-        </p:nvPicPr>
-        <p:blipFill>
-          <a:blip r:embed="rId3">
-            <a:extLst>
-              <a:ext uri="{28A0092B-C50C-407E-A947-70E740481C1C}">
-                <a14:useLocalDpi xmlns:a14="http://schemas.microsoft.com/office/drawing/2010/main" val="0"/>
-              </a:ext>
-            </a:extLst>
-          </a:blip>
-          <a:srcRect/>
-          <a:stretch>
-            <a:fillRect/>
-          </a:stretch>
-        </p:blipFill>
-        <p:spPr bwMode="auto">
-          <a:xfrm>
-            <a:off x="4927948" y="295275"/>
-            <a:ext cx="5600700" cy="6267450"/>
-          </a:xfrm>
-          <a:prstGeom prst="rect">
-            <a:avLst/>
-          </a:prstGeom>
-          <a:noFill/>
-          <a:extLst>
-            <a:ext uri="{909E8E84-426E-40DD-AFC4-6F175D3DCCD1}">
-              <a14:hiddenFill xmlns:a14="http://schemas.microsoft.com/office/drawing/2010/main">
-                <a:solidFill>
-                  <a:srgbClr val="FFFFFF"/>
-                </a:solidFill>
-              </a14:hiddenFill>
-            </a:ext>
-          </a:extLst>
-        </p:spPr>
-      </p:pic>
-      <p:pic>
-        <p:nvPicPr>
-          <p:cNvPr id="1034" name="Picture 10" descr="Роскосмос» объявил о прекращении полетов ракет «Протон» / Хабр">
-            <a:extLst>
-              <a:ext uri="{FF2B5EF4-FFF2-40B4-BE49-F238E27FC236}">
-                <a16:creationId xmlns:a16="http://schemas.microsoft.com/office/drawing/2014/main" id="{8669EC41-6064-4951-8677-34F3ABD143E0}"/>
               </a:ext>
             </a:extLst>
           </p:cNvPr>
@@ -11205,8 +13342,8 @@
         </p:blipFill>
         <p:spPr bwMode="auto">
           <a:xfrm>
-            <a:off x="177049" y="2292119"/>
-            <a:ext cx="4536419" cy="2731716"/>
+            <a:off x="5594845" y="238539"/>
+            <a:ext cx="6110301" cy="6550403"/>
           </a:xfrm>
           <a:prstGeom prst="rect">
             <a:avLst/>
@@ -11262,6 +13399,141 @@
   <p:clrMapOvr>
     <a:masterClrMapping/>
   </p:clrMapOvr>
+  <mc:AlternateContent xmlns:mc="http://schemas.openxmlformats.org/markup-compatibility/2006">
+    <mc:Choice xmlns:p14="http://schemas.microsoft.com/office/powerpoint/2010/main" Requires="p14">
+      <p:transition spd="med" p14:dur="700">
+        <p:fade/>
+      </p:transition>
+    </mc:Choice>
+    <mc:Fallback>
+      <p:transition spd="med">
+        <p:fade/>
+      </p:transition>
+    </mc:Fallback>
+  </mc:AlternateContent>
+  <p:timing>
+    <p:tnLst>
+      <p:par>
+        <p:cTn id="1" dur="indefinite" restart="never" nodeType="tmRoot">
+          <p:childTnLst>
+            <p:seq concurrent="1" nextAc="seek">
+              <p:cTn id="2" dur="indefinite" nodeType="mainSeq">
+                <p:childTnLst>
+                  <p:par>
+                    <p:cTn id="3" fill="hold">
+                      <p:stCondLst>
+                        <p:cond delay="indefinite"/>
+                      </p:stCondLst>
+                      <p:childTnLst>
+                        <p:par>
+                          <p:cTn id="4" fill="hold">
+                            <p:stCondLst>
+                              <p:cond delay="0"/>
+                            </p:stCondLst>
+                            <p:childTnLst>
+                              <p:par>
+                                <p:cTn id="5" presetID="1" presetClass="entr" presetSubtype="0" fill="hold" grpId="0" nodeType="clickEffect">
+                                  <p:stCondLst>
+                                    <p:cond delay="0"/>
+                                  </p:stCondLst>
+                                  <p:childTnLst>
+                                    <p:set>
+                                      <p:cBhvr>
+                                        <p:cTn id="6" dur="1" fill="hold">
+                                          <p:stCondLst>
+                                            <p:cond delay="0"/>
+                                          </p:stCondLst>
+                                        </p:cTn>
+                                        <p:tgtEl>
+                                          <p:spTgt spid="6"/>
+                                        </p:tgtEl>
+                                        <p:attrNameLst>
+                                          <p:attrName>style.visibility</p:attrName>
+                                        </p:attrNameLst>
+                                      </p:cBhvr>
+                                      <p:to>
+                                        <p:strVal val="visible"/>
+                                      </p:to>
+                                    </p:set>
+                                  </p:childTnLst>
+                                </p:cTn>
+                              </p:par>
+                            </p:childTnLst>
+                          </p:cTn>
+                        </p:par>
+                      </p:childTnLst>
+                    </p:cTn>
+                  </p:par>
+                  <p:par>
+                    <p:cTn id="7" fill="hold">
+                      <p:stCondLst>
+                        <p:cond delay="indefinite"/>
+                      </p:stCondLst>
+                      <p:childTnLst>
+                        <p:par>
+                          <p:cTn id="8" fill="hold">
+                            <p:stCondLst>
+                              <p:cond delay="0"/>
+                            </p:stCondLst>
+                            <p:childTnLst>
+                              <p:par>
+                                <p:cTn id="9" presetID="1" presetClass="entr" presetSubtype="0" fill="hold" nodeType="clickEffect">
+                                  <p:stCondLst>
+                                    <p:cond delay="0"/>
+                                  </p:stCondLst>
+                                  <p:childTnLst>
+                                    <p:set>
+                                      <p:cBhvr>
+                                        <p:cTn id="10" dur="1" fill="hold">
+                                          <p:stCondLst>
+                                            <p:cond delay="0"/>
+                                          </p:stCondLst>
+                                        </p:cTn>
+                                        <p:tgtEl>
+                                          <p:spTgt spid="1032"/>
+                                        </p:tgtEl>
+                                        <p:attrNameLst>
+                                          <p:attrName>style.visibility</p:attrName>
+                                        </p:attrNameLst>
+                                      </p:cBhvr>
+                                      <p:to>
+                                        <p:strVal val="visible"/>
+                                      </p:to>
+                                    </p:set>
+                                  </p:childTnLst>
+                                </p:cTn>
+                              </p:par>
+                            </p:childTnLst>
+                          </p:cTn>
+                        </p:par>
+                      </p:childTnLst>
+                    </p:cTn>
+                  </p:par>
+                </p:childTnLst>
+              </p:cTn>
+              <p:prevCondLst>
+                <p:cond evt="onPrev" delay="0">
+                  <p:tgtEl>
+                    <p:sldTgt/>
+                  </p:tgtEl>
+                </p:cond>
+              </p:prevCondLst>
+              <p:nextCondLst>
+                <p:cond evt="onNext" delay="0">
+                  <p:tgtEl>
+                    <p:sldTgt/>
+                  </p:tgtEl>
+                </p:cond>
+              </p:nextCondLst>
+            </p:seq>
+          </p:childTnLst>
+        </p:cTn>
+      </p:par>
+    </p:tnLst>
+    <p:bldLst>
+      <p:bldP spid="6" grpId="0"/>
+    </p:bldLst>
+  </p:timing>
 </p:sld>
 </file>
 
@@ -11305,7 +13577,7 @@
           <a:p>
             <a:r>
               <a:rPr lang="ru-RU" dirty="0"/>
-              <a:t>Системные требования клиента</a:t>
+              <a:t>Системные требования сервера</a:t>
             </a:r>
           </a:p>
         </p:txBody>
@@ -11331,61 +13603,125 @@
           <a:bodyPr/>
           <a:lstStyle/>
           <a:p>
+            <a:pPr marL="0" indent="0">
+              <a:buNone/>
+            </a:pPr>
+            <a:r>
+              <a:rPr lang="ru-RU" dirty="0">
+                <a:cs typeface="Times New Roman" panose="02020603050405020304" pitchFamily="18" charset="0"/>
+              </a:rPr>
+              <a:t>• </a:t>
+            </a:r>
             <a:r>
               <a:rPr lang="ru-RU" dirty="0" err="1">
-                <a:latin typeface="Times New Roman" panose="02020603050405020304" pitchFamily="18" charset="0"/>
                 <a:cs typeface="Times New Roman" panose="02020603050405020304" pitchFamily="18" charset="0"/>
               </a:rPr>
               <a:t>Intel</a:t>
             </a:r>
             <a:r>
               <a:rPr lang="ru-RU" dirty="0">
-                <a:latin typeface="Times New Roman" panose="02020603050405020304" pitchFamily="18" charset="0"/>
                 <a:cs typeface="Times New Roman" panose="02020603050405020304" pitchFamily="18" charset="0"/>
               </a:rPr>
-              <a:t>-совместимый процессор с частотой не менее  1,6 ГГц;</a:t>
-            </a:r>
-          </a:p>
-          <a:p>
+              <a:t>-совместимый процессор с частотой не менее  8х3,4 ГГц;</a:t>
+            </a:r>
+          </a:p>
+          <a:p>
+            <a:pPr marL="0" indent="0">
+              <a:buNone/>
+            </a:pPr>
             <a:r>
               <a:rPr lang="ru-RU" dirty="0">
-                <a:latin typeface="Times New Roman" panose="02020603050405020304" pitchFamily="18" charset="0"/>
                 <a:cs typeface="Times New Roman" panose="02020603050405020304" pitchFamily="18" charset="0"/>
               </a:rPr>
-              <a:t>не менее 512 МБ ОЗУ;</a:t>
-            </a:r>
-          </a:p>
-          <a:p>
+              <a:t>• не менее 16 384 МБ ОЗУ;</a:t>
+            </a:r>
+          </a:p>
+          <a:p>
+            <a:pPr marL="0" indent="0">
+              <a:buNone/>
+            </a:pPr>
             <a:r>
               <a:rPr lang="ru-RU" dirty="0">
-                <a:latin typeface="Times New Roman" panose="02020603050405020304" pitchFamily="18" charset="0"/>
                 <a:cs typeface="Times New Roman" panose="02020603050405020304" pitchFamily="18" charset="0"/>
               </a:rPr>
-              <a:t>не менее 50 MБ свободного места на диске;</a:t>
-            </a:r>
-          </a:p>
-          <a:p>
+              <a:t>• не менее 100 ГБ свободного места на диске;</a:t>
+            </a:r>
+          </a:p>
+          <a:p>
+            <a:pPr marL="0" indent="0">
+              <a:buNone/>
+            </a:pPr>
             <a:r>
               <a:rPr lang="ru-RU" dirty="0">
-                <a:latin typeface="Times New Roman" panose="02020603050405020304" pitchFamily="18" charset="0"/>
                 <a:cs typeface="Times New Roman" panose="02020603050405020304" pitchFamily="18" charset="0"/>
               </a:rPr>
-              <a:t>операционная система: ОС с поддержкой </a:t>
-            </a:r>
-            <a:r>
-              <a:rPr lang="ru-RU" dirty="0" err="1">
-                <a:latin typeface="Times New Roman" panose="02020603050405020304" pitchFamily="18" charset="0"/>
+              <a:t>• дисковод CD-ROM/DVD-ROM;</a:t>
+            </a:r>
+          </a:p>
+          <a:p>
+            <a:pPr marL="0" indent="0">
+              <a:buNone/>
+            </a:pPr>
+            <a:r>
+              <a:rPr lang="ru-RU" dirty="0">
                 <a:cs typeface="Times New Roman" panose="02020603050405020304" pitchFamily="18" charset="0"/>
               </a:rPr>
-              <a:t>Chrome</a:t>
-            </a:r>
-            <a:r>
-              <a:rPr lang="ru-RU" dirty="0">
-                <a:latin typeface="Times New Roman" panose="02020603050405020304" pitchFamily="18" charset="0"/>
+              <a:t>• операционная система: </a:t>
+            </a:r>
+            <a:r>
+              <a:rPr lang="en-US" dirty="0">
                 <a:cs typeface="Times New Roman" panose="02020603050405020304" pitchFamily="18" charset="0"/>
               </a:rPr>
-              <a:t> v.63+.</a:t>
-            </a:r>
+              <a:t>Windows Server 2008+</a:t>
+            </a:r>
+            <a:r>
+              <a:rPr lang="ru-RU" dirty="0">
+                <a:cs typeface="Times New Roman" panose="02020603050405020304" pitchFamily="18" charset="0"/>
+              </a:rPr>
+              <a:t> или</a:t>
+            </a:r>
+            <a:r>
+              <a:rPr lang="en-US" dirty="0">
+                <a:cs typeface="Times New Roman" panose="02020603050405020304" pitchFamily="18" charset="0"/>
+              </a:rPr>
+              <a:t> </a:t>
+            </a:r>
+            <a:r>
+              <a:rPr lang="ru-RU" dirty="0">
+                <a:cs typeface="Times New Roman" panose="02020603050405020304" pitchFamily="18" charset="0"/>
+              </a:rPr>
+              <a:t>схожая по функциональным возможностям </a:t>
+            </a:r>
+            <a:r>
+              <a:rPr lang="en-US" dirty="0">
+                <a:cs typeface="Times New Roman" panose="02020603050405020304" pitchFamily="18" charset="0"/>
+              </a:rPr>
+              <a:t>UNIX</a:t>
+            </a:r>
+            <a:r>
+              <a:rPr lang="ru-RU" dirty="0">
+                <a:cs typeface="Times New Roman" panose="02020603050405020304" pitchFamily="18" charset="0"/>
+              </a:rPr>
+              <a:t>-подобная ОС</a:t>
+            </a:r>
+            <a:r>
+              <a:rPr lang="en-US" dirty="0">
+                <a:cs typeface="Times New Roman" panose="02020603050405020304" pitchFamily="18" charset="0"/>
+              </a:rPr>
+              <a:t> </a:t>
+            </a:r>
+            <a:endParaRPr lang="ru-RU" dirty="0">
+              <a:cs typeface="Times New Roman" panose="02020603050405020304" pitchFamily="18" charset="0"/>
+            </a:endParaRPr>
+          </a:p>
+          <a:p>
+            <a:pPr marL="0" indent="0">
+              <a:buNone/>
+            </a:pPr>
+            <a:endParaRPr lang="ru-RU" dirty="0">
+              <a:latin typeface="Times New Roman" panose="02020603050405020304" pitchFamily="18" charset="0"/>
+              <a:cs typeface="Times New Roman" panose="02020603050405020304" pitchFamily="18" charset="0"/>
+            </a:endParaRPr>
           </a:p>
         </p:txBody>
       </p:sp>
@@ -11421,13 +13757,25 @@
     </p:spTree>
     <p:extLst>
       <p:ext uri="{BB962C8B-B14F-4D97-AF65-F5344CB8AC3E}">
-        <p14:creationId xmlns:p14="http://schemas.microsoft.com/office/powerpoint/2010/main" val="3544845931"/>
+        <p14:creationId xmlns:p14="http://schemas.microsoft.com/office/powerpoint/2010/main" val="2871776689"/>
       </p:ext>
     </p:extLst>
   </p:cSld>
   <p:clrMapOvr>
     <a:masterClrMapping/>
   </p:clrMapOvr>
+  <mc:AlternateContent xmlns:mc="http://schemas.openxmlformats.org/markup-compatibility/2006">
+    <mc:Choice xmlns:p14="http://schemas.microsoft.com/office/powerpoint/2010/main" Requires="p14">
+      <p:transition spd="med" p14:dur="700">
+        <p:fade/>
+      </p:transition>
+    </mc:Choice>
+    <mc:Fallback>
+      <p:transition spd="med">
+        <p:fade/>
+      </p:transition>
+    </mc:Fallback>
+  </mc:AlternateContent>
 </p:sld>
 </file>
 
@@ -11471,7 +13819,7 @@
           <a:p>
             <a:r>
               <a:rPr lang="ru-RU" dirty="0"/>
-              <a:t>Системные требования сервера</a:t>
+              <a:t>Средства разработки</a:t>
             </a:r>
           </a:p>
         </p:txBody>
@@ -11494,101 +13842,191 @@
         </p:nvSpPr>
         <p:spPr/>
         <p:txBody>
-          <a:bodyPr/>
+          <a:bodyPr>
+            <a:normAutofit fontScale="92500" lnSpcReduction="20000"/>
+          </a:bodyPr>
           <a:lstStyle/>
           <a:p>
-            <a:pPr marL="0" indent="0">
-              <a:buNone/>
-            </a:pPr>
             <a:r>
               <a:rPr lang="ru-RU" dirty="0">
-                <a:latin typeface="Times New Roman" panose="02020603050405020304" pitchFamily="18" charset="0"/>
                 <a:cs typeface="Times New Roman" panose="02020603050405020304" pitchFamily="18" charset="0"/>
               </a:rPr>
-              <a:t>• </a:t>
-            </a:r>
-            <a:r>
-              <a:rPr lang="ru-RU" dirty="0" err="1">
-                <a:latin typeface="Times New Roman" panose="02020603050405020304" pitchFamily="18" charset="0"/>
+              <a:t>Язык</a:t>
+            </a:r>
+            <a:r>
+              <a:rPr lang="en-US" dirty="0">
                 <a:cs typeface="Times New Roman" panose="02020603050405020304" pitchFamily="18" charset="0"/>
               </a:rPr>
-              <a:t>Intel</a:t>
+              <a:t> Typescript v4.0.5</a:t>
             </a:r>
             <a:r>
               <a:rPr lang="ru-RU" dirty="0">
-                <a:latin typeface="Times New Roman" panose="02020603050405020304" pitchFamily="18" charset="0"/>
                 <a:cs typeface="Times New Roman" panose="02020603050405020304" pitchFamily="18" charset="0"/>
               </a:rPr>
-              <a:t>-совместимый процессор с частотой не менее  4х3,4 ГГц;</a:t>
-            </a:r>
-          </a:p>
-          <a:p>
-            <a:pPr marL="0" indent="0">
-              <a:buNone/>
-            </a:pPr>
-            <a:r>
-              <a:rPr lang="ru-RU" dirty="0">
-                <a:latin typeface="Times New Roman" panose="02020603050405020304" pitchFamily="18" charset="0"/>
+              <a:t> + </a:t>
+            </a:r>
+            <a:r>
+              <a:rPr lang="en-US" dirty="0" err="1">
                 <a:cs typeface="Times New Roman" panose="02020603050405020304" pitchFamily="18" charset="0"/>
               </a:rPr>
-              <a:t>• не менее 16 384 МБ ОЗУ;</a:t>
-            </a:r>
-          </a:p>
-          <a:p>
-            <a:pPr marL="0" indent="0">
-              <a:buNone/>
-            </a:pPr>
-            <a:r>
-              <a:rPr lang="ru-RU" dirty="0">
-                <a:latin typeface="Times New Roman" panose="02020603050405020304" pitchFamily="18" charset="0"/>
+              <a:t>Javascript</a:t>
+            </a:r>
+            <a:r>
+              <a:rPr lang="en-US" dirty="0">
                 <a:cs typeface="Times New Roman" panose="02020603050405020304" pitchFamily="18" charset="0"/>
               </a:rPr>
-              <a:t>• не менее 20 ГБ свободного места на диске;</a:t>
-            </a:r>
-          </a:p>
-          <a:p>
-            <a:pPr marL="0" indent="0">
-              <a:buNone/>
-            </a:pPr>
-            <a:r>
-              <a:rPr lang="ru-RU" dirty="0">
-                <a:latin typeface="Times New Roman" panose="02020603050405020304" pitchFamily="18" charset="0"/>
+              <a:t> ES6+</a:t>
+            </a:r>
+          </a:p>
+          <a:p>
+            <a:r>
+              <a:rPr lang="en-US" dirty="0" err="1">
                 <a:cs typeface="Times New Roman" panose="02020603050405020304" pitchFamily="18" charset="0"/>
               </a:rPr>
-              <a:t>• дисковод CD-ROM/DVD-ROM;</a:t>
-            </a:r>
-          </a:p>
-          <a:p>
-            <a:pPr marL="0" indent="0">
-              <a:buNone/>
-            </a:pPr>
-            <a:r>
-              <a:rPr lang="ru-RU" dirty="0">
-                <a:latin typeface="Times New Roman" panose="02020603050405020304" pitchFamily="18" charset="0"/>
+              <a:t>NestJS</a:t>
+            </a:r>
+            <a:r>
+              <a:rPr lang="en-US" dirty="0">
                 <a:cs typeface="Times New Roman" panose="02020603050405020304" pitchFamily="18" charset="0"/>
               </a:rPr>
-              <a:t>• операционная система: </a:t>
-            </a:r>
-            <a:r>
-              <a:rPr lang="en-US" dirty="0">
-                <a:latin typeface="Times New Roman" panose="02020603050405020304" pitchFamily="18" charset="0"/>
+              <a:t> v7.5.1.</a:t>
+            </a:r>
+          </a:p>
+          <a:p>
+            <a:r>
+              <a:rPr lang="en-US" dirty="0" err="1">
                 <a:cs typeface="Times New Roman" panose="02020603050405020304" pitchFamily="18" charset="0"/>
               </a:rPr>
-              <a:t>Windows Server 2008+</a:t>
-            </a:r>
-            <a:endParaRPr lang="ru-RU" dirty="0">
-              <a:latin typeface="Times New Roman" panose="02020603050405020304" pitchFamily="18" charset="0"/>
+              <a:t>TypeORM</a:t>
+            </a:r>
+            <a:r>
+              <a:rPr lang="en-US" dirty="0">
+                <a:cs typeface="Times New Roman" panose="02020603050405020304" pitchFamily="18" charset="0"/>
+              </a:rPr>
+              <a:t> v0.2.31</a:t>
+            </a:r>
+          </a:p>
+          <a:p>
+            <a:r>
+              <a:rPr lang="en-US" dirty="0">
+                <a:cs typeface="Times New Roman" panose="02020603050405020304" pitchFamily="18" charset="0"/>
+              </a:rPr>
+              <a:t>PostgreSQL v1</a:t>
+            </a:r>
+            <a:r>
+              <a:rPr lang="ru-RU" dirty="0">
+                <a:cs typeface="Times New Roman" panose="02020603050405020304" pitchFamily="18" charset="0"/>
+              </a:rPr>
+              <a:t>2.3</a:t>
+            </a:r>
+            <a:endParaRPr lang="en-US" dirty="0">
               <a:cs typeface="Times New Roman" panose="02020603050405020304" pitchFamily="18" charset="0"/>
             </a:endParaRPr>
           </a:p>
           <a:p>
-            <a:pPr marL="0" indent="0">
-              <a:buNone/>
-            </a:pPr>
+            <a:r>
+              <a:rPr lang="en-US" dirty="0" err="1">
+                <a:cs typeface="Times New Roman" panose="02020603050405020304" pitchFamily="18" charset="0"/>
+              </a:rPr>
+              <a:t>Bcrypt</a:t>
+            </a:r>
+            <a:r>
+              <a:rPr lang="en-US" dirty="0">
+                <a:cs typeface="Times New Roman" panose="02020603050405020304" pitchFamily="18" charset="0"/>
+              </a:rPr>
+              <a:t> v5.0.1</a:t>
+            </a:r>
+          </a:p>
+          <a:p>
+            <a:r>
+              <a:rPr lang="en-US" dirty="0">
+                <a:cs typeface="Times New Roman" panose="02020603050405020304" pitchFamily="18" charset="0"/>
+              </a:rPr>
+              <a:t>React v17.0.0</a:t>
+            </a:r>
             <a:endParaRPr lang="ru-RU" dirty="0">
-              <a:latin typeface="Times New Roman" panose="02020603050405020304" pitchFamily="18" charset="0"/>
               <a:cs typeface="Times New Roman" panose="02020603050405020304" pitchFamily="18" charset="0"/>
             </a:endParaRPr>
+          </a:p>
+          <a:p>
+            <a:r>
+              <a:rPr lang="ru-RU" dirty="0">
+                <a:cs typeface="Times New Roman" panose="02020603050405020304" pitchFamily="18" charset="0"/>
+              </a:rPr>
+              <a:t>Среда разработки – </a:t>
+            </a:r>
+            <a:r>
+              <a:rPr lang="en-US" dirty="0">
+                <a:cs typeface="Times New Roman" panose="02020603050405020304" pitchFamily="18" charset="0"/>
+              </a:rPr>
+              <a:t>Visual Studio Code v1.53.2</a:t>
+            </a:r>
+          </a:p>
+          <a:p>
+            <a:pPr lvl="0"/>
+            <a:r>
+              <a:rPr lang="ru-RU" dirty="0">
+                <a:cs typeface="Times New Roman" panose="02020603050405020304" pitchFamily="18" charset="0"/>
+              </a:rPr>
+              <a:t>Среда проектирования БД– </a:t>
+            </a:r>
+            <a:r>
+              <a:rPr lang="en-US" dirty="0">
+                <a:cs typeface="Times New Roman" panose="02020603050405020304" pitchFamily="18" charset="0"/>
+              </a:rPr>
+              <a:t>JetBrains </a:t>
+            </a:r>
+            <a:r>
+              <a:rPr lang="en-US" dirty="0" err="1">
+                <a:cs typeface="Times New Roman" panose="02020603050405020304" pitchFamily="18" charset="0"/>
+              </a:rPr>
+              <a:t>DataGrip</a:t>
+            </a:r>
+            <a:r>
+              <a:rPr lang="en-US" dirty="0">
+                <a:cs typeface="Times New Roman" panose="02020603050405020304" pitchFamily="18" charset="0"/>
+              </a:rPr>
+              <a:t> 2020.3.</a:t>
+            </a:r>
+          </a:p>
+          <a:p>
+            <a:pPr lvl="0"/>
+            <a:r>
+              <a:rPr lang="ru-RU" dirty="0">
+                <a:cs typeface="Times New Roman" panose="02020603050405020304" pitchFamily="18" charset="0"/>
+              </a:rPr>
+              <a:t>Контейнеризация – </a:t>
+            </a:r>
+            <a:r>
+              <a:rPr lang="en-US" dirty="0">
+                <a:cs typeface="Times New Roman" panose="02020603050405020304" pitchFamily="18" charset="0"/>
+              </a:rPr>
+              <a:t>Docker v19.03.12</a:t>
+            </a:r>
+            <a:endParaRPr lang="ru-RU" dirty="0">
+              <a:cs typeface="Times New Roman" panose="02020603050405020304" pitchFamily="18" charset="0"/>
+            </a:endParaRPr>
+          </a:p>
+          <a:p>
+            <a:pPr lvl="0"/>
+            <a:r>
+              <a:rPr lang="ru-RU" dirty="0">
+                <a:cs typeface="Times New Roman" panose="02020603050405020304" pitchFamily="18" charset="0"/>
+              </a:rPr>
+              <a:t>Офисный пакет </a:t>
+            </a:r>
+            <a:r>
+              <a:rPr lang="en-US" dirty="0">
+                <a:cs typeface="Times New Roman" panose="02020603050405020304" pitchFamily="18" charset="0"/>
+              </a:rPr>
+              <a:t>Microsoft Office 2019 (</a:t>
+            </a:r>
+            <a:r>
+              <a:rPr lang="ru-RU" dirty="0">
+                <a:cs typeface="Times New Roman" panose="02020603050405020304" pitchFamily="18" charset="0"/>
+              </a:rPr>
+              <a:t>документация)</a:t>
+            </a:r>
           </a:p>
         </p:txBody>
       </p:sp>
@@ -11597,7 +14035,7 @@
           <p:cNvPr id="3" name="Номер слайда 2">
             <a:extLst>
               <a:ext uri="{FF2B5EF4-FFF2-40B4-BE49-F238E27FC236}">
-                <a16:creationId xmlns:a16="http://schemas.microsoft.com/office/drawing/2014/main" id="{1DEF7A9C-1988-4846-A61E-FED968937B53}"/>
+                <a16:creationId xmlns:a16="http://schemas.microsoft.com/office/drawing/2014/main" id="{A0FEA376-2E6D-5A4E-A3EA-5E5DB9ED64C0}"/>
               </a:ext>
             </a:extLst>
           </p:cNvPr>
@@ -11624,13 +14062,25 @@
     </p:spTree>
     <p:extLst>
       <p:ext uri="{BB962C8B-B14F-4D97-AF65-F5344CB8AC3E}">
-        <p14:creationId xmlns:p14="http://schemas.microsoft.com/office/powerpoint/2010/main" val="2871776689"/>
+        <p14:creationId xmlns:p14="http://schemas.microsoft.com/office/powerpoint/2010/main" val="412773038"/>
       </p:ext>
     </p:extLst>
   </p:cSld>
   <p:clrMapOvr>
     <a:masterClrMapping/>
   </p:clrMapOvr>
+  <mc:AlternateContent xmlns:mc="http://schemas.openxmlformats.org/markup-compatibility/2006">
+    <mc:Choice xmlns:p14="http://schemas.microsoft.com/office/powerpoint/2010/main" Requires="p14">
+      <p:transition spd="med" p14:dur="700">
+        <p:fade/>
+      </p:transition>
+    </mc:Choice>
+    <mc:Fallback>
+      <p:transition spd="med">
+        <p:fade/>
+      </p:transition>
+    </mc:Fallback>
+  </mc:AlternateContent>
 </p:sld>
 </file>
 
@@ -11674,7 +14124,7 @@
           <a:p>
             <a:r>
               <a:rPr lang="ru-RU" dirty="0"/>
-              <a:t>Средства разработки</a:t>
+              <a:t>Сведения о проекте</a:t>
             </a:r>
           </a:p>
         </p:txBody>
@@ -11695,222 +14145,141 @@
             <p:ph idx="1"/>
           </p:nvPr>
         </p:nvSpPr>
-        <p:spPr/>
+        <p:spPr>
+          <a:xfrm>
+            <a:off x="680321" y="2207795"/>
+            <a:ext cx="9613861" cy="4584031"/>
+          </a:xfrm>
+        </p:spPr>
         <p:txBody>
           <a:bodyPr>
-            <a:normAutofit fontScale="92500" lnSpcReduction="20000"/>
+            <a:normAutofit/>
           </a:bodyPr>
           <a:lstStyle/>
           <a:p>
             <a:r>
               <a:rPr lang="ru-RU" dirty="0">
-                <a:latin typeface="Times New Roman" panose="02020603050405020304" pitchFamily="18" charset="0"/>
-                <a:cs typeface="Times New Roman" panose="02020603050405020304" pitchFamily="18" charset="0"/>
+                <a:latin typeface="Calibri" panose="020F0502020204030204" pitchFamily="34" charset="0"/>
+                <a:cs typeface="Calibri" panose="020F0502020204030204" pitchFamily="34" charset="0"/>
               </a:rPr>
-              <a:t>Язык</a:t>
+              <a:t>Свыше 1</a:t>
             </a:r>
             <a:r>
               <a:rPr lang="en-US" dirty="0">
-                <a:latin typeface="Times New Roman" panose="02020603050405020304" pitchFamily="18" charset="0"/>
-                <a:cs typeface="Times New Roman" panose="02020603050405020304" pitchFamily="18" charset="0"/>
+                <a:latin typeface="Calibri" panose="020F0502020204030204" pitchFamily="34" charset="0"/>
+                <a:cs typeface="Calibri" panose="020F0502020204030204" pitchFamily="34" charset="0"/>
               </a:rPr>
-              <a:t> Typescript v4.0.5</a:t>
+              <a:t>20</a:t>
             </a:r>
             <a:r>
               <a:rPr lang="ru-RU" dirty="0">
-                <a:latin typeface="Times New Roman" panose="02020603050405020304" pitchFamily="18" charset="0"/>
-                <a:cs typeface="Times New Roman" panose="02020603050405020304" pitchFamily="18" charset="0"/>
+                <a:latin typeface="Calibri" panose="020F0502020204030204" pitchFamily="34" charset="0"/>
+                <a:cs typeface="Calibri" panose="020F0502020204030204" pitchFamily="34" charset="0"/>
               </a:rPr>
-              <a:t> + </a:t>
+              <a:t>0 строк кода</a:t>
+            </a:r>
+            <a:endParaRPr lang="en-US" dirty="0">
+              <a:latin typeface="Calibri" panose="020F0502020204030204" pitchFamily="34" charset="0"/>
+              <a:cs typeface="Calibri" panose="020F0502020204030204" pitchFamily="34" charset="0"/>
+            </a:endParaRPr>
+          </a:p>
+          <a:p>
+            <a:pPr lvl="0"/>
+            <a:r>
+              <a:rPr lang="ru-RU" dirty="0">
+                <a:latin typeface="Calibri" panose="020F0502020204030204" pitchFamily="34" charset="0"/>
+                <a:cs typeface="Calibri" panose="020F0502020204030204" pitchFamily="34" charset="0"/>
+              </a:rPr>
+              <a:t>4</a:t>
+            </a:r>
+            <a:r>
+              <a:rPr lang="en-US" dirty="0">
+                <a:latin typeface="Calibri" panose="020F0502020204030204" pitchFamily="34" charset="0"/>
+                <a:cs typeface="Calibri" panose="020F0502020204030204" pitchFamily="34" charset="0"/>
+              </a:rPr>
+              <a:t> </a:t>
+            </a:r>
+            <a:r>
+              <a:rPr lang="ru-RU" dirty="0">
+                <a:latin typeface="Calibri" panose="020F0502020204030204" pitchFamily="34" charset="0"/>
+                <a:cs typeface="Calibri" panose="020F0502020204030204" pitchFamily="34" charset="0"/>
+              </a:rPr>
+              <a:t>модуля сервисов </a:t>
             </a:r>
             <a:r>
               <a:rPr lang="en-US" dirty="0" err="1">
-                <a:latin typeface="Times New Roman" panose="02020603050405020304" pitchFamily="18" charset="0"/>
-                <a:cs typeface="Times New Roman" panose="02020603050405020304" pitchFamily="18" charset="0"/>
-              </a:rPr>
-              <a:t>Javascript</a:t>
-            </a:r>
-            <a:r>
-              <a:rPr lang="en-US" dirty="0">
-                <a:latin typeface="Times New Roman" panose="02020603050405020304" pitchFamily="18" charset="0"/>
-                <a:cs typeface="Times New Roman" panose="02020603050405020304" pitchFamily="18" charset="0"/>
-              </a:rPr>
-              <a:t> ES6+</a:t>
-            </a:r>
-          </a:p>
-          <a:p>
-            <a:r>
-              <a:rPr lang="en-US" dirty="0" err="1">
-                <a:latin typeface="Times New Roman" panose="02020603050405020304" pitchFamily="18" charset="0"/>
-                <a:cs typeface="Times New Roman" panose="02020603050405020304" pitchFamily="18" charset="0"/>
+                <a:latin typeface="Calibri" panose="020F0502020204030204" pitchFamily="34" charset="0"/>
+                <a:cs typeface="Calibri" panose="020F0502020204030204" pitchFamily="34" charset="0"/>
               </a:rPr>
               <a:t>NestJS</a:t>
             </a:r>
             <a:r>
+              <a:rPr lang="ru-RU" dirty="0">
+                <a:latin typeface="Calibri" panose="020F0502020204030204" pitchFamily="34" charset="0"/>
+                <a:cs typeface="Calibri" panose="020F0502020204030204" pitchFamily="34" charset="0"/>
+              </a:rPr>
+              <a:t> + сервис криптозащиты</a:t>
+            </a:r>
+          </a:p>
+          <a:p>
+            <a:pPr lvl="0"/>
+            <a:r>
+              <a:rPr lang="ru-RU" dirty="0">
+                <a:latin typeface="Calibri" panose="020F0502020204030204" pitchFamily="34" charset="0"/>
+                <a:cs typeface="Calibri" panose="020F0502020204030204" pitchFamily="34" charset="0"/>
+              </a:rPr>
+              <a:t>18 классов и 35 методов</a:t>
+            </a:r>
+          </a:p>
+          <a:p>
+            <a:pPr lvl="0"/>
+            <a:r>
+              <a:rPr lang="ru-RU" dirty="0">
+                <a:latin typeface="Calibri" panose="020F0502020204030204" pitchFamily="34" charset="0"/>
+                <a:cs typeface="Calibri" panose="020F0502020204030204" pitchFamily="34" charset="0"/>
+              </a:rPr>
+              <a:t>3 справочника для базы данных</a:t>
+            </a:r>
+            <a:endParaRPr lang="en-US" dirty="0">
+              <a:latin typeface="Calibri" panose="020F0502020204030204" pitchFamily="34" charset="0"/>
+              <a:cs typeface="Calibri" panose="020F0502020204030204" pitchFamily="34" charset="0"/>
+            </a:endParaRPr>
+          </a:p>
+          <a:p>
+            <a:pPr lvl="0"/>
+            <a:r>
               <a:rPr lang="en-US" dirty="0">
-                <a:latin typeface="Times New Roman" panose="02020603050405020304" pitchFamily="18" charset="0"/>
-                <a:cs typeface="Times New Roman" panose="02020603050405020304" pitchFamily="18" charset="0"/>
+                <a:latin typeface="Calibri" panose="020F0502020204030204" pitchFamily="34" charset="0"/>
+                <a:cs typeface="Calibri" panose="020F0502020204030204" pitchFamily="34" charset="0"/>
               </a:rPr>
-              <a:t> v7.5.1.</a:t>
-            </a:r>
-          </a:p>
-          <a:p>
-            <a:r>
-              <a:rPr lang="en-US" dirty="0" err="1">
-                <a:latin typeface="Times New Roman" panose="02020603050405020304" pitchFamily="18" charset="0"/>
-                <a:cs typeface="Times New Roman" panose="02020603050405020304" pitchFamily="18" charset="0"/>
+              <a:t>SPA React </a:t>
+            </a:r>
+            <a:r>
+              <a:rPr lang="ru-RU" dirty="0">
+                <a:latin typeface="Calibri" panose="020F0502020204030204" pitchFamily="34" charset="0"/>
+                <a:cs typeface="Calibri" panose="020F0502020204030204" pitchFamily="34" charset="0"/>
               </a:rPr>
-              <a:t>TypeORM</a:t>
+              <a:t>клиент с 4</a:t>
             </a:r>
             <a:r>
               <a:rPr lang="en-US" dirty="0">
-                <a:latin typeface="Times New Roman" panose="02020603050405020304" pitchFamily="18" charset="0"/>
-                <a:cs typeface="Times New Roman" panose="02020603050405020304" pitchFamily="18" charset="0"/>
+                <a:latin typeface="Calibri" panose="020F0502020204030204" pitchFamily="34" charset="0"/>
+                <a:cs typeface="Calibri" panose="020F0502020204030204" pitchFamily="34" charset="0"/>
               </a:rPr>
-              <a:t> v0.2.31</a:t>
-            </a:r>
-          </a:p>
-          <a:p>
-            <a:r>
-              <a:rPr lang="en-US" dirty="0">
-                <a:latin typeface="Times New Roman" panose="02020603050405020304" pitchFamily="18" charset="0"/>
-                <a:cs typeface="Times New Roman" panose="02020603050405020304" pitchFamily="18" charset="0"/>
+              <a:t> </a:t>
+            </a:r>
+            <a:r>
+              <a:rPr lang="ru-RU" dirty="0">
+                <a:latin typeface="Calibri" panose="020F0502020204030204" pitchFamily="34" charset="0"/>
+                <a:cs typeface="Calibri" panose="020F0502020204030204" pitchFamily="34" charset="0"/>
               </a:rPr>
-              <a:t>PostgreSQL v1</a:t>
-            </a:r>
-            <a:r>
-              <a:rPr lang="ru-RU" dirty="0">
-                <a:latin typeface="Times New Roman" panose="02020603050405020304" pitchFamily="18" charset="0"/>
-                <a:cs typeface="Times New Roman" panose="02020603050405020304" pitchFamily="18" charset="0"/>
-              </a:rPr>
-              <a:t>2.3</a:t>
-            </a:r>
-            <a:endParaRPr lang="en-US" dirty="0">
-              <a:latin typeface="Times New Roman" panose="02020603050405020304" pitchFamily="18" charset="0"/>
-              <a:cs typeface="Times New Roman" panose="02020603050405020304" pitchFamily="18" charset="0"/>
-            </a:endParaRPr>
-          </a:p>
-          <a:p>
-            <a:r>
-              <a:rPr lang="en-US" dirty="0" err="1">
-                <a:latin typeface="Times New Roman" panose="02020603050405020304" pitchFamily="18" charset="0"/>
-                <a:cs typeface="Times New Roman" panose="02020603050405020304" pitchFamily="18" charset="0"/>
-              </a:rPr>
-              <a:t>Bcrypt</a:t>
-            </a:r>
-            <a:r>
-              <a:rPr lang="en-US" dirty="0">
-                <a:latin typeface="Times New Roman" panose="02020603050405020304" pitchFamily="18" charset="0"/>
-                <a:cs typeface="Times New Roman" panose="02020603050405020304" pitchFamily="18" charset="0"/>
-              </a:rPr>
-              <a:t> v5.0.1</a:t>
-            </a:r>
-          </a:p>
-          <a:p>
-            <a:r>
-              <a:rPr lang="en-US" dirty="0">
-                <a:latin typeface="Times New Roman" panose="02020603050405020304" pitchFamily="18" charset="0"/>
-                <a:cs typeface="Times New Roman" panose="02020603050405020304" pitchFamily="18" charset="0"/>
-              </a:rPr>
-              <a:t>React v17.0.0</a:t>
+              <a:t>маршрутами представления интерфейсов</a:t>
             </a:r>
             <a:endParaRPr lang="ru-RU" dirty="0">
               <a:latin typeface="Times New Roman" panose="02020603050405020304" pitchFamily="18" charset="0"/>
               <a:cs typeface="Times New Roman" panose="02020603050405020304" pitchFamily="18" charset="0"/>
             </a:endParaRPr>
           </a:p>
-          <a:p>
-            <a:r>
-              <a:rPr lang="ru-RU" dirty="0">
-                <a:latin typeface="Times New Roman" panose="02020603050405020304" pitchFamily="18" charset="0"/>
-                <a:cs typeface="Times New Roman" panose="02020603050405020304" pitchFamily="18" charset="0"/>
-              </a:rPr>
-              <a:t>Среда разработки – </a:t>
-            </a:r>
-            <a:r>
-              <a:rPr lang="en-US" dirty="0">
-                <a:latin typeface="Times New Roman" panose="02020603050405020304" pitchFamily="18" charset="0"/>
-                <a:cs typeface="Times New Roman" panose="02020603050405020304" pitchFamily="18" charset="0"/>
-              </a:rPr>
-              <a:t>Visual Studio Code v1.53.2</a:t>
-            </a:r>
-          </a:p>
-          <a:p>
-            <a:pPr lvl="0"/>
-            <a:r>
-              <a:rPr lang="ru-RU" dirty="0">
-                <a:latin typeface="Times New Roman" panose="02020603050405020304" pitchFamily="18" charset="0"/>
-                <a:cs typeface="Times New Roman" panose="02020603050405020304" pitchFamily="18" charset="0"/>
-              </a:rPr>
-              <a:t>Среда проектирования БД– </a:t>
-            </a:r>
-            <a:r>
-              <a:rPr lang="en-US" dirty="0">
-                <a:latin typeface="Times New Roman" panose="02020603050405020304" pitchFamily="18" charset="0"/>
-                <a:cs typeface="Times New Roman" panose="02020603050405020304" pitchFamily="18" charset="0"/>
-              </a:rPr>
-              <a:t>JetBrains </a:t>
-            </a:r>
-            <a:r>
-              <a:rPr lang="en-US" dirty="0" err="1">
-                <a:latin typeface="Times New Roman" panose="02020603050405020304" pitchFamily="18" charset="0"/>
-                <a:cs typeface="Times New Roman" panose="02020603050405020304" pitchFamily="18" charset="0"/>
-              </a:rPr>
-              <a:t>DataGrip</a:t>
-            </a:r>
-            <a:r>
-              <a:rPr lang="en-US" dirty="0">
-                <a:latin typeface="Times New Roman" panose="02020603050405020304" pitchFamily="18" charset="0"/>
-                <a:cs typeface="Times New Roman" panose="02020603050405020304" pitchFamily="18" charset="0"/>
-              </a:rPr>
-              <a:t> 2020.3.</a:t>
-            </a:r>
-          </a:p>
-          <a:p>
-            <a:pPr lvl="0"/>
-            <a:r>
-              <a:rPr lang="ru-RU" dirty="0">
-                <a:latin typeface="Times New Roman" panose="02020603050405020304" pitchFamily="18" charset="0"/>
-                <a:cs typeface="Times New Roman" panose="02020603050405020304" pitchFamily="18" charset="0"/>
-              </a:rPr>
-              <a:t>Контейнеризация – </a:t>
-            </a:r>
-            <a:r>
-              <a:rPr lang="en-US" dirty="0">
-                <a:latin typeface="Times New Roman" panose="02020603050405020304" pitchFamily="18" charset="0"/>
-                <a:cs typeface="Times New Roman" panose="02020603050405020304" pitchFamily="18" charset="0"/>
-              </a:rPr>
-              <a:t>Docker v19.03.12</a:t>
-            </a:r>
-            <a:endParaRPr lang="ru-RU" dirty="0">
-              <a:latin typeface="Times New Roman" panose="02020603050405020304" pitchFamily="18" charset="0"/>
-              <a:cs typeface="Times New Roman" panose="02020603050405020304" pitchFamily="18" charset="0"/>
-            </a:endParaRPr>
-          </a:p>
-          <a:p>
-            <a:pPr lvl="0"/>
-            <a:r>
-              <a:rPr lang="ru-RU" dirty="0">
-                <a:latin typeface="Times New Roman" panose="02020603050405020304" pitchFamily="18" charset="0"/>
-                <a:cs typeface="Times New Roman" panose="02020603050405020304" pitchFamily="18" charset="0"/>
-              </a:rPr>
-              <a:t>Офисный пакет </a:t>
-            </a:r>
-            <a:r>
-              <a:rPr lang="en-US" dirty="0">
-                <a:latin typeface="Times New Roman" panose="02020603050405020304" pitchFamily="18" charset="0"/>
-                <a:cs typeface="Times New Roman" panose="02020603050405020304" pitchFamily="18" charset="0"/>
-              </a:rPr>
-              <a:t>Microsoft Office 2019 (</a:t>
-            </a:r>
-            <a:r>
-              <a:rPr lang="ru-RU" dirty="0">
-                <a:latin typeface="Times New Roman" panose="02020603050405020304" pitchFamily="18" charset="0"/>
-                <a:cs typeface="Times New Roman" panose="02020603050405020304" pitchFamily="18" charset="0"/>
-              </a:rPr>
-              <a:t>документация)</a:t>
-            </a:r>
-          </a:p>
         </p:txBody>
       </p:sp>
       <p:sp>
@@ -11918,7 +14287,7 @@
           <p:cNvPr id="3" name="Номер слайда 2">
             <a:extLst>
               <a:ext uri="{FF2B5EF4-FFF2-40B4-BE49-F238E27FC236}">
-                <a16:creationId xmlns:a16="http://schemas.microsoft.com/office/drawing/2014/main" id="{A0FEA376-2E6D-5A4E-A3EA-5E5DB9ED64C0}"/>
+                <a16:creationId xmlns:a16="http://schemas.microsoft.com/office/drawing/2014/main" id="{A96EEFD9-9637-C445-9A72-12A9FE91D5BA}"/>
               </a:ext>
             </a:extLst>
           </p:cNvPr>
@@ -11945,13 +14314,25 @@
     </p:spTree>
     <p:extLst>
       <p:ext uri="{BB962C8B-B14F-4D97-AF65-F5344CB8AC3E}">
-        <p14:creationId xmlns:p14="http://schemas.microsoft.com/office/powerpoint/2010/main" val="412773038"/>
+        <p14:creationId xmlns:p14="http://schemas.microsoft.com/office/powerpoint/2010/main" val="187208088"/>
       </p:ext>
     </p:extLst>
   </p:cSld>
   <p:clrMapOvr>
     <a:masterClrMapping/>
   </p:clrMapOvr>
+  <mc:AlternateContent xmlns:mc="http://schemas.openxmlformats.org/markup-compatibility/2006">
+    <mc:Choice xmlns:p14="http://schemas.microsoft.com/office/powerpoint/2010/main" Requires="p14">
+      <p:transition spd="med" p14:dur="700">
+        <p:fade/>
+      </p:transition>
+    </mc:Choice>
+    <mc:Fallback>
+      <p:transition spd="med">
+        <p:fade/>
+      </p:transition>
+    </mc:Fallback>
+  </mc:AlternateContent>
 </p:sld>
 </file>
 
@@ -11995,7 +14376,7 @@
           <a:p>
             <a:r>
               <a:rPr lang="ru-RU" dirty="0"/>
-              <a:t>Сведения о проекте</a:t>
+              <a:t>Заключение</a:t>
             </a:r>
           </a:p>
         </p:txBody>
@@ -12016,274 +14397,25 @@
             <p:ph idx="1"/>
           </p:nvPr>
         </p:nvSpPr>
-        <p:spPr>
-          <a:xfrm>
-            <a:off x="680321" y="2207795"/>
-            <a:ext cx="9613861" cy="4584031"/>
-          </a:xfrm>
-        </p:spPr>
+        <p:spPr/>
         <p:txBody>
           <a:bodyPr>
             <a:normAutofit/>
           </a:bodyPr>
           <a:lstStyle/>
           <a:p>
-            <a:r>
-              <a:rPr lang="ru-RU" dirty="0">
-                <a:latin typeface="Calibri" panose="020F0502020204030204" pitchFamily="34" charset="0"/>
-                <a:cs typeface="Calibri" panose="020F0502020204030204" pitchFamily="34" charset="0"/>
-              </a:rPr>
-              <a:t>Свыше 8</a:t>
-            </a:r>
-            <a:r>
-              <a:rPr lang="en-US" dirty="0">
-                <a:latin typeface="Calibri" panose="020F0502020204030204" pitchFamily="34" charset="0"/>
-                <a:cs typeface="Calibri" panose="020F0502020204030204" pitchFamily="34" charset="0"/>
-              </a:rPr>
-              <a:t>0</a:t>
-            </a:r>
-            <a:r>
-              <a:rPr lang="ru-RU" dirty="0">
-                <a:latin typeface="Calibri" panose="020F0502020204030204" pitchFamily="34" charset="0"/>
-                <a:cs typeface="Calibri" panose="020F0502020204030204" pitchFamily="34" charset="0"/>
-              </a:rPr>
-              <a:t>0 строк кода</a:t>
-            </a:r>
-            <a:endParaRPr lang="en-US" dirty="0">
-              <a:latin typeface="Calibri" panose="020F0502020204030204" pitchFamily="34" charset="0"/>
-              <a:cs typeface="Calibri" panose="020F0502020204030204" pitchFamily="34" charset="0"/>
-            </a:endParaRPr>
-          </a:p>
-          <a:p>
-            <a:pPr lvl="0"/>
-            <a:r>
-              <a:rPr lang="ru-RU" dirty="0">
-                <a:latin typeface="Calibri" panose="020F0502020204030204" pitchFamily="34" charset="0"/>
-                <a:cs typeface="Calibri" panose="020F0502020204030204" pitchFamily="34" charset="0"/>
-              </a:rPr>
-              <a:t>4</a:t>
-            </a:r>
-            <a:r>
-              <a:rPr lang="en-US" dirty="0">
-                <a:latin typeface="Calibri" panose="020F0502020204030204" pitchFamily="34" charset="0"/>
-                <a:cs typeface="Calibri" panose="020F0502020204030204" pitchFamily="34" charset="0"/>
-              </a:rPr>
-              <a:t> </a:t>
-            </a:r>
-            <a:r>
-              <a:rPr lang="ru-RU" dirty="0">
-                <a:latin typeface="Calibri" panose="020F0502020204030204" pitchFamily="34" charset="0"/>
-                <a:cs typeface="Calibri" panose="020F0502020204030204" pitchFamily="34" charset="0"/>
-              </a:rPr>
-              <a:t>модуля сервисов </a:t>
-            </a:r>
-            <a:r>
-              <a:rPr lang="en-US" dirty="0" err="1">
-                <a:latin typeface="Calibri" panose="020F0502020204030204" pitchFamily="34" charset="0"/>
-                <a:cs typeface="Calibri" panose="020F0502020204030204" pitchFamily="34" charset="0"/>
-              </a:rPr>
-              <a:t>NestJS</a:t>
-            </a:r>
-            <a:r>
-              <a:rPr lang="ru-RU" dirty="0">
-                <a:latin typeface="Calibri" panose="020F0502020204030204" pitchFamily="34" charset="0"/>
-                <a:cs typeface="Calibri" panose="020F0502020204030204" pitchFamily="34" charset="0"/>
-              </a:rPr>
-              <a:t> + сервис криптозащиты</a:t>
-            </a:r>
-          </a:p>
-          <a:p>
-            <a:pPr lvl="0"/>
-            <a:r>
-              <a:rPr lang="ru-RU" dirty="0">
-                <a:latin typeface="Calibri" panose="020F0502020204030204" pitchFamily="34" charset="0"/>
-                <a:cs typeface="Calibri" panose="020F0502020204030204" pitchFamily="34" charset="0"/>
-              </a:rPr>
-              <a:t>18 классов и 35 методов</a:t>
-            </a:r>
-          </a:p>
-          <a:p>
-            <a:pPr lvl="0"/>
-            <a:r>
-              <a:rPr lang="ru-RU" dirty="0">
-                <a:latin typeface="Calibri" panose="020F0502020204030204" pitchFamily="34" charset="0"/>
-                <a:cs typeface="Calibri" panose="020F0502020204030204" pitchFamily="34" charset="0"/>
-              </a:rPr>
-              <a:t>3 справочника для базы данных</a:t>
-            </a:r>
-            <a:endParaRPr lang="en-US" dirty="0">
-              <a:latin typeface="Calibri" panose="020F0502020204030204" pitchFamily="34" charset="0"/>
-              <a:cs typeface="Calibri" panose="020F0502020204030204" pitchFamily="34" charset="0"/>
-            </a:endParaRPr>
-          </a:p>
-          <a:p>
-            <a:pPr lvl="0"/>
-            <a:r>
-              <a:rPr lang="en-US" dirty="0">
-                <a:latin typeface="Calibri" panose="020F0502020204030204" pitchFamily="34" charset="0"/>
-                <a:cs typeface="Calibri" panose="020F0502020204030204" pitchFamily="34" charset="0"/>
-              </a:rPr>
-              <a:t>2 </a:t>
-            </a:r>
-            <a:r>
-              <a:rPr lang="ru-RU" dirty="0">
-                <a:latin typeface="Calibri" panose="020F0502020204030204" pitchFamily="34" charset="0"/>
-                <a:cs typeface="Calibri" panose="020F0502020204030204" pitchFamily="34" charset="0"/>
-              </a:rPr>
-              <a:t>прототипа интерфейса</a:t>
-            </a:r>
-            <a:endParaRPr lang="en-US" dirty="0">
-              <a:latin typeface="Calibri" panose="020F0502020204030204" pitchFamily="34" charset="0"/>
-              <a:cs typeface="Calibri" panose="020F0502020204030204" pitchFamily="34" charset="0"/>
-            </a:endParaRPr>
-          </a:p>
-          <a:p>
-            <a:pPr marL="0" lvl="0" indent="0">
-              <a:buNone/>
-            </a:pPr>
-            <a:endParaRPr lang="ru-RU" dirty="0">
-              <a:latin typeface="Times New Roman" panose="02020603050405020304" pitchFamily="18" charset="0"/>
-              <a:cs typeface="Times New Roman" panose="02020603050405020304" pitchFamily="18" charset="0"/>
-            </a:endParaRPr>
-          </a:p>
-        </p:txBody>
-      </p:sp>
-      <p:sp>
-        <p:nvSpPr>
-          <p:cNvPr id="3" name="Номер слайда 2">
-            <a:extLst>
-              <a:ext uri="{FF2B5EF4-FFF2-40B4-BE49-F238E27FC236}">
-                <a16:creationId xmlns:a16="http://schemas.microsoft.com/office/drawing/2014/main" id="{A96EEFD9-9637-C445-9A72-12A9FE91D5BA}"/>
-              </a:ext>
-            </a:extLst>
-          </p:cNvPr>
-          <p:cNvSpPr>
-            <a:spLocks noGrp="1"/>
-          </p:cNvSpPr>
-          <p:nvPr>
-            <p:ph type="sldNum" sz="quarter" idx="12"/>
-          </p:nvPr>
-        </p:nvSpPr>
-        <p:spPr/>
-        <p:txBody>
-          <a:bodyPr/>
-          <a:lstStyle/>
-          <a:p>
-            <a:fld id="{6D22F896-40B5-4ADD-8801-0D06FADFA095}" type="slidenum">
-              <a:rPr lang="en-US" smtClean="0"/>
-              <a:t>23</a:t>
-            </a:fld>
-            <a:endParaRPr lang="en-US" dirty="0"/>
-          </a:p>
-        </p:txBody>
-      </p:sp>
-    </p:spTree>
-    <p:extLst>
-      <p:ext uri="{BB962C8B-B14F-4D97-AF65-F5344CB8AC3E}">
-        <p14:creationId xmlns:p14="http://schemas.microsoft.com/office/powerpoint/2010/main" val="187208088"/>
-      </p:ext>
-    </p:extLst>
-  </p:cSld>
-  <p:clrMapOvr>
-    <a:masterClrMapping/>
-  </p:clrMapOvr>
-</p:sld>
-</file>
-
-<file path=ppt/slides/slide24.xml><?xml version="1.0" encoding="utf-8"?>
-<p:sld xmlns:a="http://schemas.openxmlformats.org/drawingml/2006/main" xmlns:r="http://schemas.openxmlformats.org/officeDocument/2006/relationships" xmlns:p="http://schemas.openxmlformats.org/presentationml/2006/main">
-  <p:cSld>
-    <p:spTree>
-      <p:nvGrpSpPr>
-        <p:cNvPr id="1" name=""/>
-        <p:cNvGrpSpPr/>
-        <p:nvPr/>
-      </p:nvGrpSpPr>
-      <p:grpSpPr>
-        <a:xfrm>
-          <a:off x="0" y="0"/>
-          <a:ext cx="0" cy="0"/>
-          <a:chOff x="0" y="0"/>
-          <a:chExt cx="0" cy="0"/>
-        </a:xfrm>
-      </p:grpSpPr>
-      <p:sp>
-        <p:nvSpPr>
-          <p:cNvPr id="2" name="Заголовок 1">
-            <a:extLst>
-              <a:ext uri="{FF2B5EF4-FFF2-40B4-BE49-F238E27FC236}">
-                <a16:creationId xmlns:a16="http://schemas.microsoft.com/office/drawing/2014/main" id="{9BFAA110-C35E-419E-94F5-DAEBD2170558}"/>
-              </a:ext>
-            </a:extLst>
-          </p:cNvPr>
-          <p:cNvSpPr>
-            <a:spLocks noGrp="1"/>
-          </p:cNvSpPr>
-          <p:nvPr>
-            <p:ph type="title"/>
-          </p:nvPr>
-        </p:nvSpPr>
-        <p:spPr/>
-        <p:txBody>
-          <a:bodyPr/>
-          <a:lstStyle/>
-          <a:p>
+            <a:pPr algn="just"/>
             <a:r>
               <a:rPr lang="ru-RU" dirty="0"/>
-              <a:t>Заключение</a:t>
-            </a:r>
-          </a:p>
-        </p:txBody>
-      </p:sp>
-      <p:sp>
-        <p:nvSpPr>
-          <p:cNvPr id="6" name="Объект 5">
-            <a:extLst>
-              <a:ext uri="{FF2B5EF4-FFF2-40B4-BE49-F238E27FC236}">
-                <a16:creationId xmlns:a16="http://schemas.microsoft.com/office/drawing/2014/main" id="{F3AF8238-DF16-4E55-B564-3C299D7AEF9E}"/>
-              </a:ext>
-            </a:extLst>
-          </p:cNvPr>
-          <p:cNvSpPr>
-            <a:spLocks noGrp="1"/>
-          </p:cNvSpPr>
-          <p:nvPr>
-            <p:ph idx="1"/>
-          </p:nvPr>
-        </p:nvSpPr>
-        <p:spPr/>
-        <p:txBody>
-          <a:bodyPr>
-            <a:normAutofit/>
-          </a:bodyPr>
-          <a:lstStyle/>
-          <a:p>
-            <a:pPr algn="just"/>
+              <a:t>В результате выполнения выпускной квалификационной работы была разработана интегрированная среда обучения алгоритмизации </a:t>
+            </a:r>
+            <a:r>
+              <a:rPr lang="en-US" dirty="0"/>
+              <a:t>DRAKON IDE</a:t>
+            </a:r>
             <a:r>
               <a:rPr lang="ru-RU" dirty="0"/>
-              <a:t>На данный момент спроектирована и разработана база данных с использованием </a:t>
-            </a:r>
-            <a:r>
-              <a:rPr lang="ru-RU" dirty="0" err="1"/>
-              <a:t>PostgreSQL</a:t>
-            </a:r>
-            <a:r>
-              <a:rPr lang="ru-RU" dirty="0"/>
-              <a:t> версии 12.3 для разрабатываемой системы. </a:t>
-            </a:r>
-          </a:p>
-          <a:p>
-            <a:pPr algn="just"/>
-            <a:r>
-              <a:rPr lang="ru-RU" dirty="0"/>
-              <a:t>Реализован сервер для обслуживания базы данных и распределения доступа пользователей. </a:t>
-            </a:r>
-          </a:p>
-          <a:p>
-            <a:pPr algn="just"/>
-            <a:r>
-              <a:rPr lang="ru-RU" dirty="0"/>
-              <a:t>Спроектированы прототипы интерфейсов системы. </a:t>
+              <a:t> в виде клиент-серверного приложения.</a:t>
             </a:r>
           </a:p>
         </p:txBody>
@@ -12311,7 +14443,7 @@
           <a:p>
             <a:fld id="{6D22F896-40B5-4ADD-8801-0D06FADFA095}" type="slidenum">
               <a:rPr lang="en-US" smtClean="0"/>
-              <a:t>24</a:t>
+              <a:t>23</a:t>
             </a:fld>
             <a:endParaRPr lang="en-US" dirty="0"/>
           </a:p>
@@ -12327,410 +14459,18 @@
   <p:clrMapOvr>
     <a:masterClrMapping/>
   </p:clrMapOvr>
-</p:sld>
-</file>
-
-<file path=ppt/slides/slide25.xml><?xml version="1.0" encoding="utf-8"?>
-<p:sld xmlns:a="http://schemas.openxmlformats.org/drawingml/2006/main" xmlns:r="http://schemas.openxmlformats.org/officeDocument/2006/relationships" xmlns:p="http://schemas.openxmlformats.org/presentationml/2006/main">
-  <p:cSld>
-    <p:spTree>
-      <p:nvGrpSpPr>
-        <p:cNvPr id="1" name=""/>
-        <p:cNvGrpSpPr/>
-        <p:nvPr/>
-      </p:nvGrpSpPr>
-      <p:grpSpPr>
-        <a:xfrm>
-          <a:off x="0" y="0"/>
-          <a:ext cx="0" cy="0"/>
-          <a:chOff x="0" y="0"/>
-          <a:chExt cx="0" cy="0"/>
-        </a:xfrm>
-      </p:grpSpPr>
-      <p:sp>
-        <p:nvSpPr>
-          <p:cNvPr id="2" name="Заголовок 1">
-            <a:extLst>
-              <a:ext uri="{FF2B5EF4-FFF2-40B4-BE49-F238E27FC236}">
-                <a16:creationId xmlns:a16="http://schemas.microsoft.com/office/drawing/2014/main" id="{03F04B07-F19E-4485-8A96-5F4E89019D4F}"/>
-              </a:ext>
-            </a:extLst>
-          </p:cNvPr>
-          <p:cNvSpPr>
-            <a:spLocks noGrp="1"/>
-          </p:cNvSpPr>
-          <p:nvPr>
-            <p:ph type="title"/>
-          </p:nvPr>
-        </p:nvSpPr>
-        <p:spPr/>
-        <p:txBody>
-          <a:bodyPr/>
-          <a:lstStyle/>
-          <a:p>
-            <a:r>
-              <a:rPr lang="ru-RU" dirty="0"/>
-              <a:t>В рамках преддипломной практики планируется</a:t>
-            </a:r>
-          </a:p>
-        </p:txBody>
-      </p:sp>
-      <p:sp>
-        <p:nvSpPr>
-          <p:cNvPr id="3" name="Объект 2">
-            <a:extLst>
-              <a:ext uri="{FF2B5EF4-FFF2-40B4-BE49-F238E27FC236}">
-                <a16:creationId xmlns:a16="http://schemas.microsoft.com/office/drawing/2014/main" id="{240D1617-49F8-4892-8C86-87A06C9D1622}"/>
-              </a:ext>
-            </a:extLst>
-          </p:cNvPr>
-          <p:cNvSpPr>
-            <a:spLocks noGrp="1"/>
-          </p:cNvSpPr>
-          <p:nvPr>
-            <p:ph idx="1"/>
-          </p:nvPr>
-        </p:nvSpPr>
-        <p:spPr/>
-        <p:txBody>
-          <a:bodyPr/>
-          <a:lstStyle/>
-          <a:p>
-            <a:r>
-              <a:rPr lang="ru-RU" dirty="0"/>
-              <a:t>Переписывание сервиса редактирования ДРАКОН-схем с </a:t>
-            </a:r>
-            <a:r>
-              <a:rPr lang="en-US" dirty="0"/>
-              <a:t>.NET </a:t>
-            </a:r>
-            <a:r>
-              <a:rPr lang="ru-RU" dirty="0"/>
-              <a:t>на </a:t>
-            </a:r>
-            <a:r>
-              <a:rPr lang="en-US" dirty="0"/>
-              <a:t>TypeScript</a:t>
-            </a:r>
-            <a:r>
-              <a:rPr lang="ru-RU" dirty="0"/>
-              <a:t>.</a:t>
-            </a:r>
-          </a:p>
-          <a:p>
-            <a:r>
-              <a:rPr lang="ru-RU" dirty="0"/>
-              <a:t>Реализация функционала интерфейса редактора на фреймворках </a:t>
-            </a:r>
-            <a:r>
-              <a:rPr lang="en-US" dirty="0"/>
-              <a:t>React </a:t>
-            </a:r>
-            <a:r>
-              <a:rPr lang="ru-RU" dirty="0"/>
-              <a:t>и </a:t>
-            </a:r>
-            <a:r>
-              <a:rPr lang="en-US" dirty="0"/>
-              <a:t>D3js</a:t>
-            </a:r>
-            <a:endParaRPr lang="ru-RU" dirty="0"/>
-          </a:p>
-          <a:p>
-            <a:r>
-              <a:rPr lang="ru-RU" dirty="0"/>
-              <a:t>Написание инструкций по работе с языком ДРАКОН и разрабатываемой системой</a:t>
-            </a:r>
-          </a:p>
-          <a:p>
-            <a:r>
-              <a:rPr lang="ru-RU" dirty="0"/>
-              <a:t>Написание конвертора с языка ДРАКОН на язык </a:t>
-            </a:r>
-            <a:r>
-              <a:rPr lang="en-US" dirty="0"/>
-              <a:t>JavaScript</a:t>
-            </a:r>
-            <a:endParaRPr lang="ru-RU" dirty="0"/>
-          </a:p>
-        </p:txBody>
-      </p:sp>
-      <p:sp>
-        <p:nvSpPr>
-          <p:cNvPr id="4" name="Номер слайда 3">
-            <a:extLst>
-              <a:ext uri="{FF2B5EF4-FFF2-40B4-BE49-F238E27FC236}">
-                <a16:creationId xmlns:a16="http://schemas.microsoft.com/office/drawing/2014/main" id="{A4974C2A-5E61-473E-B2DF-0B4452CD728C}"/>
-              </a:ext>
-            </a:extLst>
-          </p:cNvPr>
-          <p:cNvSpPr>
-            <a:spLocks noGrp="1"/>
-          </p:cNvSpPr>
-          <p:nvPr>
-            <p:ph type="sldNum" sz="quarter" idx="12"/>
-          </p:nvPr>
-        </p:nvSpPr>
-        <p:spPr/>
-        <p:txBody>
-          <a:bodyPr/>
-          <a:lstStyle/>
-          <a:p>
-            <a:fld id="{6D22F896-40B5-4ADD-8801-0D06FADFA095}" type="slidenum">
-              <a:rPr lang="en-US" smtClean="0"/>
-              <a:t>25</a:t>
-            </a:fld>
-            <a:endParaRPr lang="en-US" dirty="0"/>
-          </a:p>
-        </p:txBody>
-      </p:sp>
-    </p:spTree>
-    <p:extLst>
-      <p:ext uri="{BB962C8B-B14F-4D97-AF65-F5344CB8AC3E}">
-        <p14:creationId xmlns:p14="http://schemas.microsoft.com/office/powerpoint/2010/main" val="2169306639"/>
-      </p:ext>
-    </p:extLst>
-  </p:cSld>
-  <p:clrMapOvr>
-    <a:masterClrMapping/>
-  </p:clrMapOvr>
-</p:sld>
-</file>
-
-<file path=ppt/slides/slide26.xml><?xml version="1.0" encoding="utf-8"?>
-<p:sld xmlns:a="http://schemas.openxmlformats.org/drawingml/2006/main" xmlns:r="http://schemas.openxmlformats.org/officeDocument/2006/relationships" xmlns:p="http://schemas.openxmlformats.org/presentationml/2006/main">
-  <p:cSld>
-    <p:spTree>
-      <p:nvGrpSpPr>
-        <p:cNvPr id="1" name=""/>
-        <p:cNvGrpSpPr/>
-        <p:nvPr/>
-      </p:nvGrpSpPr>
-      <p:grpSpPr>
-        <a:xfrm>
-          <a:off x="0" y="0"/>
-          <a:ext cx="0" cy="0"/>
-          <a:chOff x="0" y="0"/>
-          <a:chExt cx="0" cy="0"/>
-        </a:xfrm>
-      </p:grpSpPr>
-      <p:sp>
-        <p:nvSpPr>
-          <p:cNvPr id="2" name="Заголовок 1">
-            <a:extLst>
-              <a:ext uri="{FF2B5EF4-FFF2-40B4-BE49-F238E27FC236}">
-                <a16:creationId xmlns:a16="http://schemas.microsoft.com/office/drawing/2014/main" id="{6DF2B320-1B97-4B55-BCA9-84B0593CCE22}"/>
-              </a:ext>
-            </a:extLst>
-          </p:cNvPr>
-          <p:cNvSpPr>
-            <a:spLocks noGrp="1"/>
-          </p:cNvSpPr>
-          <p:nvPr>
-            <p:ph type="title"/>
-          </p:nvPr>
-        </p:nvSpPr>
-        <p:spPr/>
-        <p:txBody>
-          <a:bodyPr/>
-          <a:lstStyle/>
-          <a:p>
-            <a:r>
-              <a:rPr lang="ru-RU" dirty="0"/>
-              <a:t>В рамках </a:t>
-            </a:r>
-            <a:r>
-              <a:rPr lang="ru-RU" dirty="0" err="1"/>
-              <a:t>ВКРб</a:t>
-            </a:r>
-            <a:r>
-              <a:rPr lang="ru-RU" dirty="0"/>
-              <a:t> планируется</a:t>
-            </a:r>
-          </a:p>
-        </p:txBody>
-      </p:sp>
-      <p:sp>
-        <p:nvSpPr>
-          <p:cNvPr id="3" name="Объект 2">
-            <a:extLst>
-              <a:ext uri="{FF2B5EF4-FFF2-40B4-BE49-F238E27FC236}">
-                <a16:creationId xmlns:a16="http://schemas.microsoft.com/office/drawing/2014/main" id="{5C291811-8511-4D4F-8C88-53F5013A4EE9}"/>
-              </a:ext>
-            </a:extLst>
-          </p:cNvPr>
-          <p:cNvSpPr>
-            <a:spLocks noGrp="1"/>
-          </p:cNvSpPr>
-          <p:nvPr>
-            <p:ph idx="1"/>
-          </p:nvPr>
-        </p:nvSpPr>
-        <p:spPr>
-          <a:xfrm>
-            <a:off x="680321" y="2336873"/>
-            <a:ext cx="10211797" cy="3599316"/>
-          </a:xfrm>
-        </p:spPr>
-        <p:txBody>
-          <a:bodyPr>
-            <a:normAutofit fontScale="85000" lnSpcReduction="20000"/>
-          </a:bodyPr>
-          <a:lstStyle/>
-          <a:p>
-            <a:pPr marL="457200" indent="-457200">
-              <a:buFont typeface="+mj-lt"/>
-              <a:buAutoNum type="arabicPeriod"/>
-            </a:pPr>
-            <a:r>
-              <a:rPr lang="ru-RU" dirty="0"/>
-              <a:t>Клиент ИС, реализованный как </a:t>
-            </a:r>
-            <a:r>
-              <a:rPr lang="en-US" dirty="0"/>
-              <a:t>SPA</a:t>
-            </a:r>
-            <a:r>
-              <a:rPr lang="ru-RU" dirty="0"/>
-              <a:t> приложение с использованием технологии </a:t>
-            </a:r>
-            <a:r>
-              <a:rPr lang="en-US" dirty="0"/>
-              <a:t>React </a:t>
-            </a:r>
-            <a:r>
-              <a:rPr lang="ru-RU" dirty="0"/>
-              <a:t>с 3 путями навигации и соответствующими интерфейсами</a:t>
-            </a:r>
-          </a:p>
-          <a:p>
-            <a:pPr lvl="1"/>
-            <a:r>
-              <a:rPr lang="ru-RU" dirty="0"/>
-              <a:t>Вход и регистрация</a:t>
-            </a:r>
-          </a:p>
-          <a:p>
-            <a:pPr lvl="1"/>
-            <a:r>
-              <a:rPr lang="ru-RU" dirty="0"/>
-              <a:t>ДРАКОН-редактор</a:t>
-            </a:r>
-          </a:p>
-          <a:p>
-            <a:pPr lvl="1"/>
-            <a:r>
-              <a:rPr lang="ru-RU" dirty="0"/>
-              <a:t>Документация</a:t>
-            </a:r>
-          </a:p>
-          <a:p>
-            <a:pPr marL="457200" indent="-457200">
-              <a:buFont typeface="+mj-lt"/>
-              <a:buAutoNum type="arabicPeriod"/>
-            </a:pPr>
-            <a:r>
-              <a:rPr lang="ru-RU" dirty="0"/>
-              <a:t>Сервис по созданию и редактированию ДРАКОН-схем.</a:t>
-            </a:r>
-          </a:p>
-          <a:p>
-            <a:pPr marL="457200" indent="-457200">
-              <a:buFont typeface="+mj-lt"/>
-              <a:buAutoNum type="arabicPeriod"/>
-            </a:pPr>
-            <a:r>
-              <a:rPr lang="ru-RU" dirty="0"/>
-              <a:t>Сервис конвертации ДРАКОН-схем в </a:t>
-            </a:r>
-            <a:r>
-              <a:rPr lang="en-US" dirty="0"/>
-              <a:t>JavaScript</a:t>
-            </a:r>
-            <a:endParaRPr lang="ru-RU" dirty="0"/>
-          </a:p>
-          <a:p>
-            <a:pPr marL="457200" indent="-457200">
-              <a:buFont typeface="+mj-lt"/>
-              <a:buAutoNum type="arabicPeriod"/>
-            </a:pPr>
-            <a:r>
-              <a:rPr lang="ru-RU" dirty="0"/>
-              <a:t>Сервер для хранения информации о пользователях системы и ДРАКОН-схем</a:t>
-            </a:r>
-          </a:p>
-          <a:p>
-            <a:pPr marL="457200" indent="-457200">
-              <a:buFont typeface="+mj-lt"/>
-              <a:buAutoNum type="arabicPeriod"/>
-            </a:pPr>
-            <a:r>
-              <a:rPr lang="ru-RU" dirty="0"/>
-              <a:t>Роли в ИС: </a:t>
-            </a:r>
-          </a:p>
-          <a:p>
-            <a:pPr lvl="1"/>
-            <a:r>
-              <a:rPr lang="ru-RU" dirty="0"/>
-              <a:t>Пользователь</a:t>
-            </a:r>
-          </a:p>
-          <a:p>
-            <a:pPr lvl="1"/>
-            <a:r>
-              <a:rPr lang="ru-RU" dirty="0"/>
-              <a:t>Преподаватель</a:t>
-            </a:r>
-          </a:p>
-          <a:p>
-            <a:pPr lvl="1"/>
-            <a:r>
-              <a:rPr lang="ru-RU" dirty="0"/>
-              <a:t>Администратор</a:t>
-            </a:r>
-          </a:p>
-        </p:txBody>
-      </p:sp>
-      <p:sp>
-        <p:nvSpPr>
-          <p:cNvPr id="4" name="Номер слайда 3">
-            <a:extLst>
-              <a:ext uri="{FF2B5EF4-FFF2-40B4-BE49-F238E27FC236}">
-                <a16:creationId xmlns:a16="http://schemas.microsoft.com/office/drawing/2014/main" id="{D6675E2B-361F-4C4B-93EB-2AD086D5B6C9}"/>
-              </a:ext>
-            </a:extLst>
-          </p:cNvPr>
-          <p:cNvSpPr>
-            <a:spLocks noGrp="1"/>
-          </p:cNvSpPr>
-          <p:nvPr>
-            <p:ph type="sldNum" sz="quarter" idx="12"/>
-          </p:nvPr>
-        </p:nvSpPr>
-        <p:spPr/>
-        <p:txBody>
-          <a:bodyPr/>
-          <a:lstStyle/>
-          <a:p>
-            <a:fld id="{6D22F896-40B5-4ADD-8801-0D06FADFA095}" type="slidenum">
-              <a:rPr lang="en-US" smtClean="0"/>
-              <a:t>26</a:t>
-            </a:fld>
-            <a:endParaRPr lang="en-US" dirty="0"/>
-          </a:p>
-        </p:txBody>
-      </p:sp>
-    </p:spTree>
-    <p:extLst>
-      <p:ext uri="{BB962C8B-B14F-4D97-AF65-F5344CB8AC3E}">
-        <p14:creationId xmlns:p14="http://schemas.microsoft.com/office/powerpoint/2010/main" val="2821747041"/>
-      </p:ext>
-    </p:extLst>
-  </p:cSld>
-  <p:clrMapOvr>
-    <a:masterClrMapping/>
-  </p:clrMapOvr>
+  <mc:AlternateContent xmlns:mc="http://schemas.openxmlformats.org/markup-compatibility/2006">
+    <mc:Choice xmlns:p14="http://schemas.microsoft.com/office/powerpoint/2010/main" Requires="p14">
+      <p:transition spd="med" p14:dur="700">
+        <p:fade/>
+      </p:transition>
+    </mc:Choice>
+    <mc:Fallback>
+      <p:transition spd="med">
+        <p:fade/>
+      </p:transition>
+    </mc:Fallback>
+  </mc:AlternateContent>
 </p:sld>
 </file>
 
@@ -12798,12 +14538,12 @@
         <p:spPr>
           <a:xfrm>
             <a:off x="103271" y="2124310"/>
-            <a:ext cx="6565134" cy="3599316"/>
+            <a:ext cx="6565134" cy="2169394"/>
           </a:xfrm>
         </p:spPr>
         <p:txBody>
           <a:bodyPr>
-            <a:normAutofit fontScale="85000" lnSpcReduction="20000"/>
+            <a:normAutofit lnSpcReduction="10000"/>
           </a:bodyPr>
           <a:lstStyle/>
           <a:p>
@@ -12822,7 +14562,7 @@
             </a:pPr>
             <a:r>
               <a:rPr lang="ru-RU" dirty="0"/>
-              <a:t>Диаграмма имеет одно начало и один конец</a:t>
+              <a:t>Одна точка входа и один конец</a:t>
             </a:r>
           </a:p>
           <a:p>
@@ -12832,7 +14572,7 @@
             </a:pPr>
             <a:r>
               <a:rPr lang="ru-RU" dirty="0"/>
-              <a:t>Начало расположено в левом верхнем углу</a:t>
+              <a:t>Начало алгоритма в левом верхнем углу</a:t>
             </a:r>
           </a:p>
           <a:p>
@@ -12852,57 +14592,7 @@
             </a:pPr>
             <a:r>
               <a:rPr lang="ru-RU" dirty="0"/>
-              <a:t>Выполнение  алгоритма сверху вниз</a:t>
-            </a:r>
-          </a:p>
-          <a:p>
-            <a:pPr marL="457200" indent="-457200" algn="just">
-              <a:buFont typeface="+mj-lt"/>
-              <a:buAutoNum type="arabicPeriod"/>
-            </a:pPr>
-            <a:r>
-              <a:rPr lang="ru-RU" dirty="0"/>
-              <a:t>Главный маршрут по главной вертикали</a:t>
-            </a:r>
-          </a:p>
-          <a:p>
-            <a:pPr marL="457200" indent="-457200" algn="just">
-              <a:buFont typeface="+mj-lt"/>
-              <a:buAutoNum type="arabicPeriod"/>
-            </a:pPr>
-            <a:r>
-              <a:rPr lang="ru-RU" dirty="0"/>
-              <a:t>Ветвление только вправо</a:t>
-            </a:r>
-          </a:p>
-          <a:p>
-            <a:pPr marL="457200" indent="-457200" algn="just">
-              <a:buFont typeface="+mj-lt"/>
-              <a:buAutoNum type="arabicPeriod"/>
-            </a:pPr>
-            <a:r>
-              <a:rPr lang="ru-RU" dirty="0"/>
-              <a:t>Только прямые линии</a:t>
-            </a:r>
-          </a:p>
-          <a:p>
-            <a:pPr marL="457200" indent="-457200" algn="just">
-              <a:buFont typeface="+mj-lt"/>
-              <a:buAutoNum type="arabicPeriod"/>
-            </a:pPr>
-            <a:r>
-              <a:rPr lang="ru-RU" dirty="0"/>
-              <a:t>Пересечение икон запрещены</a:t>
-            </a:r>
-          </a:p>
-          <a:p>
-            <a:pPr marL="457200" indent="-457200" algn="just">
-              <a:buFont typeface="+mj-lt"/>
-              <a:buAutoNum type="arabicPeriod"/>
-            </a:pPr>
-            <a:r>
-              <a:rPr lang="ru-RU" dirty="0"/>
-              <a:t>Пересечение линий запрещены</a:t>
+              <a:t>Алгоритм выполняется сверху вниз</a:t>
             </a:r>
           </a:p>
         </p:txBody>
@@ -12996,6 +14686,277 @@
           </a:p>
         </p:txBody>
       </p:sp>
+      <p:pic>
+        <p:nvPicPr>
+          <p:cNvPr id="6" name="Рисунок 5">
+            <a:extLst>
+              <a:ext uri="{FF2B5EF4-FFF2-40B4-BE49-F238E27FC236}">
+                <a16:creationId xmlns:a16="http://schemas.microsoft.com/office/drawing/2014/main" id="{3B482788-9C6E-1F4F-9BB6-36F97BBD18C5}"/>
+              </a:ext>
+            </a:extLst>
+          </p:cNvPr>
+          <p:cNvPicPr/>
+          <p:nvPr/>
+        </p:nvPicPr>
+        <p:blipFill>
+          <a:blip r:embed="rId4"/>
+          <a:stretch>
+            <a:fillRect/>
+          </a:stretch>
+        </p:blipFill>
+        <p:spPr>
+          <a:xfrm>
+            <a:off x="6490448" y="2610174"/>
+            <a:ext cx="5598282" cy="3494598"/>
+          </a:xfrm>
+          <a:prstGeom prst="rect">
+            <a:avLst/>
+          </a:prstGeom>
+        </p:spPr>
+      </p:pic>
+      <p:sp>
+        <p:nvSpPr>
+          <p:cNvPr id="8" name="Объект 2">
+            <a:extLst>
+              <a:ext uri="{FF2B5EF4-FFF2-40B4-BE49-F238E27FC236}">
+                <a16:creationId xmlns:a16="http://schemas.microsoft.com/office/drawing/2014/main" id="{B28A6683-A4C0-CA4B-BAE7-878907803255}"/>
+              </a:ext>
+            </a:extLst>
+          </p:cNvPr>
+          <p:cNvSpPr txBox="1">
+            <a:spLocks/>
+          </p:cNvSpPr>
+          <p:nvPr/>
+        </p:nvSpPr>
+        <p:spPr>
+          <a:xfrm>
+            <a:off x="103271" y="4256467"/>
+            <a:ext cx="6565134" cy="2169394"/>
+          </a:xfrm>
+          <a:prstGeom prst="rect">
+            <a:avLst/>
+          </a:prstGeom>
+        </p:spPr>
+        <p:txBody>
+          <a:bodyPr vert="horz" lIns="91440" tIns="45720" rIns="91440" bIns="45720" rtlCol="0">
+            <a:normAutofit/>
+          </a:bodyPr>
+          <a:lstStyle>
+            <a:lvl1pPr marL="228600" indent="-228600" algn="l" defTabSz="914400" rtl="0" eaLnBrk="1" latinLnBrk="0" hangingPunct="1">
+              <a:lnSpc>
+                <a:spcPct val="90000"/>
+              </a:lnSpc>
+              <a:spcBef>
+                <a:spcPts val="1000"/>
+              </a:spcBef>
+              <a:buFont typeface="Arial" panose="020B0604020202020204" pitchFamily="34" charset="0"/>
+              <a:buChar char="•"/>
+              <a:defRPr sz="2400" kern="1200">
+                <a:solidFill>
+                  <a:schemeClr val="tx1"/>
+                </a:solidFill>
+                <a:latin typeface="+mn-lt"/>
+                <a:ea typeface="+mn-ea"/>
+                <a:cs typeface="+mn-cs"/>
+              </a:defRPr>
+            </a:lvl1pPr>
+            <a:lvl2pPr marL="685800" indent="-228600" algn="l" defTabSz="914400" rtl="0" eaLnBrk="1" latinLnBrk="0" hangingPunct="1">
+              <a:lnSpc>
+                <a:spcPct val="90000"/>
+              </a:lnSpc>
+              <a:spcBef>
+                <a:spcPts val="500"/>
+              </a:spcBef>
+              <a:buFont typeface="Arial" panose="020B0604020202020204" pitchFamily="34" charset="0"/>
+              <a:buChar char="•"/>
+              <a:defRPr sz="2000" kern="1200">
+                <a:solidFill>
+                  <a:schemeClr val="tx1"/>
+                </a:solidFill>
+                <a:latin typeface="+mn-lt"/>
+                <a:ea typeface="+mn-ea"/>
+                <a:cs typeface="+mn-cs"/>
+              </a:defRPr>
+            </a:lvl2pPr>
+            <a:lvl3pPr marL="1143000" indent="-228600" algn="l" defTabSz="914400" rtl="0" eaLnBrk="1" latinLnBrk="0" hangingPunct="1">
+              <a:lnSpc>
+                <a:spcPct val="90000"/>
+              </a:lnSpc>
+              <a:spcBef>
+                <a:spcPts val="500"/>
+              </a:spcBef>
+              <a:buFont typeface="Arial" panose="020B0604020202020204" pitchFamily="34" charset="0"/>
+              <a:buChar char="•"/>
+              <a:defRPr sz="1800" kern="1200">
+                <a:solidFill>
+                  <a:schemeClr val="tx1"/>
+                </a:solidFill>
+                <a:latin typeface="+mn-lt"/>
+                <a:ea typeface="+mn-ea"/>
+                <a:cs typeface="+mn-cs"/>
+              </a:defRPr>
+            </a:lvl3pPr>
+            <a:lvl4pPr marL="1600200" indent="-228600" algn="l" defTabSz="914400" rtl="0" eaLnBrk="1" latinLnBrk="0" hangingPunct="1">
+              <a:lnSpc>
+                <a:spcPct val="90000"/>
+              </a:lnSpc>
+              <a:spcBef>
+                <a:spcPts val="500"/>
+              </a:spcBef>
+              <a:buFont typeface="Arial" panose="020B0604020202020204" pitchFamily="34" charset="0"/>
+              <a:buChar char="•"/>
+              <a:defRPr sz="1600" kern="1200">
+                <a:solidFill>
+                  <a:schemeClr val="tx1"/>
+                </a:solidFill>
+                <a:latin typeface="+mn-lt"/>
+                <a:ea typeface="+mn-ea"/>
+                <a:cs typeface="+mn-cs"/>
+              </a:defRPr>
+            </a:lvl4pPr>
+            <a:lvl5pPr marL="2057400" indent="-228600" algn="l" defTabSz="914400" rtl="0" eaLnBrk="1" latinLnBrk="0" hangingPunct="1">
+              <a:lnSpc>
+                <a:spcPct val="90000"/>
+              </a:lnSpc>
+              <a:spcBef>
+                <a:spcPts val="500"/>
+              </a:spcBef>
+              <a:buFont typeface="Arial" panose="020B0604020202020204" pitchFamily="34" charset="0"/>
+              <a:buChar char="•"/>
+              <a:defRPr sz="1600" kern="1200">
+                <a:solidFill>
+                  <a:schemeClr val="tx1"/>
+                </a:solidFill>
+                <a:latin typeface="+mn-lt"/>
+                <a:ea typeface="+mn-ea"/>
+                <a:cs typeface="+mn-cs"/>
+              </a:defRPr>
+            </a:lvl5pPr>
+            <a:lvl6pPr marL="2514600" indent="-228600" algn="l" defTabSz="914400" rtl="0" eaLnBrk="1" latinLnBrk="0" hangingPunct="1">
+              <a:lnSpc>
+                <a:spcPct val="90000"/>
+              </a:lnSpc>
+              <a:spcBef>
+                <a:spcPts val="500"/>
+              </a:spcBef>
+              <a:buFont typeface="Arial" panose="020B0604020202020204" pitchFamily="34" charset="0"/>
+              <a:buChar char="•"/>
+              <a:defRPr sz="1400" kern="1200">
+                <a:solidFill>
+                  <a:schemeClr val="tx1"/>
+                </a:solidFill>
+                <a:latin typeface="+mn-lt"/>
+                <a:ea typeface="+mn-ea"/>
+                <a:cs typeface="+mn-cs"/>
+              </a:defRPr>
+            </a:lvl6pPr>
+            <a:lvl7pPr marL="2971800" indent="-228600" algn="l" defTabSz="914400" rtl="0" eaLnBrk="1" latinLnBrk="0" hangingPunct="1">
+              <a:lnSpc>
+                <a:spcPct val="90000"/>
+              </a:lnSpc>
+              <a:spcBef>
+                <a:spcPts val="500"/>
+              </a:spcBef>
+              <a:buFont typeface="Arial" panose="020B0604020202020204" pitchFamily="34" charset="0"/>
+              <a:buChar char="•"/>
+              <a:defRPr sz="1400" kern="1200">
+                <a:solidFill>
+                  <a:schemeClr val="tx1"/>
+                </a:solidFill>
+                <a:latin typeface="+mn-lt"/>
+                <a:ea typeface="+mn-ea"/>
+                <a:cs typeface="+mn-cs"/>
+              </a:defRPr>
+            </a:lvl7pPr>
+            <a:lvl8pPr marL="3429000" indent="-228600" algn="l" defTabSz="914400" rtl="0" eaLnBrk="1" latinLnBrk="0" hangingPunct="1">
+              <a:lnSpc>
+                <a:spcPct val="90000"/>
+              </a:lnSpc>
+              <a:spcBef>
+                <a:spcPts val="500"/>
+              </a:spcBef>
+              <a:buFont typeface="Arial" panose="020B0604020202020204" pitchFamily="34" charset="0"/>
+              <a:buChar char="•"/>
+              <a:defRPr sz="1400" kern="1200">
+                <a:solidFill>
+                  <a:schemeClr val="tx1"/>
+                </a:solidFill>
+                <a:latin typeface="+mn-lt"/>
+                <a:ea typeface="+mn-ea"/>
+                <a:cs typeface="+mn-cs"/>
+              </a:defRPr>
+            </a:lvl8pPr>
+            <a:lvl9pPr marL="3886200" indent="-228600" algn="l" defTabSz="914400" rtl="0" eaLnBrk="1" latinLnBrk="0" hangingPunct="1">
+              <a:lnSpc>
+                <a:spcPct val="90000"/>
+              </a:lnSpc>
+              <a:spcBef>
+                <a:spcPts val="500"/>
+              </a:spcBef>
+              <a:buFont typeface="Arial" panose="020B0604020202020204" pitchFamily="34" charset="0"/>
+              <a:buChar char="•"/>
+              <a:defRPr sz="1400" kern="1200">
+                <a:solidFill>
+                  <a:schemeClr val="tx1"/>
+                </a:solidFill>
+                <a:latin typeface="+mn-lt"/>
+                <a:ea typeface="+mn-ea"/>
+                <a:cs typeface="+mn-cs"/>
+              </a:defRPr>
+            </a:lvl9pPr>
+          </a:lstStyle>
+          <a:p>
+            <a:pPr marL="457200" indent="-457200" algn="just">
+              <a:buFont typeface="+mj-lt"/>
+              <a:buAutoNum type="arabicPeriod" startAt="5"/>
+            </a:pPr>
+            <a:r>
+              <a:rPr lang="ru-RU" sz="2200" dirty="0"/>
+              <a:t>Главный маршрут по главной вертикали</a:t>
+            </a:r>
+          </a:p>
+          <a:p>
+            <a:pPr marL="457200" indent="-457200" algn="just">
+              <a:buFont typeface="+mj-lt"/>
+              <a:buAutoNum type="arabicPeriod" startAt="5"/>
+            </a:pPr>
+            <a:r>
+              <a:rPr lang="ru-RU" sz="2200" dirty="0"/>
+              <a:t>Ветвление только вправо</a:t>
+            </a:r>
+          </a:p>
+          <a:p>
+            <a:pPr marL="457200" indent="-457200" algn="just">
+              <a:buFont typeface="+mj-lt"/>
+              <a:buAutoNum type="arabicPeriod" startAt="5"/>
+            </a:pPr>
+            <a:r>
+              <a:rPr lang="ru-RU" sz="2200" dirty="0"/>
+              <a:t>Пересечение икон запрещены</a:t>
+            </a:r>
+          </a:p>
+          <a:p>
+            <a:pPr marL="457200" indent="-457200" algn="just">
+              <a:buFont typeface="+mj-lt"/>
+              <a:buAutoNum type="arabicPeriod" startAt="5"/>
+            </a:pPr>
+            <a:r>
+              <a:rPr lang="ru-RU" sz="2200" dirty="0"/>
+              <a:t>Соединительные линии всегда прямые</a:t>
+            </a:r>
+          </a:p>
+          <a:p>
+            <a:pPr marL="457200" indent="-457200" algn="just">
+              <a:buFont typeface="+mj-lt"/>
+              <a:buAutoNum type="arabicPeriod" startAt="5"/>
+            </a:pPr>
+            <a:r>
+              <a:rPr lang="ru-RU" sz="2200" dirty="0"/>
+              <a:t>Пересечение линий запрещены</a:t>
+            </a:r>
+          </a:p>
+        </p:txBody>
+      </p:sp>
     </p:spTree>
     <p:extLst>
       <p:ext uri="{BB962C8B-B14F-4D97-AF65-F5344CB8AC3E}">
@@ -13006,6 +14967,168 @@
   <p:clrMapOvr>
     <a:masterClrMapping/>
   </p:clrMapOvr>
+  <mc:AlternateContent xmlns:mc="http://schemas.openxmlformats.org/markup-compatibility/2006">
+    <mc:Choice xmlns:p14="http://schemas.microsoft.com/office/powerpoint/2010/main" Requires="p14">
+      <p:transition spd="med" p14:dur="700">
+        <p:fade/>
+      </p:transition>
+    </mc:Choice>
+    <mc:Fallback>
+      <p:transition spd="med">
+        <p:fade/>
+      </p:transition>
+    </mc:Fallback>
+  </mc:AlternateContent>
+  <p:timing>
+    <p:tnLst>
+      <p:par>
+        <p:cTn id="1" dur="indefinite" restart="never" nodeType="tmRoot">
+          <p:childTnLst>
+            <p:seq concurrent="1" nextAc="seek">
+              <p:cTn id="2" dur="indefinite" nodeType="mainSeq">
+                <p:childTnLst>
+                  <p:par>
+                    <p:cTn id="3" fill="hold">
+                      <p:stCondLst>
+                        <p:cond delay="indefinite"/>
+                      </p:stCondLst>
+                      <p:childTnLst>
+                        <p:par>
+                          <p:cTn id="4" fill="hold">
+                            <p:stCondLst>
+                              <p:cond delay="0"/>
+                            </p:stCondLst>
+                            <p:childTnLst>
+                              <p:par>
+                                <p:cTn id="5" presetID="1" presetClass="entr" presetSubtype="0" fill="hold" nodeType="clickEffect">
+                                  <p:stCondLst>
+                                    <p:cond delay="0"/>
+                                  </p:stCondLst>
+                                  <p:childTnLst>
+                                    <p:set>
+                                      <p:cBhvr>
+                                        <p:cTn id="6" dur="1" fill="hold">
+                                          <p:stCondLst>
+                                            <p:cond delay="0"/>
+                                          </p:stCondLst>
+                                        </p:cTn>
+                                        <p:tgtEl>
+                                          <p:spTgt spid="6"/>
+                                        </p:tgtEl>
+                                        <p:attrNameLst>
+                                          <p:attrName>style.visibility</p:attrName>
+                                        </p:attrNameLst>
+                                      </p:cBhvr>
+                                      <p:to>
+                                        <p:strVal val="visible"/>
+                                      </p:to>
+                                    </p:set>
+                                  </p:childTnLst>
+                                </p:cTn>
+                              </p:par>
+                              <p:par>
+                                <p:cTn id="7" presetID="1" presetClass="entr" presetSubtype="0" fill="hold" grpId="0" nodeType="withEffect">
+                                  <p:stCondLst>
+                                    <p:cond delay="0"/>
+                                  </p:stCondLst>
+                                  <p:childTnLst>
+                                    <p:set>
+                                      <p:cBhvr>
+                                        <p:cTn id="8" dur="1" fill="hold">
+                                          <p:stCondLst>
+                                            <p:cond delay="0"/>
+                                          </p:stCondLst>
+                                        </p:cTn>
+                                        <p:tgtEl>
+                                          <p:spTgt spid="8"/>
+                                        </p:tgtEl>
+                                        <p:attrNameLst>
+                                          <p:attrName>style.visibility</p:attrName>
+                                        </p:attrNameLst>
+                                      </p:cBhvr>
+                                      <p:to>
+                                        <p:strVal val="visible"/>
+                                      </p:to>
+                                    </p:set>
+                                  </p:childTnLst>
+                                </p:cTn>
+                              </p:par>
+                            </p:childTnLst>
+                          </p:cTn>
+                        </p:par>
+                      </p:childTnLst>
+                    </p:cTn>
+                  </p:par>
+                  <p:par>
+                    <p:cTn id="9" fill="hold">
+                      <p:stCondLst>
+                        <p:cond delay="indefinite"/>
+                      </p:stCondLst>
+                      <p:childTnLst>
+                        <p:par>
+                          <p:cTn id="10" fill="hold">
+                            <p:stCondLst>
+                              <p:cond delay="0"/>
+                            </p:stCondLst>
+                            <p:childTnLst>
+                              <p:par>
+                                <p:cTn id="11" presetID="1" presetClass="exit" presetSubtype="0" fill="hold" nodeType="clickEffect">
+                                  <p:stCondLst>
+                                    <p:cond delay="0"/>
+                                  </p:stCondLst>
+                                  <p:childTnLst>
+                                    <p:set>
+                                      <p:cBhvr>
+                                        <p:cTn id="12" dur="1" fill="hold">
+                                          <p:stCondLst>
+                                            <p:cond delay="0"/>
+                                          </p:stCondLst>
+                                        </p:cTn>
+                                        <p:tgtEl>
+                                          <p:spTgt spid="1029"/>
+                                        </p:tgtEl>
+                                        <p:attrNameLst>
+                                          <p:attrName>style.visibility</p:attrName>
+                                        </p:attrNameLst>
+                                      </p:cBhvr>
+                                      <p:to>
+                                        <p:strVal val="hidden"/>
+                                      </p:to>
+                                    </p:set>
+                                  </p:childTnLst>
+                                </p:cTn>
+                              </p:par>
+                            </p:childTnLst>
+                          </p:cTn>
+                        </p:par>
+                      </p:childTnLst>
+                    </p:cTn>
+                  </p:par>
+                </p:childTnLst>
+              </p:cTn>
+              <p:prevCondLst>
+                <p:cond evt="onPrev" delay="0">
+                  <p:tgtEl>
+                    <p:sldTgt/>
+                  </p:tgtEl>
+                </p:cond>
+              </p:prevCondLst>
+              <p:nextCondLst>
+                <p:cond evt="onNext" delay="0">
+                  <p:tgtEl>
+                    <p:sldTgt/>
+                  </p:tgtEl>
+                </p:cond>
+              </p:nextCondLst>
+            </p:seq>
+          </p:childTnLst>
+        </p:cTn>
+      </p:par>
+    </p:tnLst>
+    <p:bldLst>
+      <p:bldP spid="8" grpId="0"/>
+    </p:bldLst>
+  </p:timing>
 </p:sld>
 </file>
 
@@ -13187,6 +15310,18 @@
   <p:clrMapOvr>
     <a:masterClrMapping/>
   </p:clrMapOvr>
+  <mc:AlternateContent xmlns:mc="http://schemas.openxmlformats.org/markup-compatibility/2006">
+    <mc:Choice xmlns:p14="http://schemas.microsoft.com/office/powerpoint/2010/main" Requires="p14">
+      <p:transition spd="med" p14:dur="700">
+        <p:fade/>
+      </p:transition>
+    </mc:Choice>
+    <mc:Fallback>
+      <p:transition spd="med">
+        <p:fade/>
+      </p:transition>
+    </mc:Fallback>
+  </mc:AlternateContent>
 </p:sld>
 </file>
 
@@ -13264,46 +15399,7 @@
             <a:pPr marL="0" indent="0">
               <a:buNone/>
             </a:pPr>
-            <a:r>
-              <a:rPr lang="ru-RU" dirty="0"/>
-              <a:t>Процесс программирования:</a:t>
-            </a:r>
-          </a:p>
-          <a:p>
-            <a:pPr marL="0" indent="0">
-              <a:buNone/>
-            </a:pPr>
-            <a:r>
-              <a:rPr lang="ru-RU" dirty="0"/>
-              <a:t>1. Разместить иконы в ДРАКОН-схеме</a:t>
-            </a:r>
-          </a:p>
-          <a:p>
-            <a:pPr marL="0" indent="0">
-              <a:buNone/>
-            </a:pPr>
-            <a:r>
-              <a:rPr lang="ru-RU" dirty="0"/>
-              <a:t>2. Поместить код внутри икон</a:t>
-            </a:r>
-          </a:p>
-          <a:p>
-            <a:pPr marL="0" indent="0">
-              <a:buNone/>
-            </a:pPr>
-            <a:r>
-              <a:rPr lang="ru-RU" dirty="0"/>
-              <a:t>3. Преобразовать программой-транслятором в текстовый файл с исходным кодом</a:t>
-            </a:r>
-          </a:p>
-          <a:p>
-            <a:pPr marL="0" indent="0">
-              <a:buNone/>
-            </a:pPr>
-            <a:r>
-              <a:rPr lang="ru-RU" dirty="0"/>
-              <a:t>4. Запустить сконвертированный код</a:t>
-            </a:r>
+            <a:endParaRPr lang="ru-RU" dirty="0"/>
           </a:p>
         </p:txBody>
       </p:sp>
@@ -13334,7 +15430,7 @@
         </p:blipFill>
         <p:spPr bwMode="auto">
           <a:xfrm>
-            <a:off x="2415810" y="4235678"/>
+            <a:off x="1753201" y="2738182"/>
             <a:ext cx="7772401" cy="2534479"/>
           </a:xfrm>
           <a:prstGeom prst="rect">
@@ -13391,6 +15487,18 @@
   <p:clrMapOvr>
     <a:masterClrMapping/>
   </p:clrMapOvr>
+  <mc:AlternateContent xmlns:mc="http://schemas.openxmlformats.org/markup-compatibility/2006">
+    <mc:Choice xmlns:p14="http://schemas.microsoft.com/office/powerpoint/2010/main" Requires="p14">
+      <p:transition spd="med" p14:dur="700">
+        <p:fade/>
+      </p:transition>
+    </mc:Choice>
+    <mc:Fallback>
+      <p:transition spd="med">
+        <p:fade/>
+      </p:transition>
+    </mc:Fallback>
+  </mc:AlternateContent>
 </p:sld>
 </file>
 
@@ -13434,7 +15542,7 @@
           <a:p>
             <a:r>
               <a:rPr lang="ru-RU" dirty="0"/>
-              <a:t>ЯЗЫК ДРАКОН</a:t>
+              <a:t>ЯЗЫК ДРАКОН – плюсы и минусы</a:t>
             </a:r>
           </a:p>
         </p:txBody>
@@ -13457,13 +15565,13 @@
         </p:nvSpPr>
         <p:spPr>
           <a:xfrm>
-            <a:off x="103271" y="2124310"/>
-            <a:ext cx="12201024" cy="3599316"/>
+            <a:off x="103271" y="2124309"/>
+            <a:ext cx="12201024" cy="4488525"/>
           </a:xfrm>
         </p:spPr>
         <p:txBody>
           <a:bodyPr>
-            <a:normAutofit fontScale="92500" lnSpcReduction="10000"/>
+            <a:normAutofit fontScale="55000" lnSpcReduction="20000"/>
           </a:bodyPr>
           <a:lstStyle/>
           <a:p>
@@ -13471,55 +15579,77 @@
               <a:buNone/>
             </a:pPr>
             <a:r>
-              <a:rPr lang="ru-RU" dirty="0"/>
+              <a:rPr lang="ru-RU" sz="4200" dirty="0"/>
               <a:t>Плюсы</a:t>
             </a:r>
           </a:p>
           <a:p>
             <a:r>
-              <a:rPr lang="ru-RU" dirty="0"/>
-              <a:t>наличие строгих правил построения ДРАКОН-схем</a:t>
-            </a:r>
-          </a:p>
-          <a:p>
-            <a:r>
-              <a:rPr lang="ru-RU" dirty="0"/>
-              <a:t>легкость в восприятии алгоритмов</a:t>
-            </a:r>
-          </a:p>
-          <a:p>
-            <a:r>
-              <a:rPr lang="ru-RU" dirty="0"/>
-              <a:t>низкий порог вхождения</a:t>
-            </a:r>
-          </a:p>
-          <a:p>
-            <a:endParaRPr lang="ru-RU" dirty="0"/>
+              <a:rPr lang="ru-RU" sz="4200" dirty="0"/>
+              <a:t>язык позволяет описывать практически любую деятельность </a:t>
+            </a:r>
+          </a:p>
+          <a:p>
+            <a:r>
+              <a:rPr lang="ru-RU" sz="4200" dirty="0"/>
+              <a:t>строгость правил языка сокращает время на проектирование</a:t>
+            </a:r>
+          </a:p>
+          <a:p>
+            <a:r>
+              <a:rPr lang="ru-RU" sz="4200" dirty="0"/>
+              <a:t>обеспечивает лучшую наглядность в сравнении с классическими языками программирования</a:t>
+            </a:r>
+          </a:p>
+          <a:p>
+            <a:r>
+              <a:rPr lang="ru-RU" sz="4200" dirty="0"/>
+              <a:t>обладает низким порогом вхождения</a:t>
+            </a:r>
+          </a:p>
+          <a:p>
+            <a:pPr marL="0" lvl="0" indent="0">
+              <a:lnSpc>
+                <a:spcPct val="100000"/>
+              </a:lnSpc>
+              <a:spcBef>
+                <a:spcPts val="0"/>
+              </a:spcBef>
+              <a:buNone/>
+              <a:defRPr/>
+            </a:pPr>
+            <a:endParaRPr lang="ru-RU" sz="4200" dirty="0"/>
           </a:p>
           <a:p>
             <a:pPr marL="0" indent="0">
               <a:buNone/>
             </a:pPr>
-            <a:r>
-              <a:rPr lang="ru-RU" dirty="0"/>
+            <a:endParaRPr lang="ru-RU" sz="4200" dirty="0"/>
+          </a:p>
+          <a:p>
+            <a:pPr marL="0" indent="0">
+              <a:buNone/>
+            </a:pPr>
+            <a:r>
+              <a:rPr lang="ru-RU" sz="4200" dirty="0"/>
               <a:t>Минусы:</a:t>
             </a:r>
           </a:p>
           <a:p>
             <a:r>
-              <a:rPr lang="ru-RU" dirty="0"/>
+              <a:rPr lang="ru-RU" sz="4200" dirty="0"/>
               <a:t>отсутствие стандарта языка</a:t>
             </a:r>
           </a:p>
           <a:p>
             <a:r>
-              <a:rPr lang="ru-RU" dirty="0"/>
+              <a:rPr lang="ru-RU" sz="4200" dirty="0"/>
               <a:t>отсутствие поддержки и развития языка со стороны компаний</a:t>
             </a:r>
           </a:p>
           <a:p>
             <a:r>
-              <a:rPr lang="ru-RU" dirty="0"/>
+              <a:rPr lang="ru-RU" sz="4200" dirty="0"/>
               <a:t>низкая вместимость полезной информации на единицу площади</a:t>
             </a:r>
           </a:p>
@@ -13570,6 +15700,18 @@
   <p:clrMapOvr>
     <a:masterClrMapping/>
   </p:clrMapOvr>
+  <mc:AlternateContent xmlns:mc="http://schemas.openxmlformats.org/markup-compatibility/2006">
+    <mc:Choice xmlns:p14="http://schemas.microsoft.com/office/powerpoint/2010/main" Requires="p14">
+      <p:transition spd="med" p14:dur="700">
+        <p:fade/>
+      </p:transition>
+    </mc:Choice>
+    <mc:Fallback>
+      <p:transition spd="med">
+        <p:fade/>
+      </p:transition>
+    </mc:Fallback>
+  </mc:AlternateContent>
 </p:sld>
 </file>
 
@@ -13660,7 +15802,7 @@
             </a:pPr>
             <a:r>
               <a:rPr lang="ru-RU" dirty="0"/>
-              <a:t>проектирование и разработка ИС для обучения алгоритмизации с помощью языка ДРАКОН.</a:t>
+              <a:t>проектирование и разработка ИС для автоматизации процесса обучения алгоритмизации с помощью языка ДРАКОН</a:t>
             </a:r>
           </a:p>
           <a:p>
@@ -13687,7 +15829,7 @@
           <a:p>
             <a:r>
               <a:rPr lang="ru-RU" dirty="0"/>
-              <a:t>снижение нагрузки на преподавателей</a:t>
+              <a:t>снижение нагрузки на преподавателей за счёт автоматизации процесса обучения основам алгоритмизации и программирования</a:t>
             </a:r>
           </a:p>
           <a:p>
@@ -13743,6 +15885,18 @@
   <p:clrMapOvr>
     <a:masterClrMapping/>
   </p:clrMapOvr>
+  <mc:AlternateContent xmlns:mc="http://schemas.openxmlformats.org/markup-compatibility/2006">
+    <mc:Choice xmlns:p14="http://schemas.microsoft.com/office/powerpoint/2010/main" Requires="p14">
+      <p:transition spd="med" p14:dur="700">
+        <p:fade/>
+      </p:transition>
+    </mc:Choice>
+    <mc:Fallback>
+      <p:transition spd="med">
+        <p:fade/>
+      </p:transition>
+    </mc:Fallback>
+  </mc:AlternateContent>
 </p:sld>
 </file>
 
@@ -13907,6 +16061,18 @@
   <p:clrMapOvr>
     <a:masterClrMapping/>
   </p:clrMapOvr>
+  <mc:AlternateContent xmlns:mc="http://schemas.openxmlformats.org/markup-compatibility/2006">
+    <mc:Choice xmlns:p14="http://schemas.microsoft.com/office/powerpoint/2010/main" Requires="p14">
+      <p:transition spd="med" p14:dur="700">
+        <p:fade/>
+      </p:transition>
+    </mc:Choice>
+    <mc:Fallback>
+      <p:transition spd="med">
+        <p:fade/>
+      </p:transition>
+    </mc:Fallback>
+  </mc:AlternateContent>
 </p:sld>
 </file>
 
@@ -13991,41 +16157,122 @@
       </p:sp>
       <p:pic>
         <p:nvPicPr>
-          <p:cNvPr id="7" name="Рисунок 6">
+          <p:cNvPr id="8" name="Рисунок 7">
             <a:extLst>
               <a:ext uri="{FF2B5EF4-FFF2-40B4-BE49-F238E27FC236}">
-                <a16:creationId xmlns:a16="http://schemas.microsoft.com/office/drawing/2014/main" id="{079EADD7-1926-4984-AE08-33B828920D62}"/>
+                <a16:creationId xmlns:a16="http://schemas.microsoft.com/office/drawing/2014/main" id="{5238192E-D2F5-5449-859F-8B784198FB0C}"/>
               </a:ext>
             </a:extLst>
           </p:cNvPr>
-          <p:cNvPicPr/>
+          <p:cNvPicPr>
+            <a:picLocks noChangeAspect="1"/>
+          </p:cNvPicPr>
           <p:nvPr/>
         </p:nvPicPr>
         <p:blipFill>
-          <a:blip r:embed="rId2">
-            <a:extLst>
-              <a:ext uri="{28A0092B-C50C-407E-A947-70E740481C1C}">
-                <a14:useLocalDpi xmlns:a14="http://schemas.microsoft.com/office/drawing/2010/main" val="0"/>
-              </a:ext>
-            </a:extLst>
-          </a:blip>
-          <a:srcRect/>
+          <a:blip r:embed="rId3"/>
           <a:stretch>
             <a:fillRect/>
           </a:stretch>
         </p:blipFill>
-        <p:spPr bwMode="auto">
+        <p:spPr>
           <a:xfrm>
-            <a:off x="1616926" y="1132597"/>
-            <a:ext cx="8003535" cy="5780429"/>
+            <a:off x="1795903" y="1298621"/>
+            <a:ext cx="8119915" cy="5118098"/>
           </a:xfrm>
           <a:prstGeom prst="rect">
             <a:avLst/>
           </a:prstGeom>
-          <a:noFill/>
-          <a:ln>
-            <a:noFill/>
-          </a:ln>
+        </p:spPr>
+      </p:pic>
+      <p:pic>
+        <p:nvPicPr>
+          <p:cNvPr id="10" name="Рисунок 9">
+            <a:extLst>
+              <a:ext uri="{FF2B5EF4-FFF2-40B4-BE49-F238E27FC236}">
+                <a16:creationId xmlns:a16="http://schemas.microsoft.com/office/drawing/2014/main" id="{F62879CC-E133-A946-9C45-73DFAA5C80BA}"/>
+              </a:ext>
+            </a:extLst>
+          </p:cNvPr>
+          <p:cNvPicPr>
+            <a:picLocks noChangeAspect="1"/>
+          </p:cNvPicPr>
+          <p:nvPr/>
+        </p:nvPicPr>
+        <p:blipFill>
+          <a:blip r:embed="rId4"/>
+          <a:stretch>
+            <a:fillRect/>
+          </a:stretch>
+        </p:blipFill>
+        <p:spPr>
+          <a:xfrm>
+            <a:off x="2468019" y="1540373"/>
+            <a:ext cx="7023558" cy="4634593"/>
+          </a:xfrm>
+          <a:prstGeom prst="rect">
+            <a:avLst/>
+          </a:prstGeom>
+        </p:spPr>
+      </p:pic>
+      <p:pic>
+        <p:nvPicPr>
+          <p:cNvPr id="12" name="Рисунок 11">
+            <a:extLst>
+              <a:ext uri="{FF2B5EF4-FFF2-40B4-BE49-F238E27FC236}">
+                <a16:creationId xmlns:a16="http://schemas.microsoft.com/office/drawing/2014/main" id="{BBA2B3F6-F771-C24C-8E0C-F34CD79D5B82}"/>
+              </a:ext>
+            </a:extLst>
+          </p:cNvPr>
+          <p:cNvPicPr>
+            <a:picLocks noChangeAspect="1"/>
+          </p:cNvPicPr>
+          <p:nvPr/>
+        </p:nvPicPr>
+        <p:blipFill>
+          <a:blip r:embed="rId5"/>
+          <a:stretch>
+            <a:fillRect/>
+          </a:stretch>
+        </p:blipFill>
+        <p:spPr>
+          <a:xfrm>
+            <a:off x="2713903" y="1526990"/>
+            <a:ext cx="6283914" cy="4634593"/>
+          </a:xfrm>
+          <a:prstGeom prst="rect">
+            <a:avLst/>
+          </a:prstGeom>
+        </p:spPr>
+      </p:pic>
+      <p:pic>
+        <p:nvPicPr>
+          <p:cNvPr id="16" name="Рисунок 15">
+            <a:extLst>
+              <a:ext uri="{FF2B5EF4-FFF2-40B4-BE49-F238E27FC236}">
+                <a16:creationId xmlns:a16="http://schemas.microsoft.com/office/drawing/2014/main" id="{8D12F9E7-BA6B-0E4A-A01F-9CED5067B3AF}"/>
+              </a:ext>
+            </a:extLst>
+          </p:cNvPr>
+          <p:cNvPicPr>
+            <a:picLocks noChangeAspect="1"/>
+          </p:cNvPicPr>
+          <p:nvPr/>
+        </p:nvPicPr>
+        <p:blipFill>
+          <a:blip r:embed="rId6"/>
+          <a:stretch>
+            <a:fillRect/>
+          </a:stretch>
+        </p:blipFill>
+        <p:spPr>
+          <a:xfrm>
+            <a:off x="1795902" y="1204882"/>
+            <a:ext cx="8119915" cy="5663057"/>
+          </a:xfrm>
+          <a:prstGeom prst="rect">
+            <a:avLst/>
+          </a:prstGeom>
         </p:spPr>
       </p:pic>
     </p:spTree>
@@ -14038,6 +16285,273 @@
   <p:clrMapOvr>
     <a:masterClrMapping/>
   </p:clrMapOvr>
+  <mc:AlternateContent xmlns:mc="http://schemas.openxmlformats.org/markup-compatibility/2006">
+    <mc:Choice xmlns:p14="http://schemas.microsoft.com/office/powerpoint/2010/main" Requires="p14">
+      <p:transition spd="med" p14:dur="700">
+        <p:fade/>
+      </p:transition>
+    </mc:Choice>
+    <mc:Fallback>
+      <p:transition spd="med">
+        <p:fade/>
+      </p:transition>
+    </mc:Fallback>
+  </mc:AlternateContent>
+  <p:timing>
+    <p:tnLst>
+      <p:par>
+        <p:cTn id="1" dur="indefinite" restart="never" nodeType="tmRoot">
+          <p:childTnLst>
+            <p:seq concurrent="1" nextAc="seek">
+              <p:cTn id="2" dur="indefinite" nodeType="mainSeq">
+                <p:childTnLst>
+                  <p:par>
+                    <p:cTn id="3" fill="hold">
+                      <p:stCondLst>
+                        <p:cond delay="indefinite"/>
+                      </p:stCondLst>
+                      <p:childTnLst>
+                        <p:par>
+                          <p:cTn id="4" fill="hold">
+                            <p:stCondLst>
+                              <p:cond delay="0"/>
+                            </p:stCondLst>
+                            <p:childTnLst>
+                              <p:par>
+                                <p:cTn id="5" presetID="1" presetClass="exit" presetSubtype="0" fill="hold" nodeType="clickEffect">
+                                  <p:stCondLst>
+                                    <p:cond delay="0"/>
+                                  </p:stCondLst>
+                                  <p:childTnLst>
+                                    <p:set>
+                                      <p:cBhvr>
+                                        <p:cTn id="6" dur="1" fill="hold">
+                                          <p:stCondLst>
+                                            <p:cond delay="0"/>
+                                          </p:stCondLst>
+                                        </p:cTn>
+                                        <p:tgtEl>
+                                          <p:spTgt spid="8"/>
+                                        </p:tgtEl>
+                                        <p:attrNameLst>
+                                          <p:attrName>style.visibility</p:attrName>
+                                        </p:attrNameLst>
+                                      </p:cBhvr>
+                                      <p:to>
+                                        <p:strVal val="hidden"/>
+                                      </p:to>
+                                    </p:set>
+                                  </p:childTnLst>
+                                </p:cTn>
+                              </p:par>
+                            </p:childTnLst>
+                          </p:cTn>
+                        </p:par>
+                      </p:childTnLst>
+                    </p:cTn>
+                  </p:par>
+                  <p:par>
+                    <p:cTn id="7" fill="hold">
+                      <p:stCondLst>
+                        <p:cond delay="indefinite"/>
+                      </p:stCondLst>
+                      <p:childTnLst>
+                        <p:par>
+                          <p:cTn id="8" fill="hold">
+                            <p:stCondLst>
+                              <p:cond delay="0"/>
+                            </p:stCondLst>
+                            <p:childTnLst>
+                              <p:par>
+                                <p:cTn id="9" presetID="1" presetClass="entr" presetSubtype="0" fill="hold" nodeType="clickEffect">
+                                  <p:stCondLst>
+                                    <p:cond delay="0"/>
+                                  </p:stCondLst>
+                                  <p:childTnLst>
+                                    <p:set>
+                                      <p:cBhvr>
+                                        <p:cTn id="10" dur="1" fill="hold">
+                                          <p:stCondLst>
+                                            <p:cond delay="0"/>
+                                          </p:stCondLst>
+                                        </p:cTn>
+                                        <p:tgtEl>
+                                          <p:spTgt spid="10"/>
+                                        </p:tgtEl>
+                                        <p:attrNameLst>
+                                          <p:attrName>style.visibility</p:attrName>
+                                        </p:attrNameLst>
+                                      </p:cBhvr>
+                                      <p:to>
+                                        <p:strVal val="visible"/>
+                                      </p:to>
+                                    </p:set>
+                                  </p:childTnLst>
+                                </p:cTn>
+                              </p:par>
+                            </p:childTnLst>
+                          </p:cTn>
+                        </p:par>
+                      </p:childTnLst>
+                    </p:cTn>
+                  </p:par>
+                  <p:par>
+                    <p:cTn id="11" fill="hold">
+                      <p:stCondLst>
+                        <p:cond delay="indefinite"/>
+                      </p:stCondLst>
+                      <p:childTnLst>
+                        <p:par>
+                          <p:cTn id="12" fill="hold">
+                            <p:stCondLst>
+                              <p:cond delay="0"/>
+                            </p:stCondLst>
+                            <p:childTnLst>
+                              <p:par>
+                                <p:cTn id="13" presetID="1" presetClass="exit" presetSubtype="0" fill="hold" nodeType="clickEffect">
+                                  <p:stCondLst>
+                                    <p:cond delay="0"/>
+                                  </p:stCondLst>
+                                  <p:childTnLst>
+                                    <p:set>
+                                      <p:cBhvr>
+                                        <p:cTn id="14" dur="1" fill="hold">
+                                          <p:stCondLst>
+                                            <p:cond delay="0"/>
+                                          </p:stCondLst>
+                                        </p:cTn>
+                                        <p:tgtEl>
+                                          <p:spTgt spid="10"/>
+                                        </p:tgtEl>
+                                        <p:attrNameLst>
+                                          <p:attrName>style.visibility</p:attrName>
+                                        </p:attrNameLst>
+                                      </p:cBhvr>
+                                      <p:to>
+                                        <p:strVal val="hidden"/>
+                                      </p:to>
+                                    </p:set>
+                                  </p:childTnLst>
+                                </p:cTn>
+                              </p:par>
+                            </p:childTnLst>
+                          </p:cTn>
+                        </p:par>
+                      </p:childTnLst>
+                    </p:cTn>
+                  </p:par>
+                  <p:par>
+                    <p:cTn id="15" fill="hold">
+                      <p:stCondLst>
+                        <p:cond delay="indefinite"/>
+                      </p:stCondLst>
+                      <p:childTnLst>
+                        <p:par>
+                          <p:cTn id="16" fill="hold">
+                            <p:stCondLst>
+                              <p:cond delay="0"/>
+                            </p:stCondLst>
+                            <p:childTnLst>
+                              <p:par>
+                                <p:cTn id="17" presetID="1" presetClass="entr" presetSubtype="0" fill="hold" nodeType="clickEffect">
+                                  <p:stCondLst>
+                                    <p:cond delay="0"/>
+                                  </p:stCondLst>
+                                  <p:childTnLst>
+                                    <p:set>
+                                      <p:cBhvr>
+                                        <p:cTn id="18" dur="1" fill="hold">
+                                          <p:stCondLst>
+                                            <p:cond delay="0"/>
+                                          </p:stCondLst>
+                                        </p:cTn>
+                                        <p:tgtEl>
+                                          <p:spTgt spid="12"/>
+                                        </p:tgtEl>
+                                        <p:attrNameLst>
+                                          <p:attrName>style.visibility</p:attrName>
+                                        </p:attrNameLst>
+                                      </p:cBhvr>
+                                      <p:to>
+                                        <p:strVal val="visible"/>
+                                      </p:to>
+                                    </p:set>
+                                  </p:childTnLst>
+                                </p:cTn>
+                              </p:par>
+                            </p:childTnLst>
+                          </p:cTn>
+                        </p:par>
+                      </p:childTnLst>
+                    </p:cTn>
+                  </p:par>
+                  <p:par>
+                    <p:cTn id="19" fill="hold">
+                      <p:stCondLst>
+                        <p:cond delay="indefinite"/>
+                      </p:stCondLst>
+                      <p:childTnLst>
+                        <p:par>
+                          <p:cTn id="20" fill="hold">
+                            <p:stCondLst>
+                              <p:cond delay="0"/>
+                            </p:stCondLst>
+                            <p:childTnLst>
+                              <p:par>
+                                <p:cTn id="21" presetID="1" presetClass="entr" presetSubtype="0" fill="hold" nodeType="clickEffect">
+                                  <p:stCondLst>
+                                    <p:cond delay="0"/>
+                                  </p:stCondLst>
+                                  <p:childTnLst>
+                                    <p:set>
+                                      <p:cBhvr>
+                                        <p:cTn id="22" dur="1" fill="hold">
+                                          <p:stCondLst>
+                                            <p:cond delay="0"/>
+                                          </p:stCondLst>
+                                        </p:cTn>
+                                        <p:tgtEl>
+                                          <p:spTgt spid="16"/>
+                                        </p:tgtEl>
+                                        <p:attrNameLst>
+                                          <p:attrName>style.visibility</p:attrName>
+                                        </p:attrNameLst>
+                                      </p:cBhvr>
+                                      <p:to>
+                                        <p:strVal val="visible"/>
+                                      </p:to>
+                                    </p:set>
+                                  </p:childTnLst>
+                                </p:cTn>
+                              </p:par>
+                            </p:childTnLst>
+                          </p:cTn>
+                        </p:par>
+                      </p:childTnLst>
+                    </p:cTn>
+                  </p:par>
+                </p:childTnLst>
+              </p:cTn>
+              <p:prevCondLst>
+                <p:cond evt="onPrev" delay="0">
+                  <p:tgtEl>
+                    <p:sldTgt/>
+                  </p:tgtEl>
+                </p:cond>
+              </p:prevCondLst>
+              <p:nextCondLst>
+                <p:cond evt="onNext" delay="0">
+                  <p:tgtEl>
+                    <p:sldTgt/>
+                  </p:tgtEl>
+                </p:cond>
+              </p:nextCondLst>
+            </p:seq>
+          </p:childTnLst>
+        </p:cTn>
+      </p:par>
+    </p:tnLst>
+  </p:timing>
 </p:sld>
 </file>
 
